--- a/Presentazione/Presentazione.pptx
+++ b/Presentazione/Presentazione.pptx
@@ -7,10 +7,13 @@
   <p:sldIdLst>
     <p:sldId id="256" r:id="rId2"/>
     <p:sldId id="257" r:id="rId3"/>
-    <p:sldId id="262" r:id="rId4"/>
-    <p:sldId id="259" r:id="rId5"/>
-    <p:sldId id="261" r:id="rId6"/>
-    <p:sldId id="260" r:id="rId7"/>
+    <p:sldId id="264" r:id="rId4"/>
+    <p:sldId id="265" r:id="rId5"/>
+    <p:sldId id="266" r:id="rId6"/>
+    <p:sldId id="268" r:id="rId7"/>
+    <p:sldId id="267" r:id="rId8"/>
+    <p:sldId id="269" r:id="rId9"/>
+    <p:sldId id="259" r:id="rId10"/>
   </p:sldIdLst>
   <p:sldSz cx="12192000" cy="6858000"/>
   <p:notesSz cx="6858000" cy="9144000"/>
@@ -120,7 +123,7 @@
 <file path=ppt/revisionInfo.xml><?xml version="1.0" encoding="utf-8"?>
 <p1510:revInfo xmlns:a="http://schemas.openxmlformats.org/drawingml/2006/main" xmlns:r="http://schemas.openxmlformats.org/officeDocument/2006/relationships" xmlns:p1510="http://schemas.microsoft.com/office/powerpoint/2015/10/main">
   <p1510:revLst>
-    <p1510:client id="{0E42CAE1-F7F5-4FB3-BD0A-CF690EFE2867}" v="84" dt="2022-12-05T11:51:06.047"/>
+    <p1510:client id="{209715FE-8D35-4D65-AD6F-5E926C267CD7}" v="12" dt="2022-12-14T17:52:05.425"/>
   </p1510:revLst>
 </p1510:revInfo>
 </file>
@@ -535,6 +538,343 @@
       </pc:sldMasterChg>
     </pc:docChg>
   </pc:docChgLst>
+  <pc:docChgLst>
+    <pc:chgData name="Alessi Gabriele" userId="70aede1a-fec5-4aae-8738-08363ca282e6" providerId="ADAL" clId="{209715FE-8D35-4D65-AD6F-5E926C267CD7}"/>
+    <pc:docChg chg="undo redo custSel addSld delSld modSld sldOrd">
+      <pc:chgData name="Alessi Gabriele" userId="70aede1a-fec5-4aae-8738-08363ca282e6" providerId="ADAL" clId="{209715FE-8D35-4D65-AD6F-5E926C267CD7}" dt="2022-12-14T17:56:57.360" v="1002" actId="1036"/>
+      <pc:docMkLst>
+        <pc:docMk/>
+      </pc:docMkLst>
+      <pc:sldChg chg="modSp mod">
+        <pc:chgData name="Alessi Gabriele" userId="70aede1a-fec5-4aae-8738-08363ca282e6" providerId="ADAL" clId="{209715FE-8D35-4D65-AD6F-5E926C267CD7}" dt="2022-12-14T17:56:57.360" v="1002" actId="1036"/>
+        <pc:sldMkLst>
+          <pc:docMk/>
+          <pc:sldMk cId="2583089332" sldId="256"/>
+        </pc:sldMkLst>
+        <pc:spChg chg="mod">
+          <ac:chgData name="Alessi Gabriele" userId="70aede1a-fec5-4aae-8738-08363ca282e6" providerId="ADAL" clId="{209715FE-8D35-4D65-AD6F-5E926C267CD7}" dt="2022-12-14T17:56:57.360" v="1002" actId="1036"/>
+          <ac:spMkLst>
+            <pc:docMk/>
+            <pc:sldMk cId="2583089332" sldId="256"/>
+            <ac:spMk id="2" creationId="{1B8C4286-35AC-99F6-2D10-A28F18C5B68E}"/>
+          </ac:spMkLst>
+        </pc:spChg>
+        <pc:spChg chg="mod">
+          <ac:chgData name="Alessi Gabriele" userId="70aede1a-fec5-4aae-8738-08363ca282e6" providerId="ADAL" clId="{209715FE-8D35-4D65-AD6F-5E926C267CD7}" dt="2022-12-14T17:56:35.733" v="998" actId="1076"/>
+          <ac:spMkLst>
+            <pc:docMk/>
+            <pc:sldMk cId="2583089332" sldId="256"/>
+            <ac:spMk id="3" creationId="{62DDF534-A1A8-EE72-1607-B8E0E0C6AB5C}"/>
+          </ac:spMkLst>
+        </pc:spChg>
+      </pc:sldChg>
+      <pc:sldChg chg="addSp modSp mod">
+        <pc:chgData name="Alessi Gabriele" userId="70aede1a-fec5-4aae-8738-08363ca282e6" providerId="ADAL" clId="{209715FE-8D35-4D65-AD6F-5E926C267CD7}" dt="2022-12-14T17:14:43.861" v="241" actId="1076"/>
+        <pc:sldMkLst>
+          <pc:docMk/>
+          <pc:sldMk cId="3886529070" sldId="257"/>
+        </pc:sldMkLst>
+        <pc:spChg chg="mod">
+          <ac:chgData name="Alessi Gabriele" userId="70aede1a-fec5-4aae-8738-08363ca282e6" providerId="ADAL" clId="{209715FE-8D35-4D65-AD6F-5E926C267CD7}" dt="2022-12-14T17:13:47.542" v="232" actId="1076"/>
+          <ac:spMkLst>
+            <pc:docMk/>
+            <pc:sldMk cId="3886529070" sldId="257"/>
+            <ac:spMk id="2" creationId="{879831E4-11E3-5912-4DA5-3877ED87C2C8}"/>
+          </ac:spMkLst>
+        </pc:spChg>
+        <pc:spChg chg="mod">
+          <ac:chgData name="Alessi Gabriele" userId="70aede1a-fec5-4aae-8738-08363ca282e6" providerId="ADAL" clId="{209715FE-8D35-4D65-AD6F-5E926C267CD7}" dt="2022-12-14T17:14:27.760" v="236" actId="1076"/>
+          <ac:spMkLst>
+            <pc:docMk/>
+            <pc:sldMk cId="3886529070" sldId="257"/>
+            <ac:spMk id="3" creationId="{F968FC28-8D72-8F4D-8610-D4F615127428}"/>
+          </ac:spMkLst>
+        </pc:spChg>
+        <pc:picChg chg="add mod">
+          <ac:chgData name="Alessi Gabriele" userId="70aede1a-fec5-4aae-8738-08363ca282e6" providerId="ADAL" clId="{209715FE-8D35-4D65-AD6F-5E926C267CD7}" dt="2022-12-14T17:14:43.861" v="241" actId="1076"/>
+          <ac:picMkLst>
+            <pc:docMk/>
+            <pc:sldMk cId="3886529070" sldId="257"/>
+            <ac:picMk id="5" creationId="{A0308F37-BA4F-F451-F542-C22969646C44}"/>
+          </ac:picMkLst>
+        </pc:picChg>
+      </pc:sldChg>
+      <pc:sldChg chg="modSp mod ord">
+        <pc:chgData name="Alessi Gabriele" userId="70aede1a-fec5-4aae-8738-08363ca282e6" providerId="ADAL" clId="{209715FE-8D35-4D65-AD6F-5E926C267CD7}" dt="2022-12-14T17:50:11.326" v="946"/>
+        <pc:sldMkLst>
+          <pc:docMk/>
+          <pc:sldMk cId="3389366456" sldId="259"/>
+        </pc:sldMkLst>
+        <pc:spChg chg="mod">
+          <ac:chgData name="Alessi Gabriele" userId="70aede1a-fec5-4aae-8738-08363ca282e6" providerId="ADAL" clId="{209715FE-8D35-4D65-AD6F-5E926C267CD7}" dt="2022-12-14T17:35:48.216" v="616" actId="14100"/>
+          <ac:spMkLst>
+            <pc:docMk/>
+            <pc:sldMk cId="3389366456" sldId="259"/>
+            <ac:spMk id="2" creationId="{879831E4-11E3-5912-4DA5-3877ED87C2C8}"/>
+          </ac:spMkLst>
+        </pc:spChg>
+      </pc:sldChg>
+      <pc:sldChg chg="del ord">
+        <pc:chgData name="Alessi Gabriele" userId="70aede1a-fec5-4aae-8738-08363ca282e6" providerId="ADAL" clId="{209715FE-8D35-4D65-AD6F-5E926C267CD7}" dt="2022-12-14T17:49:26.362" v="940" actId="47"/>
+        <pc:sldMkLst>
+          <pc:docMk/>
+          <pc:sldMk cId="2930733910" sldId="260"/>
+        </pc:sldMkLst>
+      </pc:sldChg>
+      <pc:sldChg chg="del ord">
+        <pc:chgData name="Alessi Gabriele" userId="70aede1a-fec5-4aae-8738-08363ca282e6" providerId="ADAL" clId="{209715FE-8D35-4D65-AD6F-5E926C267CD7}" dt="2022-12-14T17:51:19.988" v="968" actId="47"/>
+        <pc:sldMkLst>
+          <pc:docMk/>
+          <pc:sldMk cId="2961776340" sldId="261"/>
+        </pc:sldMkLst>
+      </pc:sldChg>
+      <pc:sldChg chg="del">
+        <pc:chgData name="Alessi Gabriele" userId="70aede1a-fec5-4aae-8738-08363ca282e6" providerId="ADAL" clId="{209715FE-8D35-4D65-AD6F-5E926C267CD7}" dt="2022-12-14T17:33:33.447" v="609" actId="47"/>
+        <pc:sldMkLst>
+          <pc:docMk/>
+          <pc:sldMk cId="2669345787" sldId="262"/>
+        </pc:sldMkLst>
+      </pc:sldChg>
+      <pc:sldChg chg="modSp new del mod">
+        <pc:chgData name="Alessi Gabriele" userId="70aede1a-fec5-4aae-8738-08363ca282e6" providerId="ADAL" clId="{209715FE-8D35-4D65-AD6F-5E926C267CD7}" dt="2022-12-14T17:05:04.515" v="26" actId="47"/>
+        <pc:sldMkLst>
+          <pc:docMk/>
+          <pc:sldMk cId="2709582725" sldId="263"/>
+        </pc:sldMkLst>
+        <pc:spChg chg="mod">
+          <ac:chgData name="Alessi Gabriele" userId="70aede1a-fec5-4aae-8738-08363ca282e6" providerId="ADAL" clId="{209715FE-8D35-4D65-AD6F-5E926C267CD7}" dt="2022-12-14T17:04:56.237" v="16" actId="20577"/>
+          <ac:spMkLst>
+            <pc:docMk/>
+            <pc:sldMk cId="2709582725" sldId="263"/>
+            <ac:spMk id="2" creationId="{0F505550-0A09-BD7D-D64D-69FDB036F919}"/>
+          </ac:spMkLst>
+        </pc:spChg>
+        <pc:spChg chg="mod">
+          <ac:chgData name="Alessi Gabriele" userId="70aede1a-fec5-4aae-8738-08363ca282e6" providerId="ADAL" clId="{209715FE-8D35-4D65-AD6F-5E926C267CD7}" dt="2022-12-14T17:04:59.228" v="25" actId="5793"/>
+          <ac:spMkLst>
+            <pc:docMk/>
+            <pc:sldMk cId="2709582725" sldId="263"/>
+            <ac:spMk id="3" creationId="{61585680-D0B0-1823-2282-5C2B14265892}"/>
+          </ac:spMkLst>
+        </pc:spChg>
+      </pc:sldChg>
+      <pc:sldChg chg="add del">
+        <pc:chgData name="Alessi Gabriele" userId="70aede1a-fec5-4aae-8738-08363ca282e6" providerId="ADAL" clId="{209715FE-8D35-4D65-AD6F-5E926C267CD7}" dt="2022-12-14T17:31:46.347" v="588" actId="47"/>
+        <pc:sldMkLst>
+          <pc:docMk/>
+          <pc:sldMk cId="2734233861" sldId="263"/>
+        </pc:sldMkLst>
+      </pc:sldChg>
+      <pc:sldChg chg="delSp modSp add mod">
+        <pc:chgData name="Alessi Gabriele" userId="70aede1a-fec5-4aae-8738-08363ca282e6" providerId="ADAL" clId="{209715FE-8D35-4D65-AD6F-5E926C267CD7}" dt="2022-12-14T17:39:54.012" v="649" actId="20577"/>
+        <pc:sldMkLst>
+          <pc:docMk/>
+          <pc:sldMk cId="3128457673" sldId="264"/>
+        </pc:sldMkLst>
+        <pc:spChg chg="mod">
+          <ac:chgData name="Alessi Gabriele" userId="70aede1a-fec5-4aae-8738-08363ca282e6" providerId="ADAL" clId="{209715FE-8D35-4D65-AD6F-5E926C267CD7}" dt="2022-12-14T17:17:09.474" v="254" actId="20577"/>
+          <ac:spMkLst>
+            <pc:docMk/>
+            <pc:sldMk cId="3128457673" sldId="264"/>
+            <ac:spMk id="2" creationId="{879831E4-11E3-5912-4DA5-3877ED87C2C8}"/>
+          </ac:spMkLst>
+        </pc:spChg>
+        <pc:spChg chg="mod">
+          <ac:chgData name="Alessi Gabriele" userId="70aede1a-fec5-4aae-8738-08363ca282e6" providerId="ADAL" clId="{209715FE-8D35-4D65-AD6F-5E926C267CD7}" dt="2022-12-14T17:39:54.012" v="649" actId="20577"/>
+          <ac:spMkLst>
+            <pc:docMk/>
+            <pc:sldMk cId="3128457673" sldId="264"/>
+            <ac:spMk id="3" creationId="{F968FC28-8D72-8F4D-8610-D4F615127428}"/>
+          </ac:spMkLst>
+        </pc:spChg>
+        <pc:picChg chg="del">
+          <ac:chgData name="Alessi Gabriele" userId="70aede1a-fec5-4aae-8738-08363ca282e6" providerId="ADAL" clId="{209715FE-8D35-4D65-AD6F-5E926C267CD7}" dt="2022-12-14T17:31:04.983" v="585" actId="478"/>
+          <ac:picMkLst>
+            <pc:docMk/>
+            <pc:sldMk cId="3128457673" sldId="264"/>
+            <ac:picMk id="5" creationId="{A0308F37-BA4F-F451-F542-C22969646C44}"/>
+          </ac:picMkLst>
+        </pc:picChg>
+      </pc:sldChg>
+      <pc:sldChg chg="addSp delSp modSp add mod">
+        <pc:chgData name="Alessi Gabriele" userId="70aede1a-fec5-4aae-8738-08363ca282e6" providerId="ADAL" clId="{209715FE-8D35-4D65-AD6F-5E926C267CD7}" dt="2022-12-14T17:34:08.587" v="614" actId="1035"/>
+        <pc:sldMkLst>
+          <pc:docMk/>
+          <pc:sldMk cId="2696425520" sldId="265"/>
+        </pc:sldMkLst>
+        <pc:spChg chg="mod">
+          <ac:chgData name="Alessi Gabriele" userId="70aede1a-fec5-4aae-8738-08363ca282e6" providerId="ADAL" clId="{209715FE-8D35-4D65-AD6F-5E926C267CD7}" dt="2022-12-14T17:31:58.904" v="602" actId="20577"/>
+          <ac:spMkLst>
+            <pc:docMk/>
+            <pc:sldMk cId="2696425520" sldId="265"/>
+            <ac:spMk id="2" creationId="{879831E4-11E3-5912-4DA5-3877ED87C2C8}"/>
+          </ac:spMkLst>
+        </pc:spChg>
+        <pc:spChg chg="del">
+          <ac:chgData name="Alessi Gabriele" userId="70aede1a-fec5-4aae-8738-08363ca282e6" providerId="ADAL" clId="{209715FE-8D35-4D65-AD6F-5E926C267CD7}" dt="2022-12-14T17:32:22.240" v="603" actId="478"/>
+          <ac:spMkLst>
+            <pc:docMk/>
+            <pc:sldMk cId="2696425520" sldId="265"/>
+            <ac:spMk id="3" creationId="{F968FC28-8D72-8F4D-8610-D4F615127428}"/>
+          </ac:spMkLst>
+        </pc:spChg>
+        <pc:spChg chg="add del mod">
+          <ac:chgData name="Alessi Gabriele" userId="70aede1a-fec5-4aae-8738-08363ca282e6" providerId="ADAL" clId="{209715FE-8D35-4D65-AD6F-5E926C267CD7}" dt="2022-12-14T17:33:27.985" v="606"/>
+          <ac:spMkLst>
+            <pc:docMk/>
+            <pc:sldMk cId="2696425520" sldId="265"/>
+            <ac:spMk id="5" creationId="{2B1E32D2-6A70-2373-0B92-189EFEDF61D4}"/>
+          </ac:spMkLst>
+        </pc:spChg>
+        <pc:picChg chg="add mod">
+          <ac:chgData name="Alessi Gabriele" userId="70aede1a-fec5-4aae-8738-08363ca282e6" providerId="ADAL" clId="{209715FE-8D35-4D65-AD6F-5E926C267CD7}" dt="2022-12-14T17:34:08.587" v="614" actId="1035"/>
+          <ac:picMkLst>
+            <pc:docMk/>
+            <pc:sldMk cId="2696425520" sldId="265"/>
+            <ac:picMk id="6" creationId="{CDF7546A-9411-007C-9928-B9CB0EDCEDF0}"/>
+          </ac:picMkLst>
+        </pc:picChg>
+        <pc:picChg chg="add mod">
+          <ac:chgData name="Alessi Gabriele" userId="70aede1a-fec5-4aae-8738-08363ca282e6" providerId="ADAL" clId="{209715FE-8D35-4D65-AD6F-5E926C267CD7}" dt="2022-12-14T17:33:48.707" v="611" actId="1076"/>
+          <ac:picMkLst>
+            <pc:docMk/>
+            <pc:sldMk cId="2696425520" sldId="265"/>
+            <ac:picMk id="7" creationId="{E24B9859-F533-25F5-6E06-D0214490E4F4}"/>
+          </ac:picMkLst>
+        </pc:picChg>
+      </pc:sldChg>
+      <pc:sldChg chg="modSp add mod ord">
+        <pc:chgData name="Alessi Gabriele" userId="70aede1a-fec5-4aae-8738-08363ca282e6" providerId="ADAL" clId="{209715FE-8D35-4D65-AD6F-5E926C267CD7}" dt="2022-12-14T17:47:27.072" v="912" actId="1076"/>
+        <pc:sldMkLst>
+          <pc:docMk/>
+          <pc:sldMk cId="3722465700" sldId="266"/>
+        </pc:sldMkLst>
+        <pc:spChg chg="mod">
+          <ac:chgData name="Alessi Gabriele" userId="70aede1a-fec5-4aae-8738-08363ca282e6" providerId="ADAL" clId="{209715FE-8D35-4D65-AD6F-5E926C267CD7}" dt="2022-12-14T17:39:15.241" v="635" actId="20577"/>
+          <ac:spMkLst>
+            <pc:docMk/>
+            <pc:sldMk cId="3722465700" sldId="266"/>
+            <ac:spMk id="2" creationId="{879831E4-11E3-5912-4DA5-3877ED87C2C8}"/>
+          </ac:spMkLst>
+        </pc:spChg>
+        <pc:spChg chg="mod">
+          <ac:chgData name="Alessi Gabriele" userId="70aede1a-fec5-4aae-8738-08363ca282e6" providerId="ADAL" clId="{209715FE-8D35-4D65-AD6F-5E926C267CD7}" dt="2022-12-14T17:47:27.072" v="912" actId="1076"/>
+          <ac:spMkLst>
+            <pc:docMk/>
+            <pc:sldMk cId="3722465700" sldId="266"/>
+            <ac:spMk id="3" creationId="{F968FC28-8D72-8F4D-8610-D4F615127428}"/>
+          </ac:spMkLst>
+        </pc:spChg>
+      </pc:sldChg>
+      <pc:sldChg chg="modSp add mod ord">
+        <pc:chgData name="Alessi Gabriele" userId="70aede1a-fec5-4aae-8738-08363ca282e6" providerId="ADAL" clId="{209715FE-8D35-4D65-AD6F-5E926C267CD7}" dt="2022-12-14T17:50:07.363" v="942"/>
+        <pc:sldMkLst>
+          <pc:docMk/>
+          <pc:sldMk cId="1438295537" sldId="267"/>
+        </pc:sldMkLst>
+        <pc:spChg chg="mod">
+          <ac:chgData name="Alessi Gabriele" userId="70aede1a-fec5-4aae-8738-08363ca282e6" providerId="ADAL" clId="{209715FE-8D35-4D65-AD6F-5E926C267CD7}" dt="2022-12-14T17:48:44.332" v="921" actId="20577"/>
+          <ac:spMkLst>
+            <pc:docMk/>
+            <pc:sldMk cId="1438295537" sldId="267"/>
+            <ac:spMk id="2" creationId="{879831E4-11E3-5912-4DA5-3877ED87C2C8}"/>
+          </ac:spMkLst>
+        </pc:spChg>
+        <pc:spChg chg="mod">
+          <ac:chgData name="Alessi Gabriele" userId="70aede1a-fec5-4aae-8738-08363ca282e6" providerId="ADAL" clId="{209715FE-8D35-4D65-AD6F-5E926C267CD7}" dt="2022-12-14T17:49:08.121" v="937" actId="20577"/>
+          <ac:spMkLst>
+            <pc:docMk/>
+            <pc:sldMk cId="1438295537" sldId="267"/>
+            <ac:spMk id="3" creationId="{F968FC28-8D72-8F4D-8610-D4F615127428}"/>
+          </ac:spMkLst>
+        </pc:spChg>
+      </pc:sldChg>
+      <pc:sldChg chg="addSp delSp modSp add mod ord">
+        <pc:chgData name="Alessi Gabriele" userId="70aede1a-fec5-4aae-8738-08363ca282e6" providerId="ADAL" clId="{209715FE-8D35-4D65-AD6F-5E926C267CD7}" dt="2022-12-14T17:51:14.108" v="967" actId="1076"/>
+        <pc:sldMkLst>
+          <pc:docMk/>
+          <pc:sldMk cId="566374648" sldId="268"/>
+        </pc:sldMkLst>
+        <pc:spChg chg="mod">
+          <ac:chgData name="Alessi Gabriele" userId="70aede1a-fec5-4aae-8738-08363ca282e6" providerId="ADAL" clId="{209715FE-8D35-4D65-AD6F-5E926C267CD7}" dt="2022-12-14T17:50:37.321" v="960" actId="20577"/>
+          <ac:spMkLst>
+            <pc:docMk/>
+            <pc:sldMk cId="566374648" sldId="268"/>
+            <ac:spMk id="2" creationId="{879831E4-11E3-5912-4DA5-3877ED87C2C8}"/>
+          </ac:spMkLst>
+        </pc:spChg>
+        <pc:spChg chg="add del mod">
+          <ac:chgData name="Alessi Gabriele" userId="70aede1a-fec5-4aae-8738-08363ca282e6" providerId="ADAL" clId="{209715FE-8D35-4D65-AD6F-5E926C267CD7}" dt="2022-12-14T17:50:55.839" v="963"/>
+          <ac:spMkLst>
+            <pc:docMk/>
+            <pc:sldMk cId="566374648" sldId="268"/>
+            <ac:spMk id="4" creationId="{845353CB-F466-F0C1-1084-9566076564B2}"/>
+          </ac:spMkLst>
+        </pc:spChg>
+        <pc:picChg chg="add mod">
+          <ac:chgData name="Alessi Gabriele" userId="70aede1a-fec5-4aae-8738-08363ca282e6" providerId="ADAL" clId="{209715FE-8D35-4D65-AD6F-5E926C267CD7}" dt="2022-12-14T17:51:14.108" v="967" actId="1076"/>
+          <ac:picMkLst>
+            <pc:docMk/>
+            <pc:sldMk cId="566374648" sldId="268"/>
+            <ac:picMk id="5" creationId="{2AC70BE5-F3B3-CFA2-8978-C9382EB541E8}"/>
+          </ac:picMkLst>
+        </pc:picChg>
+        <pc:picChg chg="del">
+          <ac:chgData name="Alessi Gabriele" userId="70aede1a-fec5-4aae-8738-08363ca282e6" providerId="ADAL" clId="{209715FE-8D35-4D65-AD6F-5E926C267CD7}" dt="2022-12-14T17:50:40.514" v="961" actId="478"/>
+          <ac:picMkLst>
+            <pc:docMk/>
+            <pc:sldMk cId="566374648" sldId="268"/>
+            <ac:picMk id="6" creationId="{CDF7546A-9411-007C-9928-B9CB0EDCEDF0}"/>
+          </ac:picMkLst>
+        </pc:picChg>
+        <pc:picChg chg="del">
+          <ac:chgData name="Alessi Gabriele" userId="70aede1a-fec5-4aae-8738-08363ca282e6" providerId="ADAL" clId="{209715FE-8D35-4D65-AD6F-5E926C267CD7}" dt="2022-12-14T17:50:42.032" v="962" actId="478"/>
+          <ac:picMkLst>
+            <pc:docMk/>
+            <pc:sldMk cId="566374648" sldId="268"/>
+            <ac:picMk id="7" creationId="{E24B9859-F533-25F5-6E06-D0214490E4F4}"/>
+          </ac:picMkLst>
+        </pc:picChg>
+      </pc:sldChg>
+      <pc:sldChg chg="add del">
+        <pc:chgData name="Alessi Gabriele" userId="70aede1a-fec5-4aae-8738-08363ca282e6" providerId="ADAL" clId="{209715FE-8D35-4D65-AD6F-5E926C267CD7}" dt="2022-12-14T17:50:22.986" v="948" actId="47"/>
+        <pc:sldMkLst>
+          <pc:docMk/>
+          <pc:sldMk cId="1719330327" sldId="268"/>
+        </pc:sldMkLst>
+      </pc:sldChg>
+      <pc:sldChg chg="modSp add mod">
+        <pc:chgData name="Alessi Gabriele" userId="70aede1a-fec5-4aae-8738-08363ca282e6" providerId="ADAL" clId="{209715FE-8D35-4D65-AD6F-5E926C267CD7}" dt="2022-12-14T17:53:54.294" v="995" actId="20577"/>
+        <pc:sldMkLst>
+          <pc:docMk/>
+          <pc:sldMk cId="3914932294" sldId="269"/>
+        </pc:sldMkLst>
+        <pc:spChg chg="mod">
+          <ac:chgData name="Alessi Gabriele" userId="70aede1a-fec5-4aae-8738-08363ca282e6" providerId="ADAL" clId="{209715FE-8D35-4D65-AD6F-5E926C267CD7}" dt="2022-12-14T17:51:33.731" v="980" actId="20577"/>
+          <ac:spMkLst>
+            <pc:docMk/>
+            <pc:sldMk cId="3914932294" sldId="269"/>
+            <ac:spMk id="2" creationId="{879831E4-11E3-5912-4DA5-3877ED87C2C8}"/>
+          </ac:spMkLst>
+        </pc:spChg>
+        <pc:spChg chg="mod">
+          <ac:chgData name="Alessi Gabriele" userId="70aede1a-fec5-4aae-8738-08363ca282e6" providerId="ADAL" clId="{209715FE-8D35-4D65-AD6F-5E926C267CD7}" dt="2022-12-14T17:53:54.294" v="995" actId="20577"/>
+          <ac:spMkLst>
+            <pc:docMk/>
+            <pc:sldMk cId="3914932294" sldId="269"/>
+            <ac:spMk id="3" creationId="{F968FC28-8D72-8F4D-8610-D4F615127428}"/>
+          </ac:spMkLst>
+        </pc:spChg>
+      </pc:sldChg>
+      <pc:sldChg chg="add del">
+        <pc:chgData name="Alessi Gabriele" userId="70aede1a-fec5-4aae-8738-08363ca282e6" providerId="ADAL" clId="{209715FE-8D35-4D65-AD6F-5E926C267CD7}" dt="2022-12-14T17:53:28.751" v="989" actId="47"/>
+        <pc:sldMkLst>
+          <pc:docMk/>
+          <pc:sldMk cId="3896710216" sldId="270"/>
+        </pc:sldMkLst>
+      </pc:sldChg>
+    </pc:docChg>
+  </pc:docChgLst>
 </pc:chgInfo>
 </file>
 
@@ -691,7 +1031,7 @@
           <a:p>
             <a:fld id="{F6CCBF3A-D7FB-4B97-8FD5-6FFB20CB1E84}" type="datetimeFigureOut">
               <a:rPr lang="en-US" smtClean="0"/>
-              <a:t>12/5/2022</a:t>
+              <a:t>12/14/2022</a:t>
             </a:fld>
             <a:endParaRPr lang="en-US"/>
           </a:p>
@@ -932,7 +1272,7 @@
           <a:p>
             <a:fld id="{F6CCBF3A-D7FB-4B97-8FD5-6FFB20CB1E84}" type="datetimeFigureOut">
               <a:rPr lang="en-US" smtClean="0"/>
-              <a:t>12/5/2022</a:t>
+              <a:t>12/14/2022</a:t>
             </a:fld>
             <a:endParaRPr lang="en-US"/>
           </a:p>
@@ -1141,7 +1481,7 @@
           <a:p>
             <a:fld id="{F6CCBF3A-D7FB-4B97-8FD5-6FFB20CB1E84}" type="datetimeFigureOut">
               <a:rPr lang="en-US" smtClean="0"/>
-              <a:t>12/5/2022</a:t>
+              <a:t>12/14/2022</a:t>
             </a:fld>
             <a:endParaRPr lang="en-US"/>
           </a:p>
@@ -1383,7 +1723,7 @@
           <a:p>
             <a:fld id="{F6CCBF3A-D7FB-4B97-8FD5-6FFB20CB1E84}" type="datetimeFigureOut">
               <a:rPr lang="en-US" smtClean="0"/>
-              <a:t>12/5/2022</a:t>
+              <a:t>12/14/2022</a:t>
             </a:fld>
             <a:endParaRPr lang="en-US"/>
           </a:p>
@@ -1661,7 +2001,7 @@
           <a:p>
             <a:fld id="{F6CCBF3A-D7FB-4B97-8FD5-6FFB20CB1E84}" type="datetimeFigureOut">
               <a:rPr lang="en-US" smtClean="0"/>
-              <a:t>12/5/2022</a:t>
+              <a:t>12/14/2022</a:t>
             </a:fld>
             <a:endParaRPr lang="en-US"/>
           </a:p>
@@ -1927,7 +2267,7 @@
           <a:p>
             <a:fld id="{F6CCBF3A-D7FB-4B97-8FD5-6FFB20CB1E84}" type="datetimeFigureOut">
               <a:rPr lang="en-US" smtClean="0"/>
-              <a:t>12/5/2022</a:t>
+              <a:t>12/14/2022</a:t>
             </a:fld>
             <a:endParaRPr lang="en-US"/>
           </a:p>
@@ -2340,7 +2680,7 @@
           <a:p>
             <a:fld id="{F6CCBF3A-D7FB-4B97-8FD5-6FFB20CB1E84}" type="datetimeFigureOut">
               <a:rPr lang="en-US" smtClean="0"/>
-              <a:t>12/5/2022</a:t>
+              <a:t>12/14/2022</a:t>
             </a:fld>
             <a:endParaRPr lang="en-US"/>
           </a:p>
@@ -2487,7 +2827,7 @@
           <a:p>
             <a:fld id="{F6CCBF3A-D7FB-4B97-8FD5-6FFB20CB1E84}" type="datetimeFigureOut">
               <a:rPr lang="en-US" smtClean="0"/>
-              <a:t>12/5/2022</a:t>
+              <a:t>12/14/2022</a:t>
             </a:fld>
             <a:endParaRPr lang="en-US"/>
           </a:p>
@@ -2600,7 +2940,7 @@
           <a:p>
             <a:fld id="{F6CCBF3A-D7FB-4B97-8FD5-6FFB20CB1E84}" type="datetimeFigureOut">
               <a:rPr lang="en-US" smtClean="0"/>
-              <a:t>12/5/2022</a:t>
+              <a:t>12/14/2022</a:t>
             </a:fld>
             <a:endParaRPr lang="en-US"/>
           </a:p>
@@ -2912,7 +3252,7 @@
           <a:p>
             <a:fld id="{F6CCBF3A-D7FB-4B97-8FD5-6FFB20CB1E84}" type="datetimeFigureOut">
               <a:rPr lang="en-US" smtClean="0"/>
-              <a:t>12/5/2022</a:t>
+              <a:t>12/14/2022</a:t>
             </a:fld>
             <a:endParaRPr lang="en-US"/>
           </a:p>
@@ -3247,7 +3587,7 @@
           <a:p>
             <a:fld id="{F6CCBF3A-D7FB-4B97-8FD5-6FFB20CB1E84}" type="datetimeFigureOut">
               <a:rPr lang="en-US" smtClean="0"/>
-              <a:t>12/5/2022</a:t>
+              <a:t>12/14/2022</a:t>
             </a:fld>
             <a:endParaRPr lang="en-US"/>
           </a:p>
@@ -3536,7 +3876,7 @@
           <a:p>
             <a:fld id="{F6CCBF3A-D7FB-4B97-8FD5-6FFB20CB1E84}" type="datetimeFigureOut">
               <a:rPr lang="en-US" smtClean="0"/>
-              <a:t>12/5/2022</a:t>
+              <a:t>12/14/2022</a:t>
             </a:fld>
             <a:endParaRPr lang="en-US"/>
           </a:p>
@@ -4075,7 +4415,7 @@
         </p:nvSpPr>
         <p:spPr>
           <a:xfrm>
-            <a:off x="804672" y="5116529"/>
+            <a:off x="798388" y="5660650"/>
             <a:ext cx="10592174" cy="1000655"/>
           </a:xfrm>
         </p:spPr>
@@ -4090,8 +4430,10 @@
                 <a:solidFill>
                   <a:schemeClr val="tx2"/>
                 </a:solidFill>
+                <a:latin typeface="Arial" panose="020B0604020202020204" pitchFamily="34" charset="0"/>
+                <a:cs typeface="Arial" panose="020B0604020202020204" pitchFamily="34" charset="0"/>
               </a:rPr>
-              <a:t>Map Of Tasks</a:t>
+              <a:t>Map of Tasks</a:t>
             </a:r>
           </a:p>
         </p:txBody>
@@ -7342,7 +7684,7 @@
         </p:nvSpPr>
         <p:spPr>
           <a:xfrm>
-            <a:off x="804672" y="4580785"/>
+            <a:off x="804672" y="4413352"/>
             <a:ext cx="9416898" cy="484374"/>
           </a:xfrm>
         </p:spPr>
@@ -7357,6 +7699,8 @@
                 <a:solidFill>
                   <a:schemeClr val="tx2"/>
                 </a:solidFill>
+                <a:latin typeface="Arial" panose="020B0604020202020204" pitchFamily="34" charset="0"/>
+                <a:cs typeface="Arial" panose="020B0604020202020204" pitchFamily="34" charset="0"/>
               </a:rPr>
               <a:t>Gabriele Alessi, Orlando Bohrer</a:t>
             </a:r>
@@ -7409,19 +7753,28 @@
             <p:ph type="title"/>
           </p:nvPr>
         </p:nvSpPr>
-        <p:spPr/>
+        <p:spPr>
+          <a:xfrm>
+            <a:off x="838200" y="517161"/>
+            <a:ext cx="10515600" cy="796135"/>
+          </a:xfrm>
+        </p:spPr>
         <p:txBody>
           <a:bodyPr/>
           <a:lstStyle/>
           <a:p>
             <a:pPr algn="ctr"/>
             <a:r>
-              <a:rPr lang="it-CH" dirty="0">
+              <a:rPr lang="it-IT" dirty="0">
                 <a:latin typeface="Arial" panose="020B0604020202020204" pitchFamily="34" charset="0"/>
                 <a:cs typeface="Arial" panose="020B0604020202020204" pitchFamily="34" charset="0"/>
               </a:rPr>
-              <a:t>L’esercizio</a:t>
-            </a:r>
+              <a:t>Situazione iniziale</a:t>
+            </a:r>
+            <a:endParaRPr lang="it-CH" dirty="0">
+              <a:latin typeface="Arial" panose="020B0604020202020204" pitchFamily="34" charset="0"/>
+              <a:cs typeface="Arial" panose="020B0604020202020204" pitchFamily="34" charset="0"/>
+            </a:endParaRPr>
           </a:p>
         </p:txBody>
       </p:sp>
@@ -7441,17 +7794,31 @@
             <p:ph idx="1"/>
           </p:nvPr>
         </p:nvSpPr>
-        <p:spPr/>
+        <p:spPr>
+          <a:xfrm>
+            <a:off x="838200" y="3429000"/>
+            <a:ext cx="10515600" cy="3061595"/>
+          </a:xfrm>
+        </p:spPr>
         <p:txBody>
           <a:bodyPr/>
           <a:lstStyle/>
+          <a:p>
+            <a:r>
+              <a:rPr lang="en-US" dirty="0">
+                <a:latin typeface="Arial" panose="020B0604020202020204" pitchFamily="34" charset="0"/>
+                <a:cs typeface="Arial" panose="020B0604020202020204" pitchFamily="34" charset="0"/>
+              </a:rPr>
+              <a:t>International Informatics Olympiads in Teams</a:t>
+            </a:r>
+          </a:p>
           <a:p>
             <a:r>
               <a:rPr lang="it-CH" dirty="0">
                 <a:latin typeface="Arial" panose="020B0604020202020204" pitchFamily="34" charset="0"/>
                 <a:cs typeface="Arial" panose="020B0604020202020204" pitchFamily="34" charset="0"/>
               </a:rPr>
-              <a:t>Creazione di un albero di esercizi</a:t>
+              <a:t>Programma di allenamento per gli studenti</a:t>
             </a:r>
           </a:p>
           <a:p>
@@ -7460,41 +7827,7 @@
                 <a:latin typeface="Arial" panose="020B0604020202020204" pitchFamily="34" charset="0"/>
                 <a:cs typeface="Arial" panose="020B0604020202020204" pitchFamily="34" charset="0"/>
               </a:rPr>
-              <a:t>Gli esercizi sono progressivi (relazione padre-figli)</a:t>
-            </a:r>
-          </a:p>
-          <a:p>
-            <a:pPr lvl="1"/>
-            <a:r>
-              <a:rPr lang="it-CH" i="0" dirty="0">
-                <a:latin typeface="Arial" panose="020B0604020202020204" pitchFamily="34" charset="0"/>
-                <a:cs typeface="Arial" panose="020B0604020202020204" pitchFamily="34" charset="0"/>
-              </a:rPr>
-              <a:t>Richiedono un tempo specifico</a:t>
-            </a:r>
-          </a:p>
-          <a:p>
-            <a:pPr lvl="1"/>
-            <a:r>
-              <a:rPr lang="it-CH" i="0" dirty="0">
-                <a:latin typeface="Arial" panose="020B0604020202020204" pitchFamily="34" charset="0"/>
-                <a:cs typeface="Arial" panose="020B0604020202020204" pitchFamily="34" charset="0"/>
-              </a:rPr>
-              <a:t>Possibilità di </a:t>
-            </a:r>
-            <a:r>
-              <a:rPr lang="it-CH" i="0" dirty="0" err="1">
-                <a:latin typeface="Arial" panose="020B0604020202020204" pitchFamily="34" charset="0"/>
-                <a:cs typeface="Arial" panose="020B0604020202020204" pitchFamily="34" charset="0"/>
-              </a:rPr>
-              <a:t>cheattare</a:t>
-            </a:r>
-            <a:r>
-              <a:rPr lang="it-CH" i="0" dirty="0">
-                <a:latin typeface="Arial" panose="020B0604020202020204" pitchFamily="34" charset="0"/>
-                <a:cs typeface="Arial" panose="020B0604020202020204" pitchFamily="34" charset="0"/>
-              </a:rPr>
-              <a:t> un numero dato di esercizi</a:t>
+              <a:t>Quadro dei compiti</a:t>
             </a:r>
           </a:p>
           <a:p>
@@ -7503,25 +7836,50 @@
                 <a:latin typeface="Arial" panose="020B0604020202020204" pitchFamily="34" charset="0"/>
                 <a:cs typeface="Arial" panose="020B0604020202020204" pitchFamily="34" charset="0"/>
               </a:rPr>
-              <a:t>Obiettivo</a:t>
-            </a:r>
-            <a:endParaRPr lang="it-CH" i="0" dirty="0">
+              <a:t>Pronti per la competizione</a:t>
+            </a:r>
+          </a:p>
+          <a:p>
+            <a:pPr marL="0" indent="0">
+              <a:buNone/>
+            </a:pPr>
+            <a:endParaRPr lang="it-CH" dirty="0">
               <a:latin typeface="Arial" panose="020B0604020202020204" pitchFamily="34" charset="0"/>
               <a:cs typeface="Arial" panose="020B0604020202020204" pitchFamily="34" charset="0"/>
             </a:endParaRPr>
           </a:p>
-          <a:p>
-            <a:pPr lvl="1"/>
-            <a:r>
-              <a:rPr lang="it-CH" dirty="0">
-                <a:latin typeface="Arial" panose="020B0604020202020204" pitchFamily="34" charset="0"/>
-                <a:cs typeface="Arial" panose="020B0604020202020204" pitchFamily="34" charset="0"/>
-              </a:rPr>
-              <a:t>Ottenere il percorso di tempo minimo</a:t>
-            </a:r>
-          </a:p>
         </p:txBody>
       </p:sp>
+      <p:pic>
+        <p:nvPicPr>
+          <p:cNvPr id="5" name="Immagine 4">
+            <a:extLst>
+              <a:ext uri="{FF2B5EF4-FFF2-40B4-BE49-F238E27FC236}">
+                <a16:creationId xmlns:a16="http://schemas.microsoft.com/office/drawing/2014/main" id="{A0308F37-BA4F-F451-F542-C22969646C44}"/>
+              </a:ext>
+            </a:extLst>
+          </p:cNvPr>
+          <p:cNvPicPr>
+            <a:picLocks noChangeAspect="1"/>
+          </p:cNvPicPr>
+          <p:nvPr/>
+        </p:nvPicPr>
+        <p:blipFill>
+          <a:blip r:embed="rId2"/>
+          <a:stretch>
+            <a:fillRect/>
+          </a:stretch>
+        </p:blipFill>
+        <p:spPr>
+          <a:xfrm>
+            <a:off x="7139129" y="2955635"/>
+            <a:ext cx="4214671" cy="2820343"/>
+          </a:xfrm>
+          <a:prstGeom prst="rect">
+            <a:avLst/>
+          </a:prstGeom>
+        </p:spPr>
+      </p:pic>
     </p:spTree>
     <p:extLst>
       <p:ext uri="{BB962C8B-B14F-4D97-AF65-F5344CB8AC3E}">
@@ -7557,7 +7915,7 @@
           <p:cNvPr id="2" name="Titolo 1">
             <a:extLst>
               <a:ext uri="{FF2B5EF4-FFF2-40B4-BE49-F238E27FC236}">
-                <a16:creationId xmlns:a16="http://schemas.microsoft.com/office/drawing/2014/main" id="{0BC7397E-EBB5-0CE0-CAE7-CD73AE7C63AC}"/>
+                <a16:creationId xmlns:a16="http://schemas.microsoft.com/office/drawing/2014/main" id="{879831E4-11E3-5912-4DA5-3877ED87C2C8}"/>
               </a:ext>
             </a:extLst>
           </p:cNvPr>
@@ -7568,18 +7926,30 @@
             <p:ph type="title"/>
           </p:nvPr>
         </p:nvSpPr>
-        <p:spPr/>
+        <p:spPr>
+          <a:xfrm>
+            <a:off x="838200" y="517161"/>
+            <a:ext cx="10515600" cy="796135"/>
+          </a:xfrm>
+        </p:spPr>
         <p:txBody>
           <a:bodyPr/>
           <a:lstStyle/>
           <a:p>
             <a:pPr algn="ctr"/>
+            <a:r>
+              <a:rPr lang="it-IT" dirty="0" err="1">
+                <a:latin typeface="Arial" panose="020B0604020202020204" pitchFamily="34" charset="0"/>
+                <a:cs typeface="Arial" panose="020B0604020202020204" pitchFamily="34" charset="0"/>
+              </a:rPr>
+              <a:t>Map</a:t>
+            </a:r>
             <a:r>
               <a:rPr lang="it-IT" dirty="0">
                 <a:latin typeface="Arial" panose="020B0604020202020204" pitchFamily="34" charset="0"/>
                 <a:cs typeface="Arial" panose="020B0604020202020204" pitchFamily="34" charset="0"/>
               </a:rPr>
-              <a:t>Esempio</a:t>
+              <a:t> of Tasks</a:t>
             </a:r>
             <a:endParaRPr lang="it-CH" dirty="0">
               <a:latin typeface="Arial" panose="020B0604020202020204" pitchFamily="34" charset="0"/>
@@ -7588,80 +7958,109 @@
           </a:p>
         </p:txBody>
       </p:sp>
-      <p:pic>
-        <p:nvPicPr>
-          <p:cNvPr id="6" name="Segnaposto contenuto 5" descr="Immagine che contiene testo&#10;&#10;Descrizione generata automaticamente">
+      <p:sp>
+        <p:nvSpPr>
+          <p:cNvPr id="3" name="Segnaposto contenuto 2">
             <a:extLst>
               <a:ext uri="{FF2B5EF4-FFF2-40B4-BE49-F238E27FC236}">
-                <a16:creationId xmlns:a16="http://schemas.microsoft.com/office/drawing/2014/main" id="{0694850E-EE9B-9984-85B5-A6BEC31E7BF9}"/>
+                <a16:creationId xmlns:a16="http://schemas.microsoft.com/office/drawing/2014/main" id="{F968FC28-8D72-8F4D-8610-D4F615127428}"/>
               </a:ext>
             </a:extLst>
           </p:cNvPr>
-          <p:cNvPicPr>
-            <a:picLocks noGrp="1" noChangeAspect="1"/>
-          </p:cNvPicPr>
+          <p:cNvSpPr>
+            <a:spLocks noGrp="1"/>
+          </p:cNvSpPr>
           <p:nvPr>
-            <p:ph sz="half" idx="1"/>
+            <p:ph idx="1"/>
           </p:nvPr>
-        </p:nvPicPr>
-        <p:blipFill>
-          <a:blip r:embed="rId2">
-            <a:extLst>
-              <a:ext uri="{28A0092B-C50C-407E-A947-70E740481C1C}">
-                <a14:useLocalDpi xmlns:a14="http://schemas.microsoft.com/office/drawing/2010/main" val="0"/>
-              </a:ext>
-            </a:extLst>
-          </a:blip>
-          <a:stretch>
-            <a:fillRect/>
-          </a:stretch>
-        </p:blipFill>
+        </p:nvSpPr>
         <p:spPr>
           <a:xfrm>
-            <a:off x="838200" y="2373538"/>
-            <a:ext cx="4590029" cy="2110923"/>
+            <a:off x="838200" y="2782453"/>
+            <a:ext cx="10515600" cy="3061595"/>
           </a:xfrm>
         </p:spPr>
-      </p:pic>
-      <p:pic>
-        <p:nvPicPr>
-          <p:cNvPr id="8" name="Segnaposto contenuto 7" descr="Immagine che contiene testo, orologio&#10;&#10;Descrizione generata automaticamente">
-            <a:extLst>
-              <a:ext uri="{FF2B5EF4-FFF2-40B4-BE49-F238E27FC236}">
-                <a16:creationId xmlns:a16="http://schemas.microsoft.com/office/drawing/2014/main" id="{FFE395EF-706E-26CF-A43E-2B4C1C3B8AE4}"/>
-              </a:ext>
-            </a:extLst>
-          </p:cNvPr>
-          <p:cNvPicPr>
-            <a:picLocks noGrp="1" noChangeAspect="1"/>
-          </p:cNvPicPr>
-          <p:nvPr>
-            <p:ph sz="half" idx="2"/>
-          </p:nvPr>
-        </p:nvPicPr>
-        <p:blipFill>
-          <a:blip r:embed="rId3">
-            <a:extLst>
-              <a:ext uri="{28A0092B-C50C-407E-A947-70E740481C1C}">
-                <a14:useLocalDpi xmlns:a14="http://schemas.microsoft.com/office/drawing/2010/main" val="0"/>
-              </a:ext>
-            </a:extLst>
-          </a:blip>
-          <a:stretch>
-            <a:fillRect/>
-          </a:stretch>
-        </p:blipFill>
-        <p:spPr>
-          <a:xfrm>
-            <a:off x="6763773" y="2373537"/>
-            <a:ext cx="3341280" cy="3158822"/>
-          </a:xfrm>
-        </p:spPr>
-      </p:pic>
+        <p:txBody>
+          <a:bodyPr/>
+          <a:lstStyle/>
+          <a:p>
+            <a:r>
+              <a:rPr lang="en-US" dirty="0" err="1">
+                <a:latin typeface="Arial" panose="020B0604020202020204" pitchFamily="34" charset="0"/>
+                <a:cs typeface="Arial" panose="020B0604020202020204" pitchFamily="34" charset="0"/>
+              </a:rPr>
+              <a:t>Albero</a:t>
+            </a:r>
+            <a:r>
+              <a:rPr lang="en-US" dirty="0">
+                <a:latin typeface="Arial" panose="020B0604020202020204" pitchFamily="34" charset="0"/>
+                <a:cs typeface="Arial" panose="020B0604020202020204" pitchFamily="34" charset="0"/>
+              </a:rPr>
+              <a:t> di N nodi</a:t>
+            </a:r>
+          </a:p>
+          <a:p>
+            <a:r>
+              <a:rPr lang="it-CH" dirty="0">
+                <a:latin typeface="Arial" panose="020B0604020202020204" pitchFamily="34" charset="0"/>
+                <a:cs typeface="Arial" panose="020B0604020202020204" pitchFamily="34" charset="0"/>
+              </a:rPr>
+              <a:t>Relazioni padre-figli</a:t>
+            </a:r>
+          </a:p>
+          <a:p>
+            <a:r>
+              <a:rPr lang="it-CH" dirty="0">
+                <a:latin typeface="Arial" panose="020B0604020202020204" pitchFamily="34" charset="0"/>
+                <a:cs typeface="Arial" panose="020B0604020202020204" pitchFamily="34" charset="0"/>
+              </a:rPr>
+              <a:t>Caratteristiche dei compiti: </a:t>
+            </a:r>
+          </a:p>
+          <a:p>
+            <a:pPr lvl="1"/>
+            <a:r>
+              <a:rPr lang="it-CH" dirty="0">
+                <a:latin typeface="Arial" panose="020B0604020202020204" pitchFamily="34" charset="0"/>
+                <a:cs typeface="Arial" panose="020B0604020202020204" pitchFamily="34" charset="0"/>
+              </a:rPr>
+              <a:t>Tempo necessario</a:t>
+            </a:r>
+          </a:p>
+          <a:p>
+            <a:pPr lvl="1"/>
+            <a:r>
+              <a:rPr lang="it-CH" dirty="0">
+                <a:latin typeface="Arial" panose="020B0604020202020204" pitchFamily="34" charset="0"/>
+                <a:cs typeface="Arial" panose="020B0604020202020204" pitchFamily="34" charset="0"/>
+              </a:rPr>
+              <a:t>Parallelismo</a:t>
+            </a:r>
+          </a:p>
+          <a:p>
+            <a:r>
+              <a:rPr lang="it-CH" dirty="0">
+                <a:latin typeface="Arial" panose="020B0604020202020204" pitchFamily="34" charset="0"/>
+                <a:cs typeface="Arial" panose="020B0604020202020204" pitchFamily="34" charset="0"/>
+              </a:rPr>
+              <a:t>‘’Barare’’ su C compiti</a:t>
+            </a:r>
+          </a:p>
+          <a:p>
+            <a:r>
+              <a:rPr lang="it-CH" dirty="0">
+                <a:latin typeface="Arial" panose="020B0604020202020204" pitchFamily="34" charset="0"/>
+                <a:cs typeface="Arial" panose="020B0604020202020204" pitchFamily="34" charset="0"/>
+              </a:rPr>
+              <a:t>Minimo tempo impiegabile</a:t>
+            </a:r>
+          </a:p>
+        </p:txBody>
+      </p:sp>
     </p:spTree>
     <p:extLst>
       <p:ext uri="{BB962C8B-B14F-4D97-AF65-F5344CB8AC3E}">
-        <p14:creationId xmlns:p14="http://schemas.microsoft.com/office/powerpoint/2010/main" val="2669345787"/>
+        <p14:creationId xmlns:p14="http://schemas.microsoft.com/office/powerpoint/2010/main" val="3128457673"/>
       </p:ext>
     </p:extLst>
   </p:cSld>
@@ -7704,149 +8103,106 @@
             <p:ph type="title"/>
           </p:nvPr>
         </p:nvSpPr>
-        <p:spPr/>
+        <p:spPr>
+          <a:xfrm>
+            <a:off x="838200" y="517161"/>
+            <a:ext cx="10515600" cy="796135"/>
+          </a:xfrm>
+        </p:spPr>
         <p:txBody>
           <a:bodyPr/>
           <a:lstStyle/>
           <a:p>
             <a:pPr algn="ctr"/>
             <a:r>
-              <a:rPr lang="it-CH" dirty="0">
+              <a:rPr lang="it-IT" dirty="0">
                 <a:latin typeface="Arial" panose="020B0604020202020204" pitchFamily="34" charset="0"/>
                 <a:cs typeface="Arial" panose="020B0604020202020204" pitchFamily="34" charset="0"/>
               </a:rPr>
-              <a:t>Procedimento 1</a:t>
-            </a:r>
+              <a:t>Esempio</a:t>
+            </a:r>
+            <a:endParaRPr lang="it-CH" dirty="0">
+              <a:latin typeface="Arial" panose="020B0604020202020204" pitchFamily="34" charset="0"/>
+              <a:cs typeface="Arial" panose="020B0604020202020204" pitchFamily="34" charset="0"/>
+            </a:endParaRPr>
           </a:p>
         </p:txBody>
       </p:sp>
-      <p:sp>
-        <p:nvSpPr>
-          <p:cNvPr id="3" name="Segnaposto contenuto 2">
+      <p:pic>
+        <p:nvPicPr>
+          <p:cNvPr id="6" name="Segnaposto contenuto 5" descr="Immagine che contiene testo&#10;&#10;Descrizione generata automaticamente">
             <a:extLst>
               <a:ext uri="{FF2B5EF4-FFF2-40B4-BE49-F238E27FC236}">
-                <a16:creationId xmlns:a16="http://schemas.microsoft.com/office/drawing/2014/main" id="{F968FC28-8D72-8F4D-8610-D4F615127428}"/>
+                <a16:creationId xmlns:a16="http://schemas.microsoft.com/office/drawing/2014/main" id="{CDF7546A-9411-007C-9928-B9CB0EDCEDF0}"/>
               </a:ext>
             </a:extLst>
           </p:cNvPr>
-          <p:cNvSpPr>
-            <a:spLocks noGrp="1"/>
-          </p:cNvSpPr>
+          <p:cNvPicPr>
+            <a:picLocks noChangeAspect="1"/>
+          </p:cNvPicPr>
+          <p:nvPr/>
+        </p:nvPicPr>
+        <p:blipFill>
+          <a:blip r:embed="rId2">
+            <a:extLst>
+              <a:ext uri="{28A0092B-C50C-407E-A947-70E740481C1C}">
+                <a14:useLocalDpi xmlns:a14="http://schemas.microsoft.com/office/drawing/2010/main" val="0"/>
+              </a:ext>
+            </a:extLst>
+          </a:blip>
+          <a:stretch>
+            <a:fillRect/>
+          </a:stretch>
+        </p:blipFill>
+        <p:spPr>
+          <a:xfrm>
+            <a:off x="838200" y="3177707"/>
+            <a:ext cx="5123620" cy="2356318"/>
+          </a:xfrm>
+          <a:prstGeom prst="rect">
+            <a:avLst/>
+          </a:prstGeom>
+        </p:spPr>
+      </p:pic>
+      <p:pic>
+        <p:nvPicPr>
+          <p:cNvPr id="7" name="Segnaposto contenuto 7" descr="Immagine che contiene testo, orologio&#10;&#10;Descrizione generata automaticamente">
+            <a:extLst>
+              <a:ext uri="{FF2B5EF4-FFF2-40B4-BE49-F238E27FC236}">
+                <a16:creationId xmlns:a16="http://schemas.microsoft.com/office/drawing/2014/main" id="{E24B9859-F533-25F5-6E06-D0214490E4F4}"/>
+              </a:ext>
+            </a:extLst>
+          </p:cNvPr>
+          <p:cNvPicPr>
+            <a:picLocks noGrp="1" noChangeAspect="1"/>
+          </p:cNvPicPr>
           <p:nvPr>
             <p:ph idx="1"/>
           </p:nvPr>
-        </p:nvSpPr>
-        <p:spPr/>
-        <p:txBody>
-          <a:bodyPr/>
-          <a:lstStyle/>
-          <a:p>
-            <a:r>
-              <a:rPr lang="it-CH" dirty="0">
-                <a:latin typeface="Arial" panose="020B0604020202020204" pitchFamily="34" charset="0"/>
-                <a:cs typeface="Arial" panose="020B0604020202020204" pitchFamily="34" charset="0"/>
-              </a:rPr>
-              <a:t>Idea:</a:t>
-            </a:r>
-          </a:p>
-          <a:p>
-            <a:pPr lvl="1"/>
-            <a:r>
-              <a:rPr lang="it-CH" i="0" dirty="0">
-                <a:latin typeface="Arial" panose="020B0604020202020204" pitchFamily="34" charset="0"/>
-                <a:cs typeface="Arial" panose="020B0604020202020204" pitchFamily="34" charset="0"/>
-              </a:rPr>
-              <a:t>Costruire il grafo</a:t>
-            </a:r>
-          </a:p>
-          <a:p>
-            <a:pPr lvl="1"/>
-            <a:r>
-              <a:rPr lang="it-CH" i="0" dirty="0">
-                <a:latin typeface="Arial" panose="020B0604020202020204" pitchFamily="34" charset="0"/>
-                <a:cs typeface="Arial" panose="020B0604020202020204" pitchFamily="34" charset="0"/>
-              </a:rPr>
-              <a:t>Ottenere il percorso con il costo maggiore</a:t>
-            </a:r>
-          </a:p>
-          <a:p>
-            <a:pPr lvl="1"/>
-            <a:r>
-              <a:rPr lang="it-CH" i="0" dirty="0">
-                <a:latin typeface="Arial" panose="020B0604020202020204" pitchFamily="34" charset="0"/>
-                <a:cs typeface="Arial" panose="020B0604020202020204" pitchFamily="34" charset="0"/>
-              </a:rPr>
-              <a:t>Mettere a zero il nodo di peso maggiore</a:t>
-            </a:r>
-          </a:p>
-          <a:p>
-            <a:pPr lvl="1"/>
-            <a:r>
-              <a:rPr lang="it-CH" i="0" dirty="0">
-                <a:latin typeface="Arial" panose="020B0604020202020204" pitchFamily="34" charset="0"/>
-                <a:cs typeface="Arial" panose="020B0604020202020204" pitchFamily="34" charset="0"/>
-              </a:rPr>
-              <a:t>Ripetere</a:t>
-            </a:r>
-          </a:p>
-          <a:p>
-            <a:r>
-              <a:rPr lang="it-CH" dirty="0">
-                <a:latin typeface="Arial" panose="020B0604020202020204" pitchFamily="34" charset="0"/>
-                <a:cs typeface="Arial" panose="020B0604020202020204" pitchFamily="34" charset="0"/>
-              </a:rPr>
-              <a:t>Vantaggi:</a:t>
-            </a:r>
-          </a:p>
-          <a:p>
-            <a:pPr lvl="1"/>
-            <a:r>
-              <a:rPr lang="it-CH" i="0" dirty="0">
-                <a:latin typeface="Arial" panose="020B0604020202020204" pitchFamily="34" charset="0"/>
-                <a:cs typeface="Arial" panose="020B0604020202020204" pitchFamily="34" charset="0"/>
-              </a:rPr>
-              <a:t>Codice relativamente semplice</a:t>
-            </a:r>
-          </a:p>
-          <a:p>
-            <a:r>
-              <a:rPr lang="it-CH" dirty="0">
-                <a:latin typeface="Arial" panose="020B0604020202020204" pitchFamily="34" charset="0"/>
-                <a:cs typeface="Arial" panose="020B0604020202020204" pitchFamily="34" charset="0"/>
-              </a:rPr>
-              <a:t>Problema:</a:t>
-            </a:r>
-          </a:p>
-          <a:p>
-            <a:pPr lvl="1"/>
-            <a:r>
-              <a:rPr lang="it-CH" i="0" dirty="0">
-                <a:latin typeface="Arial" panose="020B0604020202020204" pitchFamily="34" charset="0"/>
-                <a:cs typeface="Arial" panose="020B0604020202020204" pitchFamily="34" charset="0"/>
-              </a:rPr>
-              <a:t>Metodo </a:t>
-            </a:r>
-            <a:r>
-              <a:rPr lang="it-CH" i="0" dirty="0" err="1">
-                <a:latin typeface="Arial" panose="020B0604020202020204" pitchFamily="34" charset="0"/>
-                <a:cs typeface="Arial" panose="020B0604020202020204" pitchFamily="34" charset="0"/>
-              </a:rPr>
-              <a:t>greedy</a:t>
-            </a:r>
-            <a:endParaRPr lang="it-CH" i="0" dirty="0">
-              <a:latin typeface="Arial" panose="020B0604020202020204" pitchFamily="34" charset="0"/>
-              <a:cs typeface="Arial" panose="020B0604020202020204" pitchFamily="34" charset="0"/>
-            </a:endParaRPr>
-          </a:p>
-          <a:p>
-            <a:endParaRPr lang="it-CH" dirty="0"/>
-          </a:p>
-        </p:txBody>
-      </p:sp>
+        </p:nvPicPr>
+        <p:blipFill>
+          <a:blip r:embed="rId3">
+            <a:extLst>
+              <a:ext uri="{28A0092B-C50C-407E-A947-70E740481C1C}">
+                <a14:useLocalDpi xmlns:a14="http://schemas.microsoft.com/office/drawing/2010/main" val="0"/>
+              </a:ext>
+            </a:extLst>
+          </a:blip>
+          <a:stretch>
+            <a:fillRect/>
+          </a:stretch>
+        </p:blipFill>
+        <p:spPr>
+          <a:xfrm>
+            <a:off x="7847045" y="2582968"/>
+            <a:ext cx="3506755" cy="3315261"/>
+          </a:xfrm>
+        </p:spPr>
+      </p:pic>
     </p:spTree>
     <p:extLst>
       <p:ext uri="{BB962C8B-B14F-4D97-AF65-F5344CB8AC3E}">
-        <p14:creationId xmlns:p14="http://schemas.microsoft.com/office/powerpoint/2010/main" val="3389366456"/>
+        <p14:creationId xmlns:p14="http://schemas.microsoft.com/office/powerpoint/2010/main" val="2696425520"/>
       </p:ext>
     </p:extLst>
   </p:cSld>
@@ -7878,7 +8234,7 @@
           <p:cNvPr id="2" name="Titolo 1">
             <a:extLst>
               <a:ext uri="{FF2B5EF4-FFF2-40B4-BE49-F238E27FC236}">
-                <a16:creationId xmlns:a16="http://schemas.microsoft.com/office/drawing/2014/main" id="{4903FE1D-2ABC-35D3-B12A-66CDE5013EAE}"/>
+                <a16:creationId xmlns:a16="http://schemas.microsoft.com/office/drawing/2014/main" id="{879831E4-11E3-5912-4DA5-3877ED87C2C8}"/>
               </a:ext>
             </a:extLst>
           </p:cNvPr>
@@ -7889,61 +8245,154 @@
             <p:ph type="title"/>
           </p:nvPr>
         </p:nvSpPr>
-        <p:spPr/>
+        <p:spPr>
+          <a:xfrm>
+            <a:off x="838200" y="517161"/>
+            <a:ext cx="10515600" cy="796135"/>
+          </a:xfrm>
+        </p:spPr>
         <p:txBody>
           <a:bodyPr/>
           <a:lstStyle/>
           <a:p>
             <a:pPr algn="ctr"/>
+            <a:r>
+              <a:rPr lang="it-IT" dirty="0">
+                <a:latin typeface="Arial" panose="020B0604020202020204" pitchFamily="34" charset="0"/>
+                <a:cs typeface="Arial" panose="020B0604020202020204" pitchFamily="34" charset="0"/>
+              </a:rPr>
+              <a:t>Soluzione </a:t>
+            </a:r>
+            <a:r>
+              <a:rPr lang="it-IT" dirty="0" err="1">
+                <a:latin typeface="Arial" panose="020B0604020202020204" pitchFamily="34" charset="0"/>
+                <a:cs typeface="Arial" panose="020B0604020202020204" pitchFamily="34" charset="0"/>
+              </a:rPr>
+              <a:t>greedy</a:t>
+            </a:r>
+            <a:endParaRPr lang="it-CH" dirty="0">
+              <a:latin typeface="Arial" panose="020B0604020202020204" pitchFamily="34" charset="0"/>
+              <a:cs typeface="Arial" panose="020B0604020202020204" pitchFamily="34" charset="0"/>
+            </a:endParaRPr>
+          </a:p>
+        </p:txBody>
+      </p:sp>
+      <p:sp>
+        <p:nvSpPr>
+          <p:cNvPr id="3" name="Segnaposto contenuto 2">
+            <a:extLst>
+              <a:ext uri="{FF2B5EF4-FFF2-40B4-BE49-F238E27FC236}">
+                <a16:creationId xmlns:a16="http://schemas.microsoft.com/office/drawing/2014/main" id="{F968FC28-8D72-8F4D-8610-D4F615127428}"/>
+              </a:ext>
+            </a:extLst>
+          </p:cNvPr>
+          <p:cNvSpPr>
+            <a:spLocks noGrp="1"/>
+          </p:cNvSpPr>
+          <p:nvPr>
+            <p:ph idx="1"/>
+          </p:nvPr>
+        </p:nvSpPr>
+        <p:spPr>
+          <a:xfrm>
+            <a:off x="838200" y="2902526"/>
+            <a:ext cx="10515600" cy="3061595"/>
+          </a:xfrm>
+        </p:spPr>
+        <p:txBody>
+          <a:bodyPr/>
+          <a:lstStyle/>
+          <a:p>
+            <a:r>
+              <a:rPr lang="it-IT" dirty="0">
+                <a:latin typeface="Arial" panose="020B0604020202020204" pitchFamily="34" charset="0"/>
+                <a:cs typeface="Arial" panose="020B0604020202020204" pitchFamily="34" charset="0"/>
+              </a:rPr>
+              <a:t>Procedimento:</a:t>
+            </a:r>
+          </a:p>
+          <a:p>
+            <a:pPr lvl="1"/>
             <a:r>
               <a:rPr lang="it-CH" dirty="0">
                 <a:latin typeface="Arial" panose="020B0604020202020204" pitchFamily="34" charset="0"/>
                 <a:cs typeface="Arial" panose="020B0604020202020204" pitchFamily="34" charset="0"/>
               </a:rPr>
-              <a:t>Flowchart</a:t>
-            </a:r>
+              <a:t>Trovare i nodi foglia</a:t>
+            </a:r>
+            <a:endParaRPr lang="it-IT" dirty="0">
+              <a:latin typeface="Arial" panose="020B0604020202020204" pitchFamily="34" charset="0"/>
+              <a:cs typeface="Arial" panose="020B0604020202020204" pitchFamily="34" charset="0"/>
+            </a:endParaRPr>
+          </a:p>
+          <a:p>
+            <a:pPr lvl="1"/>
+            <a:r>
+              <a:rPr lang="it-CH" dirty="0">
+                <a:latin typeface="Arial" panose="020B0604020202020204" pitchFamily="34" charset="0"/>
+                <a:cs typeface="Arial" panose="020B0604020202020204" pitchFamily="34" charset="0"/>
+              </a:rPr>
+              <a:t>Calcolare i cammini</a:t>
+            </a:r>
+          </a:p>
+          <a:p>
+            <a:pPr lvl="1"/>
+            <a:r>
+              <a:rPr lang="it-CH" dirty="0">
+                <a:latin typeface="Arial" panose="020B0604020202020204" pitchFamily="34" charset="0"/>
+                <a:cs typeface="Arial" panose="020B0604020202020204" pitchFamily="34" charset="0"/>
+              </a:rPr>
+              <a:t>Eliminare i nodi pi</a:t>
+            </a:r>
+            <a:r>
+              <a:rPr lang="it-IT" dirty="0">
+                <a:latin typeface="Arial" panose="020B0604020202020204" pitchFamily="34" charset="0"/>
+                <a:cs typeface="Arial" panose="020B0604020202020204" pitchFamily="34" charset="0"/>
+              </a:rPr>
+              <a:t>ù pesanti</a:t>
+            </a:r>
+          </a:p>
+          <a:p>
+            <a:pPr lvl="1"/>
+            <a:r>
+              <a:rPr lang="it-IT" dirty="0">
+                <a:latin typeface="Arial" panose="020B0604020202020204" pitchFamily="34" charset="0"/>
+                <a:cs typeface="Arial" panose="020B0604020202020204" pitchFamily="34" charset="0"/>
+              </a:rPr>
+              <a:t>Identificazione cammino minimo</a:t>
+            </a:r>
+          </a:p>
+          <a:p>
+            <a:r>
+              <a:rPr lang="it-CH" dirty="0">
+                <a:latin typeface="Arial" panose="020B0604020202020204" pitchFamily="34" charset="0"/>
+                <a:cs typeface="Arial" panose="020B0604020202020204" pitchFamily="34" charset="0"/>
+              </a:rPr>
+              <a:t>Implementazione semplice</a:t>
+            </a:r>
+          </a:p>
+          <a:p>
+            <a:r>
+              <a:rPr lang="it-CH" dirty="0">
+                <a:latin typeface="Arial" panose="020B0604020202020204" pitchFamily="34" charset="0"/>
+                <a:cs typeface="Arial" panose="020B0604020202020204" pitchFamily="34" charset="0"/>
+              </a:rPr>
+              <a:t>Poco performante</a:t>
+            </a:r>
+          </a:p>
+          <a:p>
+            <a:pPr lvl="1"/>
+            <a:endParaRPr lang="it-CH" dirty="0">
+              <a:latin typeface="Arial" panose="020B0604020202020204" pitchFamily="34" charset="0"/>
+              <a:cs typeface="Arial" panose="020B0604020202020204" pitchFamily="34" charset="0"/>
+            </a:endParaRPr>
           </a:p>
         </p:txBody>
       </p:sp>
-      <p:pic>
-        <p:nvPicPr>
-          <p:cNvPr id="10" name="Segnaposto contenuto 9">
-            <a:extLst>
-              <a:ext uri="{FF2B5EF4-FFF2-40B4-BE49-F238E27FC236}">
-                <a16:creationId xmlns:a16="http://schemas.microsoft.com/office/drawing/2014/main" id="{33AED500-2F01-6F03-FFF4-FFA78BEA07A2}"/>
-              </a:ext>
-            </a:extLst>
-          </p:cNvPr>
-          <p:cNvPicPr>
-            <a:picLocks noGrp="1" noChangeAspect="1"/>
-          </p:cNvPicPr>
-          <p:nvPr>
-            <p:ph idx="1"/>
-          </p:nvPr>
-        </p:nvPicPr>
-        <p:blipFill>
-          <a:blip r:embed="rId2">
-            <a:extLst>
-              <a:ext uri="{28A0092B-C50C-407E-A947-70E740481C1C}">
-                <a14:useLocalDpi xmlns:a14="http://schemas.microsoft.com/office/drawing/2010/main" val="0"/>
-              </a:ext>
-            </a:extLst>
-          </a:blip>
-          <a:stretch>
-            <a:fillRect/>
-          </a:stretch>
-        </p:blipFill>
-        <p:spPr>
-          <a:xfrm>
-            <a:off x="3602303" y="2062163"/>
-            <a:ext cx="4987393" cy="4114800"/>
-          </a:xfrm>
-        </p:spPr>
-      </p:pic>
     </p:spTree>
     <p:extLst>
       <p:ext uri="{BB962C8B-B14F-4D97-AF65-F5344CB8AC3E}">
-        <p14:creationId xmlns:p14="http://schemas.microsoft.com/office/powerpoint/2010/main" val="2961776340"/>
+        <p14:creationId xmlns:p14="http://schemas.microsoft.com/office/powerpoint/2010/main" val="3722465700"/>
       </p:ext>
     </p:extLst>
   </p:cSld>
@@ -7986,18 +8435,372 @@
             <p:ph type="title"/>
           </p:nvPr>
         </p:nvSpPr>
-        <p:spPr/>
+        <p:spPr>
+          <a:xfrm>
+            <a:off x="838200" y="517161"/>
+            <a:ext cx="10515600" cy="796135"/>
+          </a:xfrm>
+        </p:spPr>
         <p:txBody>
           <a:bodyPr/>
           <a:lstStyle/>
           <a:p>
             <a:pPr algn="ctr"/>
+            <a:r>
+              <a:rPr lang="it-IT" dirty="0">
+                <a:latin typeface="Arial" panose="020B0604020202020204" pitchFamily="34" charset="0"/>
+                <a:cs typeface="Arial" panose="020B0604020202020204" pitchFamily="34" charset="0"/>
+              </a:rPr>
+              <a:t>Flowchart</a:t>
+            </a:r>
+            <a:endParaRPr lang="it-CH" dirty="0">
+              <a:latin typeface="Arial" panose="020B0604020202020204" pitchFamily="34" charset="0"/>
+              <a:cs typeface="Arial" panose="020B0604020202020204" pitchFamily="34" charset="0"/>
+            </a:endParaRPr>
+          </a:p>
+        </p:txBody>
+      </p:sp>
+      <p:pic>
+        <p:nvPicPr>
+          <p:cNvPr id="5" name="Segnaposto contenuto 9">
+            <a:extLst>
+              <a:ext uri="{FF2B5EF4-FFF2-40B4-BE49-F238E27FC236}">
+                <a16:creationId xmlns:a16="http://schemas.microsoft.com/office/drawing/2014/main" id="{2AC70BE5-F3B3-CFA2-8978-C9382EB541E8}"/>
+              </a:ext>
+            </a:extLst>
+          </p:cNvPr>
+          <p:cNvPicPr>
+            <a:picLocks noGrp="1" noChangeAspect="1"/>
+          </p:cNvPicPr>
+          <p:nvPr>
+            <p:ph idx="1"/>
+          </p:nvPr>
+        </p:nvPicPr>
+        <p:blipFill>
+          <a:blip r:embed="rId2">
+            <a:extLst>
+              <a:ext uri="{28A0092B-C50C-407E-A947-70E740481C1C}">
+                <a14:useLocalDpi xmlns:a14="http://schemas.microsoft.com/office/drawing/2010/main" val="0"/>
+              </a:ext>
+            </a:extLst>
+          </a:blip>
+          <a:stretch>
+            <a:fillRect/>
+          </a:stretch>
+        </p:blipFill>
+        <p:spPr>
+          <a:xfrm>
+            <a:off x="3098866" y="2119312"/>
+            <a:ext cx="5994268" cy="4452937"/>
+          </a:xfrm>
+        </p:spPr>
+      </p:pic>
+    </p:spTree>
+    <p:extLst>
+      <p:ext uri="{BB962C8B-B14F-4D97-AF65-F5344CB8AC3E}">
+        <p14:creationId xmlns:p14="http://schemas.microsoft.com/office/powerpoint/2010/main" val="566374648"/>
+      </p:ext>
+    </p:extLst>
+  </p:cSld>
+  <p:clrMapOvr>
+    <a:masterClrMapping/>
+  </p:clrMapOvr>
+</p:sld>
+</file>
+
+<file path=ppt/slides/slide7.xml><?xml version="1.0" encoding="utf-8"?>
+<p:sld xmlns:a="http://schemas.openxmlformats.org/drawingml/2006/main" xmlns:r="http://schemas.openxmlformats.org/officeDocument/2006/relationships" xmlns:p="http://schemas.openxmlformats.org/presentationml/2006/main">
+  <p:cSld>
+    <p:spTree>
+      <p:nvGrpSpPr>
+        <p:cNvPr id="1" name=""/>
+        <p:cNvGrpSpPr/>
+        <p:nvPr/>
+      </p:nvGrpSpPr>
+      <p:grpSpPr>
+        <a:xfrm>
+          <a:off x="0" y="0"/>
+          <a:ext cx="0" cy="0"/>
+          <a:chOff x="0" y="0"/>
+          <a:chExt cx="0" cy="0"/>
+        </a:xfrm>
+      </p:grpSpPr>
+      <p:sp>
+        <p:nvSpPr>
+          <p:cNvPr id="2" name="Titolo 1">
+            <a:extLst>
+              <a:ext uri="{FF2B5EF4-FFF2-40B4-BE49-F238E27FC236}">
+                <a16:creationId xmlns:a16="http://schemas.microsoft.com/office/drawing/2014/main" id="{879831E4-11E3-5912-4DA5-3877ED87C2C8}"/>
+              </a:ext>
+            </a:extLst>
+          </p:cNvPr>
+          <p:cNvSpPr>
+            <a:spLocks noGrp="1"/>
+          </p:cNvSpPr>
+          <p:nvPr>
+            <p:ph type="title"/>
+          </p:nvPr>
+        </p:nvSpPr>
+        <p:spPr>
+          <a:xfrm>
+            <a:off x="838200" y="517161"/>
+            <a:ext cx="10515600" cy="796135"/>
+          </a:xfrm>
+        </p:spPr>
+        <p:txBody>
+          <a:bodyPr/>
+          <a:lstStyle/>
+          <a:p>
+            <a:pPr algn="ctr"/>
+            <a:r>
+              <a:rPr lang="it-IT" dirty="0">
+                <a:latin typeface="Arial" panose="020B0604020202020204" pitchFamily="34" charset="0"/>
+                <a:cs typeface="Arial" panose="020B0604020202020204" pitchFamily="34" charset="0"/>
+              </a:rPr>
+              <a:t>Soluzione efficace</a:t>
+            </a:r>
+            <a:endParaRPr lang="it-CH" dirty="0">
+              <a:latin typeface="Arial" panose="020B0604020202020204" pitchFamily="34" charset="0"/>
+              <a:cs typeface="Arial" panose="020B0604020202020204" pitchFamily="34" charset="0"/>
+            </a:endParaRPr>
+          </a:p>
+        </p:txBody>
+      </p:sp>
+      <p:sp>
+        <p:nvSpPr>
+          <p:cNvPr id="3" name="Segnaposto contenuto 2">
+            <a:extLst>
+              <a:ext uri="{FF2B5EF4-FFF2-40B4-BE49-F238E27FC236}">
+                <a16:creationId xmlns:a16="http://schemas.microsoft.com/office/drawing/2014/main" id="{F968FC28-8D72-8F4D-8610-D4F615127428}"/>
+              </a:ext>
+            </a:extLst>
+          </p:cNvPr>
+          <p:cNvSpPr>
+            <a:spLocks noGrp="1"/>
+          </p:cNvSpPr>
+          <p:nvPr>
+            <p:ph idx="1"/>
+          </p:nvPr>
+        </p:nvSpPr>
+        <p:spPr>
+          <a:xfrm>
+            <a:off x="838200" y="2902526"/>
+            <a:ext cx="10515600" cy="3061595"/>
+          </a:xfrm>
+        </p:spPr>
+        <p:txBody>
+          <a:bodyPr/>
+          <a:lstStyle/>
+          <a:p>
+            <a:r>
+              <a:rPr lang="it-IT" dirty="0">
+                <a:latin typeface="Arial" panose="020B0604020202020204" pitchFamily="34" charset="0"/>
+                <a:cs typeface="Arial" panose="020B0604020202020204" pitchFamily="34" charset="0"/>
+              </a:rPr>
+              <a:t>Procedimento:</a:t>
+            </a:r>
+          </a:p>
+          <a:p>
+            <a:pPr lvl="1"/>
+            <a:endParaRPr lang="it-IT" dirty="0">
+              <a:latin typeface="Arial" panose="020B0604020202020204" pitchFamily="34" charset="0"/>
+              <a:cs typeface="Arial" panose="020B0604020202020204" pitchFamily="34" charset="0"/>
+            </a:endParaRPr>
+          </a:p>
+          <a:p>
             <a:r>
               <a:rPr lang="it-CH" dirty="0">
                 <a:latin typeface="Arial" panose="020B0604020202020204" pitchFamily="34" charset="0"/>
                 <a:cs typeface="Arial" panose="020B0604020202020204" pitchFamily="34" charset="0"/>
               </a:rPr>
-              <a:t>Procedimento 2</a:t>
+              <a:t>Implementazione complessa</a:t>
+            </a:r>
+          </a:p>
+          <a:p>
+            <a:r>
+              <a:rPr lang="it-CH" dirty="0">
+                <a:latin typeface="Arial" panose="020B0604020202020204" pitchFamily="34" charset="0"/>
+                <a:cs typeface="Arial" panose="020B0604020202020204" pitchFamily="34" charset="0"/>
+              </a:rPr>
+              <a:t>Performante</a:t>
+            </a:r>
+          </a:p>
+          <a:p>
+            <a:pPr lvl="1"/>
+            <a:endParaRPr lang="it-CH" dirty="0">
+              <a:latin typeface="Arial" panose="020B0604020202020204" pitchFamily="34" charset="0"/>
+              <a:cs typeface="Arial" panose="020B0604020202020204" pitchFamily="34" charset="0"/>
+            </a:endParaRPr>
+          </a:p>
+        </p:txBody>
+      </p:sp>
+    </p:spTree>
+    <p:extLst>
+      <p:ext uri="{BB962C8B-B14F-4D97-AF65-F5344CB8AC3E}">
+        <p14:creationId xmlns:p14="http://schemas.microsoft.com/office/powerpoint/2010/main" val="1438295537"/>
+      </p:ext>
+    </p:extLst>
+  </p:cSld>
+  <p:clrMapOvr>
+    <a:masterClrMapping/>
+  </p:clrMapOvr>
+</p:sld>
+</file>
+
+<file path=ppt/slides/slide8.xml><?xml version="1.0" encoding="utf-8"?>
+<p:sld xmlns:a="http://schemas.openxmlformats.org/drawingml/2006/main" xmlns:r="http://schemas.openxmlformats.org/officeDocument/2006/relationships" xmlns:p="http://schemas.openxmlformats.org/presentationml/2006/main">
+  <p:cSld>
+    <p:spTree>
+      <p:nvGrpSpPr>
+        <p:cNvPr id="1" name=""/>
+        <p:cNvGrpSpPr/>
+        <p:nvPr/>
+      </p:nvGrpSpPr>
+      <p:grpSpPr>
+        <a:xfrm>
+          <a:off x="0" y="0"/>
+          <a:ext cx="0" cy="0"/>
+          <a:chOff x="0" y="0"/>
+          <a:chExt cx="0" cy="0"/>
+        </a:xfrm>
+      </p:grpSpPr>
+      <p:sp>
+        <p:nvSpPr>
+          <p:cNvPr id="2" name="Titolo 1">
+            <a:extLst>
+              <a:ext uri="{FF2B5EF4-FFF2-40B4-BE49-F238E27FC236}">
+                <a16:creationId xmlns:a16="http://schemas.microsoft.com/office/drawing/2014/main" id="{879831E4-11E3-5912-4DA5-3877ED87C2C8}"/>
+              </a:ext>
+            </a:extLst>
+          </p:cNvPr>
+          <p:cNvSpPr>
+            <a:spLocks noGrp="1"/>
+          </p:cNvSpPr>
+          <p:nvPr>
+            <p:ph type="title"/>
+          </p:nvPr>
+        </p:nvSpPr>
+        <p:spPr>
+          <a:xfrm>
+            <a:off x="838200" y="517161"/>
+            <a:ext cx="10515600" cy="796135"/>
+          </a:xfrm>
+        </p:spPr>
+        <p:txBody>
+          <a:bodyPr/>
+          <a:lstStyle/>
+          <a:p>
+            <a:pPr algn="ctr"/>
+            <a:r>
+              <a:rPr lang="it-IT" dirty="0">
+                <a:latin typeface="Arial" panose="020B0604020202020204" pitchFamily="34" charset="0"/>
+                <a:cs typeface="Arial" panose="020B0604020202020204" pitchFamily="34" charset="0"/>
+              </a:rPr>
+              <a:t>Conclusioni</a:t>
+            </a:r>
+            <a:endParaRPr lang="it-CH" dirty="0">
+              <a:latin typeface="Arial" panose="020B0604020202020204" pitchFamily="34" charset="0"/>
+              <a:cs typeface="Arial" panose="020B0604020202020204" pitchFamily="34" charset="0"/>
+            </a:endParaRPr>
+          </a:p>
+        </p:txBody>
+      </p:sp>
+      <p:sp>
+        <p:nvSpPr>
+          <p:cNvPr id="3" name="Segnaposto contenuto 2">
+            <a:extLst>
+              <a:ext uri="{FF2B5EF4-FFF2-40B4-BE49-F238E27FC236}">
+                <a16:creationId xmlns:a16="http://schemas.microsoft.com/office/drawing/2014/main" id="{F968FC28-8D72-8F4D-8610-D4F615127428}"/>
+              </a:ext>
+            </a:extLst>
+          </p:cNvPr>
+          <p:cNvSpPr>
+            <a:spLocks noGrp="1"/>
+          </p:cNvSpPr>
+          <p:nvPr>
+            <p:ph idx="1"/>
+          </p:nvPr>
+        </p:nvSpPr>
+        <p:spPr>
+          <a:xfrm>
+            <a:off x="838200" y="2902526"/>
+            <a:ext cx="10515600" cy="3061595"/>
+          </a:xfrm>
+        </p:spPr>
+        <p:txBody>
+          <a:bodyPr/>
+          <a:lstStyle/>
+          <a:p>
+            <a:endParaRPr lang="it-CH" dirty="0">
+              <a:latin typeface="Arial" panose="020B0604020202020204" pitchFamily="34" charset="0"/>
+              <a:cs typeface="Arial" panose="020B0604020202020204" pitchFamily="34" charset="0"/>
+            </a:endParaRPr>
+          </a:p>
+        </p:txBody>
+      </p:sp>
+    </p:spTree>
+    <p:extLst>
+      <p:ext uri="{BB962C8B-B14F-4D97-AF65-F5344CB8AC3E}">
+        <p14:creationId xmlns:p14="http://schemas.microsoft.com/office/powerpoint/2010/main" val="3914932294"/>
+      </p:ext>
+    </p:extLst>
+  </p:cSld>
+  <p:clrMapOvr>
+    <a:masterClrMapping/>
+  </p:clrMapOvr>
+</p:sld>
+</file>
+
+<file path=ppt/slides/slide9.xml><?xml version="1.0" encoding="utf-8"?>
+<p:sld xmlns:a="http://schemas.openxmlformats.org/drawingml/2006/main" xmlns:r="http://schemas.openxmlformats.org/officeDocument/2006/relationships" xmlns:p="http://schemas.openxmlformats.org/presentationml/2006/main">
+  <p:cSld>
+    <p:spTree>
+      <p:nvGrpSpPr>
+        <p:cNvPr id="1" name=""/>
+        <p:cNvGrpSpPr/>
+        <p:nvPr/>
+      </p:nvGrpSpPr>
+      <p:grpSpPr>
+        <a:xfrm>
+          <a:off x="0" y="0"/>
+          <a:ext cx="0" cy="0"/>
+          <a:chOff x="0" y="0"/>
+          <a:chExt cx="0" cy="0"/>
+        </a:xfrm>
+      </p:grpSpPr>
+      <p:sp>
+        <p:nvSpPr>
+          <p:cNvPr id="2" name="Titolo 1">
+            <a:extLst>
+              <a:ext uri="{FF2B5EF4-FFF2-40B4-BE49-F238E27FC236}">
+                <a16:creationId xmlns:a16="http://schemas.microsoft.com/office/drawing/2014/main" id="{879831E4-11E3-5912-4DA5-3877ED87C2C8}"/>
+              </a:ext>
+            </a:extLst>
+          </p:cNvPr>
+          <p:cNvSpPr>
+            <a:spLocks noGrp="1"/>
+          </p:cNvSpPr>
+          <p:nvPr>
+            <p:ph type="title"/>
+          </p:nvPr>
+        </p:nvSpPr>
+        <p:spPr>
+          <a:xfrm>
+            <a:off x="838200" y="572655"/>
+            <a:ext cx="10515600" cy="759691"/>
+          </a:xfrm>
+        </p:spPr>
+        <p:txBody>
+          <a:bodyPr/>
+          <a:lstStyle/>
+          <a:p>
+            <a:pPr algn="ctr"/>
+            <a:r>
+              <a:rPr lang="it-CH" dirty="0">
+                <a:latin typeface="Arial" panose="020B0604020202020204" pitchFamily="34" charset="0"/>
+                <a:cs typeface="Arial" panose="020B0604020202020204" pitchFamily="34" charset="0"/>
+              </a:rPr>
+              <a:t>Procedimento 1</a:t>
             </a:r>
           </a:p>
         </p:txBody>
@@ -8038,7 +8841,37 @@
                 <a:latin typeface="Arial" panose="020B0604020202020204" pitchFamily="34" charset="0"/>
                 <a:cs typeface="Arial" panose="020B0604020202020204" pitchFamily="34" charset="0"/>
               </a:rPr>
-              <a:t> </a:t>
+              <a:t>Costruire il grafo</a:t>
+            </a:r>
+          </a:p>
+          <a:p>
+            <a:pPr lvl="1"/>
+            <a:r>
+              <a:rPr lang="it-CH" i="0" dirty="0">
+                <a:latin typeface="Arial" panose="020B0604020202020204" pitchFamily="34" charset="0"/>
+                <a:cs typeface="Arial" panose="020B0604020202020204" pitchFamily="34" charset="0"/>
+              </a:rPr>
+              <a:t>Ottenere il percorso con il costo maggiore</a:t>
+            </a:r>
+          </a:p>
+          <a:p>
+            <a:pPr lvl="1"/>
+            <a:r>
+              <a:rPr lang="it-CH" i="0" dirty="0">
+                <a:latin typeface="Arial" panose="020B0604020202020204" pitchFamily="34" charset="0"/>
+                <a:cs typeface="Arial" panose="020B0604020202020204" pitchFamily="34" charset="0"/>
+              </a:rPr>
+              <a:t>Mettere a zero il nodo di peso maggiore</a:t>
+            </a:r>
+          </a:p>
+          <a:p>
+            <a:pPr lvl="1"/>
+            <a:r>
+              <a:rPr lang="it-CH" i="0" dirty="0">
+                <a:latin typeface="Arial" panose="020B0604020202020204" pitchFamily="34" charset="0"/>
+                <a:cs typeface="Arial" panose="020B0604020202020204" pitchFamily="34" charset="0"/>
+              </a:rPr>
+              <a:t>Ripetere</a:t>
             </a:r>
           </a:p>
           <a:p>
@@ -8057,7 +8890,7 @@
                 <a:latin typeface="Arial" panose="020B0604020202020204" pitchFamily="34" charset="0"/>
                 <a:cs typeface="Arial" panose="020B0604020202020204" pitchFamily="34" charset="0"/>
               </a:rPr>
-              <a:t>Approccio esatto</a:t>
+              <a:t>Codice relativamente semplice</a:t>
             </a:r>
           </a:p>
           <a:p>
@@ -8066,7 +8899,7 @@
                 <a:latin typeface="Arial" panose="020B0604020202020204" pitchFamily="34" charset="0"/>
                 <a:cs typeface="Arial" panose="020B0604020202020204" pitchFamily="34" charset="0"/>
               </a:rPr>
-              <a:t>Svantaggi</a:t>
+              <a:t>Problema:</a:t>
             </a:r>
           </a:p>
           <a:p>
@@ -8076,15 +8909,29 @@
                 <a:latin typeface="Arial" panose="020B0604020202020204" pitchFamily="34" charset="0"/>
                 <a:cs typeface="Arial" panose="020B0604020202020204" pitchFamily="34" charset="0"/>
               </a:rPr>
-              <a:t>Codice più complicato</a:t>
-            </a:r>
+              <a:t>Metodo </a:t>
+            </a:r>
+            <a:r>
+              <a:rPr lang="it-CH" i="0" dirty="0" err="1">
+                <a:latin typeface="Arial" panose="020B0604020202020204" pitchFamily="34" charset="0"/>
+                <a:cs typeface="Arial" panose="020B0604020202020204" pitchFamily="34" charset="0"/>
+              </a:rPr>
+              <a:t>greedy</a:t>
+            </a:r>
+            <a:endParaRPr lang="it-CH" i="0" dirty="0">
+              <a:latin typeface="Arial" panose="020B0604020202020204" pitchFamily="34" charset="0"/>
+              <a:cs typeface="Arial" panose="020B0604020202020204" pitchFamily="34" charset="0"/>
+            </a:endParaRPr>
+          </a:p>
+          <a:p>
+            <a:endParaRPr lang="it-CH" dirty="0"/>
           </a:p>
         </p:txBody>
       </p:sp>
     </p:spTree>
     <p:extLst>
       <p:ext uri="{BB962C8B-B14F-4D97-AF65-F5344CB8AC3E}">
-        <p14:creationId xmlns:p14="http://schemas.microsoft.com/office/powerpoint/2010/main" val="2930733910"/>
+        <p14:creationId xmlns:p14="http://schemas.microsoft.com/office/powerpoint/2010/main" val="3389366456"/>
       </p:ext>
     </p:extLst>
   </p:cSld>

--- a/Presentazione/Presentazione.pptx
+++ b/Presentazione/Presentazione.pptx
@@ -13,7 +13,6 @@
     <p:sldId id="268" r:id="rId7"/>
     <p:sldId id="267" r:id="rId8"/>
     <p:sldId id="269" r:id="rId9"/>
-    <p:sldId id="259" r:id="rId10"/>
   </p:sldIdLst>
   <p:sldSz cx="12192000" cy="6858000"/>
   <p:notesSz cx="6858000" cy="9144000"/>
@@ -875,6 +874,75 @@
       </pc:sldChg>
     </pc:docChg>
   </pc:docChgLst>
+  <pc:docChgLst>
+    <pc:chgData name="orlando bohrer" userId="6516a393efc9cfb3" providerId="LiveId" clId="{3E4E4FC6-62AB-42A6-A019-012D78365768}"/>
+    <pc:docChg chg="delSld modSld">
+      <pc:chgData name="orlando bohrer" userId="6516a393efc9cfb3" providerId="LiveId" clId="{3E4E4FC6-62AB-42A6-A019-012D78365768}" dt="2022-12-15T09:25:44.460" v="7" actId="5793"/>
+      <pc:docMkLst>
+        <pc:docMk/>
+      </pc:docMkLst>
+      <pc:sldChg chg="del">
+        <pc:chgData name="orlando bohrer" userId="6516a393efc9cfb3" providerId="LiveId" clId="{3E4E4FC6-62AB-42A6-A019-012D78365768}" dt="2022-12-15T09:17:25.419" v="3" actId="2696"/>
+        <pc:sldMkLst>
+          <pc:docMk/>
+          <pc:sldMk cId="3389366456" sldId="259"/>
+        </pc:sldMkLst>
+      </pc:sldChg>
+      <pc:sldChg chg="modSp mod">
+        <pc:chgData name="orlando bohrer" userId="6516a393efc9cfb3" providerId="LiveId" clId="{3E4E4FC6-62AB-42A6-A019-012D78365768}" dt="2022-12-15T09:16:32.933" v="1" actId="790"/>
+        <pc:sldMkLst>
+          <pc:docMk/>
+          <pc:sldMk cId="3128457673" sldId="264"/>
+        </pc:sldMkLst>
+        <pc:spChg chg="mod">
+          <ac:chgData name="orlando bohrer" userId="6516a393efc9cfb3" providerId="LiveId" clId="{3E4E4FC6-62AB-42A6-A019-012D78365768}" dt="2022-12-15T09:16:32.933" v="1" actId="790"/>
+          <ac:spMkLst>
+            <pc:docMk/>
+            <pc:sldMk cId="3128457673" sldId="264"/>
+            <ac:spMk id="2" creationId="{879831E4-11E3-5912-4DA5-3877ED87C2C8}"/>
+          </ac:spMkLst>
+        </pc:spChg>
+        <pc:spChg chg="mod">
+          <ac:chgData name="orlando bohrer" userId="6516a393efc9cfb3" providerId="LiveId" clId="{3E4E4FC6-62AB-42A6-A019-012D78365768}" dt="2022-12-15T09:16:07.365" v="0" actId="790"/>
+          <ac:spMkLst>
+            <pc:docMk/>
+            <pc:sldMk cId="3128457673" sldId="264"/>
+            <ac:spMk id="3" creationId="{F968FC28-8D72-8F4D-8610-D4F615127428}"/>
+          </ac:spMkLst>
+        </pc:spChg>
+      </pc:sldChg>
+      <pc:sldChg chg="modSp mod">
+        <pc:chgData name="orlando bohrer" userId="6516a393efc9cfb3" providerId="LiveId" clId="{3E4E4FC6-62AB-42A6-A019-012D78365768}" dt="2022-12-15T09:16:58.494" v="2" actId="790"/>
+        <pc:sldMkLst>
+          <pc:docMk/>
+          <pc:sldMk cId="3722465700" sldId="266"/>
+        </pc:sldMkLst>
+        <pc:spChg chg="mod">
+          <ac:chgData name="orlando bohrer" userId="6516a393efc9cfb3" providerId="LiveId" clId="{3E4E4FC6-62AB-42A6-A019-012D78365768}" dt="2022-12-15T09:16:58.494" v="2" actId="790"/>
+          <ac:spMkLst>
+            <pc:docMk/>
+            <pc:sldMk cId="3722465700" sldId="266"/>
+            <ac:spMk id="2" creationId="{879831E4-11E3-5912-4DA5-3877ED87C2C8}"/>
+          </ac:spMkLst>
+        </pc:spChg>
+      </pc:sldChg>
+      <pc:sldChg chg="modSp mod">
+        <pc:chgData name="orlando bohrer" userId="6516a393efc9cfb3" providerId="LiveId" clId="{3E4E4FC6-62AB-42A6-A019-012D78365768}" dt="2022-12-15T09:25:44.460" v="7" actId="5793"/>
+        <pc:sldMkLst>
+          <pc:docMk/>
+          <pc:sldMk cId="1438295537" sldId="267"/>
+        </pc:sldMkLst>
+        <pc:spChg chg="mod">
+          <ac:chgData name="orlando bohrer" userId="6516a393efc9cfb3" providerId="LiveId" clId="{3E4E4FC6-62AB-42A6-A019-012D78365768}" dt="2022-12-15T09:25:44.460" v="7" actId="5793"/>
+          <ac:spMkLst>
+            <pc:docMk/>
+            <pc:sldMk cId="1438295537" sldId="267"/>
+            <ac:spMk id="3" creationId="{F968FC28-8D72-8F4D-8610-D4F615127428}"/>
+          </ac:spMkLst>
+        </pc:spChg>
+      </pc:sldChg>
+    </pc:docChg>
+  </pc:docChgLst>
 </pc:chgInfo>
 </file>
 
@@ -1031,7 +1099,7 @@
           <a:p>
             <a:fld id="{F6CCBF3A-D7FB-4B97-8FD5-6FFB20CB1E84}" type="datetimeFigureOut">
               <a:rPr lang="en-US" smtClean="0"/>
-              <a:t>12/14/2022</a:t>
+              <a:t>12/15/2022</a:t>
             </a:fld>
             <a:endParaRPr lang="en-US"/>
           </a:p>
@@ -1272,7 +1340,7 @@
           <a:p>
             <a:fld id="{F6CCBF3A-D7FB-4B97-8FD5-6FFB20CB1E84}" type="datetimeFigureOut">
               <a:rPr lang="en-US" smtClean="0"/>
-              <a:t>12/14/2022</a:t>
+              <a:t>12/15/2022</a:t>
             </a:fld>
             <a:endParaRPr lang="en-US"/>
           </a:p>
@@ -1481,7 +1549,7 @@
           <a:p>
             <a:fld id="{F6CCBF3A-D7FB-4B97-8FD5-6FFB20CB1E84}" type="datetimeFigureOut">
               <a:rPr lang="en-US" smtClean="0"/>
-              <a:t>12/14/2022</a:t>
+              <a:t>12/15/2022</a:t>
             </a:fld>
             <a:endParaRPr lang="en-US"/>
           </a:p>
@@ -1723,7 +1791,7 @@
           <a:p>
             <a:fld id="{F6CCBF3A-D7FB-4B97-8FD5-6FFB20CB1E84}" type="datetimeFigureOut">
               <a:rPr lang="en-US" smtClean="0"/>
-              <a:t>12/14/2022</a:t>
+              <a:t>12/15/2022</a:t>
             </a:fld>
             <a:endParaRPr lang="en-US"/>
           </a:p>
@@ -2001,7 +2069,7 @@
           <a:p>
             <a:fld id="{F6CCBF3A-D7FB-4B97-8FD5-6FFB20CB1E84}" type="datetimeFigureOut">
               <a:rPr lang="en-US" smtClean="0"/>
-              <a:t>12/14/2022</a:t>
+              <a:t>12/15/2022</a:t>
             </a:fld>
             <a:endParaRPr lang="en-US"/>
           </a:p>
@@ -2267,7 +2335,7 @@
           <a:p>
             <a:fld id="{F6CCBF3A-D7FB-4B97-8FD5-6FFB20CB1E84}" type="datetimeFigureOut">
               <a:rPr lang="en-US" smtClean="0"/>
-              <a:t>12/14/2022</a:t>
+              <a:t>12/15/2022</a:t>
             </a:fld>
             <a:endParaRPr lang="en-US"/>
           </a:p>
@@ -2680,7 +2748,7 @@
           <a:p>
             <a:fld id="{F6CCBF3A-D7FB-4B97-8FD5-6FFB20CB1E84}" type="datetimeFigureOut">
               <a:rPr lang="en-US" smtClean="0"/>
-              <a:t>12/14/2022</a:t>
+              <a:t>12/15/2022</a:t>
             </a:fld>
             <a:endParaRPr lang="en-US"/>
           </a:p>
@@ -2827,7 +2895,7 @@
           <a:p>
             <a:fld id="{F6CCBF3A-D7FB-4B97-8FD5-6FFB20CB1E84}" type="datetimeFigureOut">
               <a:rPr lang="en-US" smtClean="0"/>
-              <a:t>12/14/2022</a:t>
+              <a:t>12/15/2022</a:t>
             </a:fld>
             <a:endParaRPr lang="en-US"/>
           </a:p>
@@ -2940,7 +3008,7 @@
           <a:p>
             <a:fld id="{F6CCBF3A-D7FB-4B97-8FD5-6FFB20CB1E84}" type="datetimeFigureOut">
               <a:rPr lang="en-US" smtClean="0"/>
-              <a:t>12/14/2022</a:t>
+              <a:t>12/15/2022</a:t>
             </a:fld>
             <a:endParaRPr lang="en-US"/>
           </a:p>
@@ -3252,7 +3320,7 @@
           <a:p>
             <a:fld id="{F6CCBF3A-D7FB-4B97-8FD5-6FFB20CB1E84}" type="datetimeFigureOut">
               <a:rPr lang="en-US" smtClean="0"/>
-              <a:t>12/14/2022</a:t>
+              <a:t>12/15/2022</a:t>
             </a:fld>
             <a:endParaRPr lang="en-US"/>
           </a:p>
@@ -3587,7 +3655,7 @@
           <a:p>
             <a:fld id="{F6CCBF3A-D7FB-4B97-8FD5-6FFB20CB1E84}" type="datetimeFigureOut">
               <a:rPr lang="en-US" smtClean="0"/>
-              <a:t>12/14/2022</a:t>
+              <a:t>12/15/2022</a:t>
             </a:fld>
             <a:endParaRPr lang="en-US"/>
           </a:p>
@@ -3876,7 +3944,7 @@
           <a:p>
             <a:fld id="{F6CCBF3A-D7FB-4B97-8FD5-6FFB20CB1E84}" type="datetimeFigureOut">
               <a:rPr lang="en-US" smtClean="0"/>
-              <a:t>12/14/2022</a:t>
+              <a:t>12/15/2022</a:t>
             </a:fld>
             <a:endParaRPr lang="en-US"/>
           </a:p>
@@ -7938,23 +8006,12 @@
           <a:p>
             <a:pPr algn="ctr"/>
             <a:r>
-              <a:rPr lang="it-IT" dirty="0" err="1">
+              <a:rPr lang="en-GB" dirty="0">
                 <a:latin typeface="Arial" panose="020B0604020202020204" pitchFamily="34" charset="0"/>
                 <a:cs typeface="Arial" panose="020B0604020202020204" pitchFamily="34" charset="0"/>
               </a:rPr>
-              <a:t>Map</a:t>
-            </a:r>
-            <a:r>
-              <a:rPr lang="it-IT" dirty="0">
-                <a:latin typeface="Arial" panose="020B0604020202020204" pitchFamily="34" charset="0"/>
-                <a:cs typeface="Arial" panose="020B0604020202020204" pitchFamily="34" charset="0"/>
-              </a:rPr>
-              <a:t> of Tasks</a:t>
-            </a:r>
-            <a:endParaRPr lang="it-CH" dirty="0">
-              <a:latin typeface="Arial" panose="020B0604020202020204" pitchFamily="34" charset="0"/>
-              <a:cs typeface="Arial" panose="020B0604020202020204" pitchFamily="34" charset="0"/>
-            </a:endParaRPr>
+              <a:t>Map of Tasks</a:t>
+            </a:r>
           </a:p>
         </p:txBody>
       </p:sp>
@@ -7985,18 +8042,18 @@
           <a:lstStyle/>
           <a:p>
             <a:r>
-              <a:rPr lang="en-US" dirty="0" err="1">
+              <a:rPr lang="it-IT" dirty="0">
                 <a:latin typeface="Arial" panose="020B0604020202020204" pitchFamily="34" charset="0"/>
                 <a:cs typeface="Arial" panose="020B0604020202020204" pitchFamily="34" charset="0"/>
               </a:rPr>
-              <a:t>Albero</a:t>
+              <a:t>Albero </a:t>
             </a:r>
             <a:r>
               <a:rPr lang="en-US" dirty="0">
                 <a:latin typeface="Arial" panose="020B0604020202020204" pitchFamily="34" charset="0"/>
                 <a:cs typeface="Arial" panose="020B0604020202020204" pitchFamily="34" charset="0"/>
               </a:rPr>
-              <a:t> di N nodi</a:t>
+              <a:t>di N nodi</a:t>
             </a:r>
           </a:p>
           <a:p>
@@ -8264,16 +8321,12 @@
               <a:t>Soluzione </a:t>
             </a:r>
             <a:r>
-              <a:rPr lang="it-IT" dirty="0" err="1">
+              <a:rPr lang="en-GB" dirty="0">
                 <a:latin typeface="Arial" panose="020B0604020202020204" pitchFamily="34" charset="0"/>
                 <a:cs typeface="Arial" panose="020B0604020202020204" pitchFamily="34" charset="0"/>
               </a:rPr>
               <a:t>greedy</a:t>
             </a:r>
-            <a:endParaRPr lang="it-CH" dirty="0">
-              <a:latin typeface="Arial" panose="020B0604020202020204" pitchFamily="34" charset="0"/>
-              <a:cs typeface="Arial" panose="020B0604020202020204" pitchFamily="34" charset="0"/>
-            </a:endParaRPr>
           </a:p>
         </p:txBody>
       </p:sp>
@@ -8613,7 +8666,7 @@
                 <a:latin typeface="Arial" panose="020B0604020202020204" pitchFamily="34" charset="0"/>
                 <a:cs typeface="Arial" panose="020B0604020202020204" pitchFamily="34" charset="0"/>
               </a:rPr>
-              <a:t>Implementazione complessa</a:t>
+              <a:t>Performante</a:t>
             </a:r>
           </a:p>
           <a:p>
@@ -8622,8 +8675,17 @@
                 <a:latin typeface="Arial" panose="020B0604020202020204" pitchFamily="34" charset="0"/>
                 <a:cs typeface="Arial" panose="020B0604020202020204" pitchFamily="34" charset="0"/>
               </a:rPr>
-              <a:t>Performante</a:t>
-            </a:r>
+              <a:t>Implementazione complessa</a:t>
+            </a:r>
+          </a:p>
+          <a:p>
+            <a:pPr marL="0" indent="0">
+              <a:buNone/>
+            </a:pPr>
+            <a:endParaRPr lang="it-CH" dirty="0">
+              <a:latin typeface="Arial" panose="020B0604020202020204" pitchFamily="34" charset="0"/>
+              <a:cs typeface="Arial" panose="020B0604020202020204" pitchFamily="34" charset="0"/>
+            </a:endParaRPr>
           </a:p>
           <a:p>
             <a:pPr lvl="1"/>
@@ -8742,196 +8804,6 @@
     <p:extLst>
       <p:ext uri="{BB962C8B-B14F-4D97-AF65-F5344CB8AC3E}">
         <p14:creationId xmlns:p14="http://schemas.microsoft.com/office/powerpoint/2010/main" val="3914932294"/>
-      </p:ext>
-    </p:extLst>
-  </p:cSld>
-  <p:clrMapOvr>
-    <a:masterClrMapping/>
-  </p:clrMapOvr>
-</p:sld>
-</file>
-
-<file path=ppt/slides/slide9.xml><?xml version="1.0" encoding="utf-8"?>
-<p:sld xmlns:a="http://schemas.openxmlformats.org/drawingml/2006/main" xmlns:r="http://schemas.openxmlformats.org/officeDocument/2006/relationships" xmlns:p="http://schemas.openxmlformats.org/presentationml/2006/main">
-  <p:cSld>
-    <p:spTree>
-      <p:nvGrpSpPr>
-        <p:cNvPr id="1" name=""/>
-        <p:cNvGrpSpPr/>
-        <p:nvPr/>
-      </p:nvGrpSpPr>
-      <p:grpSpPr>
-        <a:xfrm>
-          <a:off x="0" y="0"/>
-          <a:ext cx="0" cy="0"/>
-          <a:chOff x="0" y="0"/>
-          <a:chExt cx="0" cy="0"/>
-        </a:xfrm>
-      </p:grpSpPr>
-      <p:sp>
-        <p:nvSpPr>
-          <p:cNvPr id="2" name="Titolo 1">
-            <a:extLst>
-              <a:ext uri="{FF2B5EF4-FFF2-40B4-BE49-F238E27FC236}">
-                <a16:creationId xmlns:a16="http://schemas.microsoft.com/office/drawing/2014/main" id="{879831E4-11E3-5912-4DA5-3877ED87C2C8}"/>
-              </a:ext>
-            </a:extLst>
-          </p:cNvPr>
-          <p:cNvSpPr>
-            <a:spLocks noGrp="1"/>
-          </p:cNvSpPr>
-          <p:nvPr>
-            <p:ph type="title"/>
-          </p:nvPr>
-        </p:nvSpPr>
-        <p:spPr>
-          <a:xfrm>
-            <a:off x="838200" y="572655"/>
-            <a:ext cx="10515600" cy="759691"/>
-          </a:xfrm>
-        </p:spPr>
-        <p:txBody>
-          <a:bodyPr/>
-          <a:lstStyle/>
-          <a:p>
-            <a:pPr algn="ctr"/>
-            <a:r>
-              <a:rPr lang="it-CH" dirty="0">
-                <a:latin typeface="Arial" panose="020B0604020202020204" pitchFamily="34" charset="0"/>
-                <a:cs typeface="Arial" panose="020B0604020202020204" pitchFamily="34" charset="0"/>
-              </a:rPr>
-              <a:t>Procedimento 1</a:t>
-            </a:r>
-          </a:p>
-        </p:txBody>
-      </p:sp>
-      <p:sp>
-        <p:nvSpPr>
-          <p:cNvPr id="3" name="Segnaposto contenuto 2">
-            <a:extLst>
-              <a:ext uri="{FF2B5EF4-FFF2-40B4-BE49-F238E27FC236}">
-                <a16:creationId xmlns:a16="http://schemas.microsoft.com/office/drawing/2014/main" id="{F968FC28-8D72-8F4D-8610-D4F615127428}"/>
-              </a:ext>
-            </a:extLst>
-          </p:cNvPr>
-          <p:cNvSpPr>
-            <a:spLocks noGrp="1"/>
-          </p:cNvSpPr>
-          <p:nvPr>
-            <p:ph idx="1"/>
-          </p:nvPr>
-        </p:nvSpPr>
-        <p:spPr/>
-        <p:txBody>
-          <a:bodyPr/>
-          <a:lstStyle/>
-          <a:p>
-            <a:r>
-              <a:rPr lang="it-CH" dirty="0">
-                <a:latin typeface="Arial" panose="020B0604020202020204" pitchFamily="34" charset="0"/>
-                <a:cs typeface="Arial" panose="020B0604020202020204" pitchFamily="34" charset="0"/>
-              </a:rPr>
-              <a:t>Idea:</a:t>
-            </a:r>
-          </a:p>
-          <a:p>
-            <a:pPr lvl="1"/>
-            <a:r>
-              <a:rPr lang="it-CH" i="0" dirty="0">
-                <a:latin typeface="Arial" panose="020B0604020202020204" pitchFamily="34" charset="0"/>
-                <a:cs typeface="Arial" panose="020B0604020202020204" pitchFamily="34" charset="0"/>
-              </a:rPr>
-              <a:t>Costruire il grafo</a:t>
-            </a:r>
-          </a:p>
-          <a:p>
-            <a:pPr lvl="1"/>
-            <a:r>
-              <a:rPr lang="it-CH" i="0" dirty="0">
-                <a:latin typeface="Arial" panose="020B0604020202020204" pitchFamily="34" charset="0"/>
-                <a:cs typeface="Arial" panose="020B0604020202020204" pitchFamily="34" charset="0"/>
-              </a:rPr>
-              <a:t>Ottenere il percorso con il costo maggiore</a:t>
-            </a:r>
-          </a:p>
-          <a:p>
-            <a:pPr lvl="1"/>
-            <a:r>
-              <a:rPr lang="it-CH" i="0" dirty="0">
-                <a:latin typeface="Arial" panose="020B0604020202020204" pitchFamily="34" charset="0"/>
-                <a:cs typeface="Arial" panose="020B0604020202020204" pitchFamily="34" charset="0"/>
-              </a:rPr>
-              <a:t>Mettere a zero il nodo di peso maggiore</a:t>
-            </a:r>
-          </a:p>
-          <a:p>
-            <a:pPr lvl="1"/>
-            <a:r>
-              <a:rPr lang="it-CH" i="0" dirty="0">
-                <a:latin typeface="Arial" panose="020B0604020202020204" pitchFamily="34" charset="0"/>
-                <a:cs typeface="Arial" panose="020B0604020202020204" pitchFamily="34" charset="0"/>
-              </a:rPr>
-              <a:t>Ripetere</a:t>
-            </a:r>
-          </a:p>
-          <a:p>
-            <a:r>
-              <a:rPr lang="it-CH" dirty="0">
-                <a:latin typeface="Arial" panose="020B0604020202020204" pitchFamily="34" charset="0"/>
-                <a:cs typeface="Arial" panose="020B0604020202020204" pitchFamily="34" charset="0"/>
-              </a:rPr>
-              <a:t>Vantaggi:</a:t>
-            </a:r>
-          </a:p>
-          <a:p>
-            <a:pPr lvl="1"/>
-            <a:r>
-              <a:rPr lang="it-CH" i="0" dirty="0">
-                <a:latin typeface="Arial" panose="020B0604020202020204" pitchFamily="34" charset="0"/>
-                <a:cs typeface="Arial" panose="020B0604020202020204" pitchFamily="34" charset="0"/>
-              </a:rPr>
-              <a:t>Codice relativamente semplice</a:t>
-            </a:r>
-          </a:p>
-          <a:p>
-            <a:r>
-              <a:rPr lang="it-CH" dirty="0">
-                <a:latin typeface="Arial" panose="020B0604020202020204" pitchFamily="34" charset="0"/>
-                <a:cs typeface="Arial" panose="020B0604020202020204" pitchFamily="34" charset="0"/>
-              </a:rPr>
-              <a:t>Problema:</a:t>
-            </a:r>
-          </a:p>
-          <a:p>
-            <a:pPr lvl="1"/>
-            <a:r>
-              <a:rPr lang="it-CH" i="0" dirty="0">
-                <a:latin typeface="Arial" panose="020B0604020202020204" pitchFamily="34" charset="0"/>
-                <a:cs typeface="Arial" panose="020B0604020202020204" pitchFamily="34" charset="0"/>
-              </a:rPr>
-              <a:t>Metodo </a:t>
-            </a:r>
-            <a:r>
-              <a:rPr lang="it-CH" i="0" dirty="0" err="1">
-                <a:latin typeface="Arial" panose="020B0604020202020204" pitchFamily="34" charset="0"/>
-                <a:cs typeface="Arial" panose="020B0604020202020204" pitchFamily="34" charset="0"/>
-              </a:rPr>
-              <a:t>greedy</a:t>
-            </a:r>
-            <a:endParaRPr lang="it-CH" i="0" dirty="0">
-              <a:latin typeface="Arial" panose="020B0604020202020204" pitchFamily="34" charset="0"/>
-              <a:cs typeface="Arial" panose="020B0604020202020204" pitchFamily="34" charset="0"/>
-            </a:endParaRPr>
-          </a:p>
-          <a:p>
-            <a:endParaRPr lang="it-CH" dirty="0"/>
-          </a:p>
-        </p:txBody>
-      </p:sp>
-    </p:spTree>
-    <p:extLst>
-      <p:ext uri="{BB962C8B-B14F-4D97-AF65-F5344CB8AC3E}">
-        <p14:creationId xmlns:p14="http://schemas.microsoft.com/office/powerpoint/2010/main" val="3389366456"/>
       </p:ext>
     </p:extLst>
   </p:cSld>

--- a/Presentazione/Presentazione.pptx
+++ b/Presentazione/Presentazione.pptx
@@ -10,9 +10,10 @@
     <p:sldId id="264" r:id="rId4"/>
     <p:sldId id="265" r:id="rId5"/>
     <p:sldId id="266" r:id="rId6"/>
-    <p:sldId id="268" r:id="rId7"/>
-    <p:sldId id="267" r:id="rId8"/>
-    <p:sldId id="269" r:id="rId9"/>
+    <p:sldId id="270" r:id="rId7"/>
+    <p:sldId id="268" r:id="rId8"/>
+    <p:sldId id="267" r:id="rId9"/>
+    <p:sldId id="269" r:id="rId10"/>
   </p:sldIdLst>
   <p:sldSz cx="12192000" cy="6858000"/>
   <p:notesSz cx="6858000" cy="9144000"/>
@@ -122,7 +123,7 @@
 <file path=ppt/revisionInfo.xml><?xml version="1.0" encoding="utf-8"?>
 <p1510:revInfo xmlns:a="http://schemas.openxmlformats.org/drawingml/2006/main" xmlns:r="http://schemas.openxmlformats.org/officeDocument/2006/relationships" xmlns:p1510="http://schemas.microsoft.com/office/powerpoint/2015/10/main">
   <p1510:revLst>
-    <p1510:client id="{209715FE-8D35-4D65-AD6F-5E926C267CD7}" v="12" dt="2022-12-14T17:52:05.425"/>
+    <p1510:client id="{3E4E4FC6-62AB-42A6-A019-012D78365768}" v="1" dt="2022-12-18T22:08:44.636"/>
   </p1510:revLst>
 </p1510:revInfo>
 </file>
@@ -876,8 +877,8 @@
   </pc:docChgLst>
   <pc:docChgLst>
     <pc:chgData name="orlando bohrer" userId="6516a393efc9cfb3" providerId="LiveId" clId="{3E4E4FC6-62AB-42A6-A019-012D78365768}"/>
-    <pc:docChg chg="delSld modSld">
-      <pc:chgData name="orlando bohrer" userId="6516a393efc9cfb3" providerId="LiveId" clId="{3E4E4FC6-62AB-42A6-A019-012D78365768}" dt="2022-12-15T09:25:44.460" v="7" actId="5793"/>
+    <pc:docChg chg="custSel addSld delSld modSld">
+      <pc:chgData name="orlando bohrer" userId="6516a393efc9cfb3" providerId="LiveId" clId="{3E4E4FC6-62AB-42A6-A019-012D78365768}" dt="2022-12-18T22:09:14.308" v="228" actId="14100"/>
       <pc:docMkLst>
         <pc:docMk/>
       </pc:docMkLst>
@@ -941,6 +942,52 @@
           </ac:spMkLst>
         </pc:spChg>
       </pc:sldChg>
+      <pc:sldChg chg="modSp mod">
+        <pc:chgData name="orlando bohrer" userId="6516a393efc9cfb3" providerId="LiveId" clId="{3E4E4FC6-62AB-42A6-A019-012D78365768}" dt="2022-12-18T22:05:34.265" v="191" actId="20577"/>
+        <pc:sldMkLst>
+          <pc:docMk/>
+          <pc:sldMk cId="3914932294" sldId="269"/>
+        </pc:sldMkLst>
+        <pc:spChg chg="mod">
+          <ac:chgData name="orlando bohrer" userId="6516a393efc9cfb3" providerId="LiveId" clId="{3E4E4FC6-62AB-42A6-A019-012D78365768}" dt="2022-12-18T22:05:34.265" v="191" actId="20577"/>
+          <ac:spMkLst>
+            <pc:docMk/>
+            <pc:sldMk cId="3914932294" sldId="269"/>
+            <ac:spMk id="3" creationId="{F968FC28-8D72-8F4D-8610-D4F615127428}"/>
+          </ac:spMkLst>
+        </pc:spChg>
+      </pc:sldChg>
+      <pc:sldChg chg="addSp delSp modSp add mod">
+        <pc:chgData name="orlando bohrer" userId="6516a393efc9cfb3" providerId="LiveId" clId="{3E4E4FC6-62AB-42A6-A019-012D78365768}" dt="2022-12-18T22:09:14.308" v="228" actId="14100"/>
+        <pc:sldMkLst>
+          <pc:docMk/>
+          <pc:sldMk cId="2716996836" sldId="270"/>
+        </pc:sldMkLst>
+        <pc:spChg chg="mod">
+          <ac:chgData name="orlando bohrer" userId="6516a393efc9cfb3" providerId="LiveId" clId="{3E4E4FC6-62AB-42A6-A019-012D78365768}" dt="2022-12-18T22:08:29.680" v="220" actId="20577"/>
+          <ac:spMkLst>
+            <pc:docMk/>
+            <pc:sldMk cId="2716996836" sldId="270"/>
+            <ac:spMk id="2" creationId="{879831E4-11E3-5912-4DA5-3877ED87C2C8}"/>
+          </ac:spMkLst>
+        </pc:spChg>
+        <pc:spChg chg="del mod">
+          <ac:chgData name="orlando bohrer" userId="6516a393efc9cfb3" providerId="LiveId" clId="{3E4E4FC6-62AB-42A6-A019-012D78365768}" dt="2022-12-18T22:08:44.636" v="222" actId="931"/>
+          <ac:spMkLst>
+            <pc:docMk/>
+            <pc:sldMk cId="2716996836" sldId="270"/>
+            <ac:spMk id="3" creationId="{F968FC28-8D72-8F4D-8610-D4F615127428}"/>
+          </ac:spMkLst>
+        </pc:spChg>
+        <pc:picChg chg="add mod">
+          <ac:chgData name="orlando bohrer" userId="6516a393efc9cfb3" providerId="LiveId" clId="{3E4E4FC6-62AB-42A6-A019-012D78365768}" dt="2022-12-18T22:09:14.308" v="228" actId="14100"/>
+          <ac:picMkLst>
+            <pc:docMk/>
+            <pc:sldMk cId="2716996836" sldId="270"/>
+            <ac:picMk id="5" creationId="{D27EB97E-3BAA-490F-973B-0435CB25287E}"/>
+          </ac:picMkLst>
+        </pc:picChg>
+      </pc:sldChg>
     </pc:docChg>
   </pc:docChgLst>
 </pc:chgInfo>
@@ -1099,7 +1146,7 @@
           <a:p>
             <a:fld id="{F6CCBF3A-D7FB-4B97-8FD5-6FFB20CB1E84}" type="datetimeFigureOut">
               <a:rPr lang="en-US" smtClean="0"/>
-              <a:t>12/15/2022</a:t>
+              <a:t>12/18/2022</a:t>
             </a:fld>
             <a:endParaRPr lang="en-US"/>
           </a:p>
@@ -1340,7 +1387,7 @@
           <a:p>
             <a:fld id="{F6CCBF3A-D7FB-4B97-8FD5-6FFB20CB1E84}" type="datetimeFigureOut">
               <a:rPr lang="en-US" smtClean="0"/>
-              <a:t>12/15/2022</a:t>
+              <a:t>12/18/2022</a:t>
             </a:fld>
             <a:endParaRPr lang="en-US"/>
           </a:p>
@@ -1549,7 +1596,7 @@
           <a:p>
             <a:fld id="{F6CCBF3A-D7FB-4B97-8FD5-6FFB20CB1E84}" type="datetimeFigureOut">
               <a:rPr lang="en-US" smtClean="0"/>
-              <a:t>12/15/2022</a:t>
+              <a:t>12/18/2022</a:t>
             </a:fld>
             <a:endParaRPr lang="en-US"/>
           </a:p>
@@ -1791,7 +1838,7 @@
           <a:p>
             <a:fld id="{F6CCBF3A-D7FB-4B97-8FD5-6FFB20CB1E84}" type="datetimeFigureOut">
               <a:rPr lang="en-US" smtClean="0"/>
-              <a:t>12/15/2022</a:t>
+              <a:t>12/18/2022</a:t>
             </a:fld>
             <a:endParaRPr lang="en-US"/>
           </a:p>
@@ -2069,7 +2116,7 @@
           <a:p>
             <a:fld id="{F6CCBF3A-D7FB-4B97-8FD5-6FFB20CB1E84}" type="datetimeFigureOut">
               <a:rPr lang="en-US" smtClean="0"/>
-              <a:t>12/15/2022</a:t>
+              <a:t>12/18/2022</a:t>
             </a:fld>
             <a:endParaRPr lang="en-US"/>
           </a:p>
@@ -2335,7 +2382,7 @@
           <a:p>
             <a:fld id="{F6CCBF3A-D7FB-4B97-8FD5-6FFB20CB1E84}" type="datetimeFigureOut">
               <a:rPr lang="en-US" smtClean="0"/>
-              <a:t>12/15/2022</a:t>
+              <a:t>12/18/2022</a:t>
             </a:fld>
             <a:endParaRPr lang="en-US"/>
           </a:p>
@@ -2748,7 +2795,7 @@
           <a:p>
             <a:fld id="{F6CCBF3A-D7FB-4B97-8FD5-6FFB20CB1E84}" type="datetimeFigureOut">
               <a:rPr lang="en-US" smtClean="0"/>
-              <a:t>12/15/2022</a:t>
+              <a:t>12/18/2022</a:t>
             </a:fld>
             <a:endParaRPr lang="en-US"/>
           </a:p>
@@ -2895,7 +2942,7 @@
           <a:p>
             <a:fld id="{F6CCBF3A-D7FB-4B97-8FD5-6FFB20CB1E84}" type="datetimeFigureOut">
               <a:rPr lang="en-US" smtClean="0"/>
-              <a:t>12/15/2022</a:t>
+              <a:t>12/18/2022</a:t>
             </a:fld>
             <a:endParaRPr lang="en-US"/>
           </a:p>
@@ -3008,7 +3055,7 @@
           <a:p>
             <a:fld id="{F6CCBF3A-D7FB-4B97-8FD5-6FFB20CB1E84}" type="datetimeFigureOut">
               <a:rPr lang="en-US" smtClean="0"/>
-              <a:t>12/15/2022</a:t>
+              <a:t>12/18/2022</a:t>
             </a:fld>
             <a:endParaRPr lang="en-US"/>
           </a:p>
@@ -3320,7 +3367,7 @@
           <a:p>
             <a:fld id="{F6CCBF3A-D7FB-4B97-8FD5-6FFB20CB1E84}" type="datetimeFigureOut">
               <a:rPr lang="en-US" smtClean="0"/>
-              <a:t>12/15/2022</a:t>
+              <a:t>12/18/2022</a:t>
             </a:fld>
             <a:endParaRPr lang="en-US"/>
           </a:p>
@@ -3655,7 +3702,7 @@
           <a:p>
             <a:fld id="{F6CCBF3A-D7FB-4B97-8FD5-6FFB20CB1E84}" type="datetimeFigureOut">
               <a:rPr lang="en-US" smtClean="0"/>
-              <a:t>12/15/2022</a:t>
+              <a:t>12/18/2022</a:t>
             </a:fld>
             <a:endParaRPr lang="en-US"/>
           </a:p>
@@ -3944,7 +3991,7 @@
           <a:p>
             <a:fld id="{F6CCBF3A-D7FB-4B97-8FD5-6FFB20CB1E84}" type="datetimeFigureOut">
               <a:rPr lang="en-US" smtClean="0"/>
-              <a:t>12/15/2022</a:t>
+              <a:t>12/18/2022</a:t>
             </a:fld>
             <a:endParaRPr lang="en-US"/>
           </a:p>
@@ -8504,9 +8551,9 @@
                 <a:latin typeface="Arial" panose="020B0604020202020204" pitchFamily="34" charset="0"/>
                 <a:cs typeface="Arial" panose="020B0604020202020204" pitchFamily="34" charset="0"/>
               </a:rPr>
-              <a:t>Flowchart</a:t>
-            </a:r>
-            <a:endParaRPr lang="it-CH" dirty="0">
+              <a:t>Pseudocodice</a:t>
+            </a:r>
+            <a:endParaRPr lang="en-GB" dirty="0">
               <a:latin typeface="Arial" panose="020B0604020202020204" pitchFamily="34" charset="0"/>
               <a:cs typeface="Arial" panose="020B0604020202020204" pitchFamily="34" charset="0"/>
             </a:endParaRPr>
@@ -8515,10 +8562,10 @@
       </p:sp>
       <p:pic>
         <p:nvPicPr>
-          <p:cNvPr id="5" name="Segnaposto contenuto 9">
+          <p:cNvPr id="5" name="Segnaposto contenuto 4" descr="Immagine che contiene testo, elettronico, schermo&#10;&#10;Descrizione generata automaticamente">
             <a:extLst>
               <a:ext uri="{FF2B5EF4-FFF2-40B4-BE49-F238E27FC236}">
-                <a16:creationId xmlns:a16="http://schemas.microsoft.com/office/drawing/2014/main" id="{2AC70BE5-F3B3-CFA2-8978-C9382EB541E8}"/>
+                <a16:creationId xmlns:a16="http://schemas.microsoft.com/office/drawing/2014/main" id="{D27EB97E-3BAA-490F-973B-0435CB25287E}"/>
               </a:ext>
             </a:extLst>
           </p:cNvPr>
@@ -8543,15 +8590,15 @@
         </p:blipFill>
         <p:spPr>
           <a:xfrm>
-            <a:off x="3098866" y="2119312"/>
-            <a:ext cx="5994268" cy="4452937"/>
+            <a:off x="4542020" y="1838411"/>
+            <a:ext cx="3102964" cy="5017816"/>
           </a:xfrm>
         </p:spPr>
       </p:pic>
     </p:spTree>
     <p:extLst>
       <p:ext uri="{BB962C8B-B14F-4D97-AF65-F5344CB8AC3E}">
-        <p14:creationId xmlns:p14="http://schemas.microsoft.com/office/powerpoint/2010/main" val="566374648"/>
+        <p14:creationId xmlns:p14="http://schemas.microsoft.com/office/powerpoint/2010/main" val="2716996836"/>
       </p:ext>
     </p:extLst>
   </p:cSld>
@@ -8610,7 +8657,7 @@
                 <a:latin typeface="Arial" panose="020B0604020202020204" pitchFamily="34" charset="0"/>
                 <a:cs typeface="Arial" panose="020B0604020202020204" pitchFamily="34" charset="0"/>
               </a:rPr>
-              <a:t>Soluzione efficace</a:t>
+              <a:t>Flowchart</a:t>
             </a:r>
             <a:endParaRPr lang="it-CH" dirty="0">
               <a:latin typeface="Arial" panose="020B0604020202020204" pitchFamily="34" charset="0"/>
@@ -8619,87 +8666,45 @@
           </a:p>
         </p:txBody>
       </p:sp>
-      <p:sp>
-        <p:nvSpPr>
-          <p:cNvPr id="3" name="Segnaposto contenuto 2">
+      <p:pic>
+        <p:nvPicPr>
+          <p:cNvPr id="5" name="Segnaposto contenuto 9">
             <a:extLst>
               <a:ext uri="{FF2B5EF4-FFF2-40B4-BE49-F238E27FC236}">
-                <a16:creationId xmlns:a16="http://schemas.microsoft.com/office/drawing/2014/main" id="{F968FC28-8D72-8F4D-8610-D4F615127428}"/>
+                <a16:creationId xmlns:a16="http://schemas.microsoft.com/office/drawing/2014/main" id="{2AC70BE5-F3B3-CFA2-8978-C9382EB541E8}"/>
               </a:ext>
             </a:extLst>
           </p:cNvPr>
-          <p:cNvSpPr>
-            <a:spLocks noGrp="1"/>
-          </p:cNvSpPr>
+          <p:cNvPicPr>
+            <a:picLocks noGrp="1" noChangeAspect="1"/>
+          </p:cNvPicPr>
           <p:nvPr>
             <p:ph idx="1"/>
           </p:nvPr>
-        </p:nvSpPr>
+        </p:nvPicPr>
+        <p:blipFill>
+          <a:blip r:embed="rId2">
+            <a:extLst>
+              <a:ext uri="{28A0092B-C50C-407E-A947-70E740481C1C}">
+                <a14:useLocalDpi xmlns:a14="http://schemas.microsoft.com/office/drawing/2010/main" val="0"/>
+              </a:ext>
+            </a:extLst>
+          </a:blip>
+          <a:stretch>
+            <a:fillRect/>
+          </a:stretch>
+        </p:blipFill>
         <p:spPr>
           <a:xfrm>
-            <a:off x="838200" y="2902526"/>
-            <a:ext cx="10515600" cy="3061595"/>
+            <a:off x="3098866" y="2119312"/>
+            <a:ext cx="5994268" cy="4452937"/>
           </a:xfrm>
         </p:spPr>
-        <p:txBody>
-          <a:bodyPr/>
-          <a:lstStyle/>
-          <a:p>
-            <a:r>
-              <a:rPr lang="it-IT" dirty="0">
-                <a:latin typeface="Arial" panose="020B0604020202020204" pitchFamily="34" charset="0"/>
-                <a:cs typeface="Arial" panose="020B0604020202020204" pitchFamily="34" charset="0"/>
-              </a:rPr>
-              <a:t>Procedimento:</a:t>
-            </a:r>
-          </a:p>
-          <a:p>
-            <a:pPr lvl="1"/>
-            <a:endParaRPr lang="it-IT" dirty="0">
-              <a:latin typeface="Arial" panose="020B0604020202020204" pitchFamily="34" charset="0"/>
-              <a:cs typeface="Arial" panose="020B0604020202020204" pitchFamily="34" charset="0"/>
-            </a:endParaRPr>
-          </a:p>
-          <a:p>
-            <a:r>
-              <a:rPr lang="it-CH" dirty="0">
-                <a:latin typeface="Arial" panose="020B0604020202020204" pitchFamily="34" charset="0"/>
-                <a:cs typeface="Arial" panose="020B0604020202020204" pitchFamily="34" charset="0"/>
-              </a:rPr>
-              <a:t>Performante</a:t>
-            </a:r>
-          </a:p>
-          <a:p>
-            <a:r>
-              <a:rPr lang="it-CH" dirty="0">
-                <a:latin typeface="Arial" panose="020B0604020202020204" pitchFamily="34" charset="0"/>
-                <a:cs typeface="Arial" panose="020B0604020202020204" pitchFamily="34" charset="0"/>
-              </a:rPr>
-              <a:t>Implementazione complessa</a:t>
-            </a:r>
-          </a:p>
-          <a:p>
-            <a:pPr marL="0" indent="0">
-              <a:buNone/>
-            </a:pPr>
-            <a:endParaRPr lang="it-CH" dirty="0">
-              <a:latin typeface="Arial" panose="020B0604020202020204" pitchFamily="34" charset="0"/>
-              <a:cs typeface="Arial" panose="020B0604020202020204" pitchFamily="34" charset="0"/>
-            </a:endParaRPr>
-          </a:p>
-          <a:p>
-            <a:pPr lvl="1"/>
-            <a:endParaRPr lang="it-CH" dirty="0">
-              <a:latin typeface="Arial" panose="020B0604020202020204" pitchFamily="34" charset="0"/>
-              <a:cs typeface="Arial" panose="020B0604020202020204" pitchFamily="34" charset="0"/>
-            </a:endParaRPr>
-          </a:p>
-        </p:txBody>
-      </p:sp>
+      </p:pic>
     </p:spTree>
     <p:extLst>
       <p:ext uri="{BB962C8B-B14F-4D97-AF65-F5344CB8AC3E}">
-        <p14:creationId xmlns:p14="http://schemas.microsoft.com/office/powerpoint/2010/main" val="1438295537"/>
+        <p14:creationId xmlns:p14="http://schemas.microsoft.com/office/powerpoint/2010/main" val="566374648"/>
       </p:ext>
     </p:extLst>
   </p:cSld>
@@ -8758,7 +8763,7 @@
                 <a:latin typeface="Arial" panose="020B0604020202020204" pitchFamily="34" charset="0"/>
                 <a:cs typeface="Arial" panose="020B0604020202020204" pitchFamily="34" charset="0"/>
               </a:rPr>
-              <a:t>Conclusioni</a:t>
+              <a:t>Soluzione efficace</a:t>
             </a:r>
             <a:endParaRPr lang="it-CH" dirty="0">
               <a:latin typeface="Arial" panose="020B0604020202020204" pitchFamily="34" charset="0"/>
@@ -8793,10 +8798,200 @@
           <a:bodyPr/>
           <a:lstStyle/>
           <a:p>
+            <a:r>
+              <a:rPr lang="it-IT" dirty="0">
+                <a:latin typeface="Arial" panose="020B0604020202020204" pitchFamily="34" charset="0"/>
+                <a:cs typeface="Arial" panose="020B0604020202020204" pitchFamily="34" charset="0"/>
+              </a:rPr>
+              <a:t>Procedimento:</a:t>
+            </a:r>
+          </a:p>
+          <a:p>
+            <a:pPr lvl="1"/>
+            <a:endParaRPr lang="it-IT" dirty="0">
+              <a:latin typeface="Arial" panose="020B0604020202020204" pitchFamily="34" charset="0"/>
+              <a:cs typeface="Arial" panose="020B0604020202020204" pitchFamily="34" charset="0"/>
+            </a:endParaRPr>
+          </a:p>
+          <a:p>
+            <a:r>
+              <a:rPr lang="it-CH" dirty="0">
+                <a:latin typeface="Arial" panose="020B0604020202020204" pitchFamily="34" charset="0"/>
+                <a:cs typeface="Arial" panose="020B0604020202020204" pitchFamily="34" charset="0"/>
+              </a:rPr>
+              <a:t>Performante</a:t>
+            </a:r>
+          </a:p>
+          <a:p>
+            <a:r>
+              <a:rPr lang="it-CH" dirty="0">
+                <a:latin typeface="Arial" panose="020B0604020202020204" pitchFamily="34" charset="0"/>
+                <a:cs typeface="Arial" panose="020B0604020202020204" pitchFamily="34" charset="0"/>
+              </a:rPr>
+              <a:t>Implementazione complessa</a:t>
+            </a:r>
+          </a:p>
+          <a:p>
+            <a:pPr marL="0" indent="0">
+              <a:buNone/>
+            </a:pPr>
             <a:endParaRPr lang="it-CH" dirty="0">
               <a:latin typeface="Arial" panose="020B0604020202020204" pitchFamily="34" charset="0"/>
               <a:cs typeface="Arial" panose="020B0604020202020204" pitchFamily="34" charset="0"/>
             </a:endParaRPr>
+          </a:p>
+          <a:p>
+            <a:pPr lvl="1"/>
+            <a:endParaRPr lang="it-CH" dirty="0">
+              <a:latin typeface="Arial" panose="020B0604020202020204" pitchFamily="34" charset="0"/>
+              <a:cs typeface="Arial" panose="020B0604020202020204" pitchFamily="34" charset="0"/>
+            </a:endParaRPr>
+          </a:p>
+        </p:txBody>
+      </p:sp>
+    </p:spTree>
+    <p:extLst>
+      <p:ext uri="{BB962C8B-B14F-4D97-AF65-F5344CB8AC3E}">
+        <p14:creationId xmlns:p14="http://schemas.microsoft.com/office/powerpoint/2010/main" val="1438295537"/>
+      </p:ext>
+    </p:extLst>
+  </p:cSld>
+  <p:clrMapOvr>
+    <a:masterClrMapping/>
+  </p:clrMapOvr>
+</p:sld>
+</file>
+
+<file path=ppt/slides/slide9.xml><?xml version="1.0" encoding="utf-8"?>
+<p:sld xmlns:a="http://schemas.openxmlformats.org/drawingml/2006/main" xmlns:r="http://schemas.openxmlformats.org/officeDocument/2006/relationships" xmlns:p="http://schemas.openxmlformats.org/presentationml/2006/main">
+  <p:cSld>
+    <p:spTree>
+      <p:nvGrpSpPr>
+        <p:cNvPr id="1" name=""/>
+        <p:cNvGrpSpPr/>
+        <p:nvPr/>
+      </p:nvGrpSpPr>
+      <p:grpSpPr>
+        <a:xfrm>
+          <a:off x="0" y="0"/>
+          <a:ext cx="0" cy="0"/>
+          <a:chOff x="0" y="0"/>
+          <a:chExt cx="0" cy="0"/>
+        </a:xfrm>
+      </p:grpSpPr>
+      <p:sp>
+        <p:nvSpPr>
+          <p:cNvPr id="2" name="Titolo 1">
+            <a:extLst>
+              <a:ext uri="{FF2B5EF4-FFF2-40B4-BE49-F238E27FC236}">
+                <a16:creationId xmlns:a16="http://schemas.microsoft.com/office/drawing/2014/main" id="{879831E4-11E3-5912-4DA5-3877ED87C2C8}"/>
+              </a:ext>
+            </a:extLst>
+          </p:cNvPr>
+          <p:cNvSpPr>
+            <a:spLocks noGrp="1"/>
+          </p:cNvSpPr>
+          <p:nvPr>
+            <p:ph type="title"/>
+          </p:nvPr>
+        </p:nvSpPr>
+        <p:spPr>
+          <a:xfrm>
+            <a:off x="838200" y="517161"/>
+            <a:ext cx="10515600" cy="796135"/>
+          </a:xfrm>
+        </p:spPr>
+        <p:txBody>
+          <a:bodyPr/>
+          <a:lstStyle/>
+          <a:p>
+            <a:pPr algn="ctr"/>
+            <a:r>
+              <a:rPr lang="it-IT" dirty="0">
+                <a:latin typeface="Arial" panose="020B0604020202020204" pitchFamily="34" charset="0"/>
+                <a:cs typeface="Arial" panose="020B0604020202020204" pitchFamily="34" charset="0"/>
+              </a:rPr>
+              <a:t>Conclusioni</a:t>
+            </a:r>
+            <a:endParaRPr lang="it-CH" dirty="0">
+              <a:latin typeface="Arial" panose="020B0604020202020204" pitchFamily="34" charset="0"/>
+              <a:cs typeface="Arial" panose="020B0604020202020204" pitchFamily="34" charset="0"/>
+            </a:endParaRPr>
+          </a:p>
+        </p:txBody>
+      </p:sp>
+      <p:sp>
+        <p:nvSpPr>
+          <p:cNvPr id="3" name="Segnaposto contenuto 2">
+            <a:extLst>
+              <a:ext uri="{FF2B5EF4-FFF2-40B4-BE49-F238E27FC236}">
+                <a16:creationId xmlns:a16="http://schemas.microsoft.com/office/drawing/2014/main" id="{F968FC28-8D72-8F4D-8610-D4F615127428}"/>
+              </a:ext>
+            </a:extLst>
+          </p:cNvPr>
+          <p:cNvSpPr>
+            <a:spLocks noGrp="1"/>
+          </p:cNvSpPr>
+          <p:nvPr>
+            <p:ph idx="1"/>
+          </p:nvPr>
+        </p:nvSpPr>
+        <p:spPr>
+          <a:xfrm>
+            <a:off x="838200" y="2902526"/>
+            <a:ext cx="10515600" cy="3061595"/>
+          </a:xfrm>
+        </p:spPr>
+        <p:txBody>
+          <a:bodyPr/>
+          <a:lstStyle/>
+          <a:p>
+            <a:r>
+              <a:rPr lang="it-CH" dirty="0">
+                <a:latin typeface="Arial" panose="020B0604020202020204" pitchFamily="34" charset="0"/>
+                <a:cs typeface="Arial" panose="020B0604020202020204" pitchFamily="34" charset="0"/>
+              </a:rPr>
+              <a:t>Punti completati:</a:t>
+            </a:r>
+          </a:p>
+          <a:p>
+            <a:pPr lvl="1"/>
+            <a:r>
+              <a:rPr lang="it-CH" dirty="0">
+                <a:latin typeface="Arial" panose="020B0604020202020204" pitchFamily="34" charset="0"/>
+                <a:cs typeface="Arial" panose="020B0604020202020204" pitchFamily="34" charset="0"/>
+              </a:rPr>
+              <a:t>Comprensione del testo</a:t>
+            </a:r>
+          </a:p>
+          <a:p>
+            <a:pPr lvl="1"/>
+            <a:r>
+              <a:rPr lang="it-CH" dirty="0">
+                <a:latin typeface="Arial" panose="020B0604020202020204" pitchFamily="34" charset="0"/>
+                <a:cs typeface="Arial" panose="020B0604020202020204" pitchFamily="34" charset="0"/>
+              </a:rPr>
+              <a:t>Algoritmo di base</a:t>
+            </a:r>
+          </a:p>
+          <a:p>
+            <a:r>
+              <a:rPr lang="it-CH" dirty="0">
+                <a:latin typeface="Arial" panose="020B0604020202020204" pitchFamily="34" charset="0"/>
+                <a:cs typeface="Arial" panose="020B0604020202020204" pitchFamily="34" charset="0"/>
+              </a:rPr>
+              <a:t>Punti da completare</a:t>
+            </a:r>
+          </a:p>
+          <a:p>
+            <a:pPr lvl="1"/>
+            <a:r>
+              <a:rPr lang="it-CH" dirty="0">
+                <a:latin typeface="Arial" panose="020B0604020202020204" pitchFamily="34" charset="0"/>
+                <a:cs typeface="Arial" panose="020B0604020202020204" pitchFamily="34" charset="0"/>
+              </a:rPr>
+              <a:t>Algoritmo dinamico</a:t>
+            </a:r>
           </a:p>
         </p:txBody>
       </p:sp>

--- a/Presentazione/Presentazione.pptx
+++ b/Presentazione/Presentazione.pptx
@@ -123,7 +123,7 @@
 <file path=ppt/revisionInfo.xml><?xml version="1.0" encoding="utf-8"?>
 <p1510:revInfo xmlns:a="http://schemas.openxmlformats.org/drawingml/2006/main" xmlns:r="http://schemas.openxmlformats.org/officeDocument/2006/relationships" xmlns:p1510="http://schemas.microsoft.com/office/powerpoint/2015/10/main">
   <p1510:revLst>
-    <p1510:client id="{3E4E4FC6-62AB-42A6-A019-012D78365768}" v="1" dt="2022-12-18T22:08:44.636"/>
+    <p1510:client id="{3E4E4FC6-62AB-42A6-A019-012D78365768}" v="3" dt="2022-12-19T07:23:46.306"/>
   </p1510:revLst>
 </p1510:revInfo>
 </file>
@@ -877,8 +877,8 @@
   </pc:docChgLst>
   <pc:docChgLst>
     <pc:chgData name="orlando bohrer" userId="6516a393efc9cfb3" providerId="LiveId" clId="{3E4E4FC6-62AB-42A6-A019-012D78365768}"/>
-    <pc:docChg chg="custSel addSld delSld modSld">
-      <pc:chgData name="orlando bohrer" userId="6516a393efc9cfb3" providerId="LiveId" clId="{3E4E4FC6-62AB-42A6-A019-012D78365768}" dt="2022-12-18T22:09:14.308" v="228" actId="14100"/>
+    <pc:docChg chg="undo custSel addSld delSld modSld">
+      <pc:chgData name="orlando bohrer" userId="6516a393efc9cfb3" providerId="LiveId" clId="{3E4E4FC6-62AB-42A6-A019-012D78365768}" dt="2022-12-19T07:27:47.492" v="248" actId="20577"/>
       <pc:docMkLst>
         <pc:docMk/>
       </pc:docMkLst>
@@ -912,6 +912,125 @@
           </ac:spMkLst>
         </pc:spChg>
       </pc:sldChg>
+      <pc:sldChg chg="addSp delSp modSp mod">
+        <pc:chgData name="orlando bohrer" userId="6516a393efc9cfb3" providerId="LiveId" clId="{3E4E4FC6-62AB-42A6-A019-012D78365768}" dt="2022-12-19T07:23:46.306" v="247"/>
+        <pc:sldMkLst>
+          <pc:docMk/>
+          <pc:sldMk cId="2696425520" sldId="265"/>
+        </pc:sldMkLst>
+        <pc:spChg chg="add del ord">
+          <ac:chgData name="orlando bohrer" userId="6516a393efc9cfb3" providerId="LiveId" clId="{3E4E4FC6-62AB-42A6-A019-012D78365768}" dt="2022-12-19T07:22:48.832" v="232" actId="11529"/>
+          <ac:spMkLst>
+            <pc:docMk/>
+            <pc:sldMk cId="2696425520" sldId="265"/>
+            <ac:spMk id="3" creationId="{B173D9B9-D024-1327-CC3E-B366051D7048}"/>
+          </ac:spMkLst>
+        </pc:spChg>
+        <pc:inkChg chg="add">
+          <ac:chgData name="orlando bohrer" userId="6516a393efc9cfb3" providerId="LiveId" clId="{3E4E4FC6-62AB-42A6-A019-012D78365768}" dt="2022-12-19T07:23:11.500" v="233" actId="9405"/>
+          <ac:inkMkLst>
+            <pc:docMk/>
+            <pc:sldMk cId="2696425520" sldId="265"/>
+            <ac:inkMk id="4" creationId="{BD933731-4B35-CBDA-FE09-65EAC99555DD}"/>
+          </ac:inkMkLst>
+        </pc:inkChg>
+        <pc:inkChg chg="add del">
+          <ac:chgData name="orlando bohrer" userId="6516a393efc9cfb3" providerId="LiveId" clId="{3E4E4FC6-62AB-42A6-A019-012D78365768}" dt="2022-12-19T07:23:45.310" v="246"/>
+          <ac:inkMkLst>
+            <pc:docMk/>
+            <pc:sldMk cId="2696425520" sldId="265"/>
+            <ac:inkMk id="5" creationId="{E090E5F1-BD35-92E7-9B42-84A4C18EA475}"/>
+          </ac:inkMkLst>
+        </pc:inkChg>
+        <pc:inkChg chg="add">
+          <ac:chgData name="orlando bohrer" userId="6516a393efc9cfb3" providerId="LiveId" clId="{3E4E4FC6-62AB-42A6-A019-012D78365768}" dt="2022-12-19T07:23:18.508" v="235" actId="9405"/>
+          <ac:inkMkLst>
+            <pc:docMk/>
+            <pc:sldMk cId="2696425520" sldId="265"/>
+            <ac:inkMk id="8" creationId="{414D130A-93C5-9207-5AC5-B67E7AD5A5CD}"/>
+          </ac:inkMkLst>
+        </pc:inkChg>
+        <pc:inkChg chg="add">
+          <ac:chgData name="orlando bohrer" userId="6516a393efc9cfb3" providerId="LiveId" clId="{3E4E4FC6-62AB-42A6-A019-012D78365768}" dt="2022-12-19T07:23:19.378" v="236" actId="9405"/>
+          <ac:inkMkLst>
+            <pc:docMk/>
+            <pc:sldMk cId="2696425520" sldId="265"/>
+            <ac:inkMk id="9" creationId="{D7533A6C-E190-581A-8831-C472E88BD1C4}"/>
+          </ac:inkMkLst>
+        </pc:inkChg>
+        <pc:inkChg chg="add">
+          <ac:chgData name="orlando bohrer" userId="6516a393efc9cfb3" providerId="LiveId" clId="{3E4E4FC6-62AB-42A6-A019-012D78365768}" dt="2022-12-19T07:23:20.020" v="237" actId="9405"/>
+          <ac:inkMkLst>
+            <pc:docMk/>
+            <pc:sldMk cId="2696425520" sldId="265"/>
+            <ac:inkMk id="10" creationId="{4E1E5D5C-083E-941F-54F4-5BE57E675C85}"/>
+          </ac:inkMkLst>
+        </pc:inkChg>
+        <pc:inkChg chg="add">
+          <ac:chgData name="orlando bohrer" userId="6516a393efc9cfb3" providerId="LiveId" clId="{3E4E4FC6-62AB-42A6-A019-012D78365768}" dt="2022-12-19T07:23:22.412" v="238" actId="9405"/>
+          <ac:inkMkLst>
+            <pc:docMk/>
+            <pc:sldMk cId="2696425520" sldId="265"/>
+            <ac:inkMk id="11" creationId="{3255A467-6220-F72F-3779-7EC59D2771FD}"/>
+          </ac:inkMkLst>
+        </pc:inkChg>
+        <pc:inkChg chg="add">
+          <ac:chgData name="orlando bohrer" userId="6516a393efc9cfb3" providerId="LiveId" clId="{3E4E4FC6-62AB-42A6-A019-012D78365768}" dt="2022-12-19T07:23:23.691" v="239" actId="9405"/>
+          <ac:inkMkLst>
+            <pc:docMk/>
+            <pc:sldMk cId="2696425520" sldId="265"/>
+            <ac:inkMk id="12" creationId="{03A2FF97-7361-ADDB-950C-D741C6877138}"/>
+          </ac:inkMkLst>
+        </pc:inkChg>
+        <pc:inkChg chg="add del">
+          <ac:chgData name="orlando bohrer" userId="6516a393efc9cfb3" providerId="LiveId" clId="{3E4E4FC6-62AB-42A6-A019-012D78365768}" dt="2022-12-19T07:23:46.306" v="247"/>
+          <ac:inkMkLst>
+            <pc:docMk/>
+            <pc:sldMk cId="2696425520" sldId="265"/>
+            <ac:inkMk id="13" creationId="{7C0C52AB-472E-BABF-DB64-DE90BA567656}"/>
+          </ac:inkMkLst>
+        </pc:inkChg>
+        <pc:inkChg chg="add">
+          <ac:chgData name="orlando bohrer" userId="6516a393efc9cfb3" providerId="LiveId" clId="{3E4E4FC6-62AB-42A6-A019-012D78365768}" dt="2022-12-19T07:23:34.424" v="241" actId="9405"/>
+          <ac:inkMkLst>
+            <pc:docMk/>
+            <pc:sldMk cId="2696425520" sldId="265"/>
+            <ac:inkMk id="14" creationId="{5990671E-8981-EAA7-9DA9-F0ADE62F91FC}"/>
+          </ac:inkMkLst>
+        </pc:inkChg>
+        <pc:inkChg chg="add">
+          <ac:chgData name="orlando bohrer" userId="6516a393efc9cfb3" providerId="LiveId" clId="{3E4E4FC6-62AB-42A6-A019-012D78365768}" dt="2022-12-19T07:23:36.102" v="242" actId="9405"/>
+          <ac:inkMkLst>
+            <pc:docMk/>
+            <pc:sldMk cId="2696425520" sldId="265"/>
+            <ac:inkMk id="15" creationId="{945E8F33-8F03-01DC-7F2F-668AA1A90577}"/>
+          </ac:inkMkLst>
+        </pc:inkChg>
+        <pc:inkChg chg="add">
+          <ac:chgData name="orlando bohrer" userId="6516a393efc9cfb3" providerId="LiveId" clId="{3E4E4FC6-62AB-42A6-A019-012D78365768}" dt="2022-12-19T07:23:37.998" v="243" actId="9405"/>
+          <ac:inkMkLst>
+            <pc:docMk/>
+            <pc:sldMk cId="2696425520" sldId="265"/>
+            <ac:inkMk id="16" creationId="{26D1AE71-1BAC-689B-3F51-714E1CA71CB9}"/>
+          </ac:inkMkLst>
+        </pc:inkChg>
+        <pc:inkChg chg="add">
+          <ac:chgData name="orlando bohrer" userId="6516a393efc9cfb3" providerId="LiveId" clId="{3E4E4FC6-62AB-42A6-A019-012D78365768}" dt="2022-12-19T07:23:40.036" v="244" actId="9405"/>
+          <ac:inkMkLst>
+            <pc:docMk/>
+            <pc:sldMk cId="2696425520" sldId="265"/>
+            <ac:inkMk id="17" creationId="{E0E65704-F40C-866D-0A51-73279E2B8FAC}"/>
+          </ac:inkMkLst>
+        </pc:inkChg>
+        <pc:inkChg chg="add">
+          <ac:chgData name="orlando bohrer" userId="6516a393efc9cfb3" providerId="LiveId" clId="{3E4E4FC6-62AB-42A6-A019-012D78365768}" dt="2022-12-19T07:23:41.801" v="245" actId="9405"/>
+          <ac:inkMkLst>
+            <pc:docMk/>
+            <pc:sldMk cId="2696425520" sldId="265"/>
+            <ac:inkMk id="18" creationId="{AFB9DE8F-D6D6-228B-CB9C-CAD40CC6021E}"/>
+          </ac:inkMkLst>
+        </pc:inkChg>
+      </pc:sldChg>
       <pc:sldChg chg="modSp mod">
         <pc:chgData name="orlando bohrer" userId="6516a393efc9cfb3" providerId="LiveId" clId="{3E4E4FC6-62AB-42A6-A019-012D78365768}" dt="2022-12-15T09:16:58.494" v="2" actId="790"/>
         <pc:sldMkLst>
@@ -943,13 +1062,13 @@
         </pc:spChg>
       </pc:sldChg>
       <pc:sldChg chg="modSp mod">
-        <pc:chgData name="orlando bohrer" userId="6516a393efc9cfb3" providerId="LiveId" clId="{3E4E4FC6-62AB-42A6-A019-012D78365768}" dt="2022-12-18T22:05:34.265" v="191" actId="20577"/>
+        <pc:chgData name="orlando bohrer" userId="6516a393efc9cfb3" providerId="LiveId" clId="{3E4E4FC6-62AB-42A6-A019-012D78365768}" dt="2022-12-19T07:27:47.492" v="248" actId="20577"/>
         <pc:sldMkLst>
           <pc:docMk/>
           <pc:sldMk cId="3914932294" sldId="269"/>
         </pc:sldMkLst>
         <pc:spChg chg="mod">
-          <ac:chgData name="orlando bohrer" userId="6516a393efc9cfb3" providerId="LiveId" clId="{3E4E4FC6-62AB-42A6-A019-012D78365768}" dt="2022-12-18T22:05:34.265" v="191" actId="20577"/>
+          <ac:chgData name="orlando bohrer" userId="6516a393efc9cfb3" providerId="LiveId" clId="{3E4E4FC6-62AB-42A6-A019-012D78365768}" dt="2022-12-19T07:27:47.492" v="248" actId="20577"/>
           <ac:spMkLst>
             <pc:docMk/>
             <pc:sldMk cId="3914932294" sldId="269"/>
@@ -991,6 +1110,325 @@
     </pc:docChg>
   </pc:docChgLst>
 </pc:chgInfo>
+</file>
+
+<file path=ppt/ink/ink1.xml><?xml version="1.0" encoding="utf-8"?>
+<inkml:ink xmlns:inkml="http://www.w3.org/2003/InkML">
+  <inkml:definitions>
+    <inkml:context xml:id="ctx0">
+      <inkml:inkSource xml:id="inkSrc0">
+        <inkml:traceFormat>
+          <inkml:channel name="X" type="integer" min="-2.14748E9" max="2.14748E9" units="cm"/>
+          <inkml:channel name="Y" type="integer" min="-2.14748E9" max="2.14748E9" units="cm"/>
+        </inkml:traceFormat>
+        <inkml:channelProperties>
+          <inkml:channelProperty channel="X" name="resolution" value="1000" units="1/cm"/>
+          <inkml:channelProperty channel="Y" name="resolution" value="1000" units="1/cm"/>
+        </inkml:channelProperties>
+      </inkml:inkSource>
+      <inkml:timestamp xml:id="ts0" timeString="2022-12-19T07:23:11.498"/>
+    </inkml:context>
+    <inkml:brush xml:id="br0">
+      <inkml:brushProperty name="width" value="0.3" units="cm"/>
+      <inkml:brushProperty name="height" value="0.6" units="cm"/>
+      <inkml:brushProperty name="color" value="#FFFC00"/>
+      <inkml:brushProperty name="tip" value="rectangle"/>
+      <inkml:brushProperty name="rasterOp" value="maskPen"/>
+      <inkml:brushProperty name="ignorePressure" value="1"/>
+    </inkml:brush>
+  </inkml:definitions>
+  <inkml:trace contextRef="#ctx0" brushRef="#br0">0 1,'1042'0,"-1006"0</inkml:trace>
+</inkml:ink>
+</file>
+
+<file path=ppt/ink/ink10.xml><?xml version="1.0" encoding="utf-8"?>
+<inkml:ink xmlns:inkml="http://www.w3.org/2003/InkML">
+  <inkml:definitions>
+    <inkml:context xml:id="ctx0">
+      <inkml:inkSource xml:id="inkSrc0">
+        <inkml:traceFormat>
+          <inkml:channel name="X" type="integer" min="-2.14748E9" max="2.14748E9" units="cm"/>
+          <inkml:channel name="Y" type="integer" min="-2.14748E9" max="2.14748E9" units="cm"/>
+        </inkml:traceFormat>
+        <inkml:channelProperties>
+          <inkml:channelProperty channel="X" name="resolution" value="1000" units="1/cm"/>
+          <inkml:channelProperty channel="Y" name="resolution" value="1000" units="1/cm"/>
+        </inkml:channelProperties>
+      </inkml:inkSource>
+      <inkml:timestamp xml:id="ts0" timeString="2022-12-19T07:23:40.036"/>
+    </inkml:context>
+    <inkml:brush xml:id="br0">
+      <inkml:brushProperty name="width" value="0.3" units="cm"/>
+      <inkml:brushProperty name="height" value="0.6" units="cm"/>
+      <inkml:brushProperty name="color" value="#00F900"/>
+      <inkml:brushProperty name="tip" value="rectangle"/>
+      <inkml:brushProperty name="rasterOp" value="maskPen"/>
+      <inkml:brushProperty name="ignorePressure" value="1"/>
+    </inkml:brush>
+  </inkml:definitions>
+  <inkml:trace contextRef="#ctx0" brushRef="#br0">1 0,'7'0,"9"7,10 3,7-1,5-2,3-2,1-2,2-1,-1-2,0 0,0 0,0 0,-2-1,-6 1</inkml:trace>
+</inkml:ink>
+</file>
+
+<file path=ppt/ink/ink11.xml><?xml version="1.0" encoding="utf-8"?>
+<inkml:ink xmlns:inkml="http://www.w3.org/2003/InkML">
+  <inkml:definitions>
+    <inkml:context xml:id="ctx0">
+      <inkml:inkSource xml:id="inkSrc0">
+        <inkml:traceFormat>
+          <inkml:channel name="X" type="integer" min="-2.14748E9" max="2.14748E9" units="cm"/>
+          <inkml:channel name="Y" type="integer" min="-2.14748E9" max="2.14748E9" units="cm"/>
+        </inkml:traceFormat>
+        <inkml:channelProperties>
+          <inkml:channelProperty channel="X" name="resolution" value="1000" units="1/cm"/>
+          <inkml:channelProperty channel="Y" name="resolution" value="1000" units="1/cm"/>
+        </inkml:channelProperties>
+      </inkml:inkSource>
+      <inkml:timestamp xml:id="ts0" timeString="2022-12-19T07:23:41.800"/>
+    </inkml:context>
+    <inkml:brush xml:id="br0">
+      <inkml:brushProperty name="width" value="0.3" units="cm"/>
+      <inkml:brushProperty name="height" value="0.6" units="cm"/>
+      <inkml:brushProperty name="color" value="#00F900"/>
+      <inkml:brushProperty name="tip" value="rectangle"/>
+      <inkml:brushProperty name="rasterOp" value="maskPen"/>
+      <inkml:brushProperty name="ignorePressure" value="1"/>
+    </inkml:brush>
+  </inkml:definitions>
+  <inkml:trace contextRef="#ctx0" brushRef="#br0">1 0,'7'0,"10"0,8 0,8 0,5 0,-4 0</inkml:trace>
+</inkml:ink>
+</file>
+
+<file path=ppt/ink/ink2.xml><?xml version="1.0" encoding="utf-8"?>
+<inkml:ink xmlns:inkml="http://www.w3.org/2003/InkML">
+  <inkml:definitions>
+    <inkml:context xml:id="ctx0">
+      <inkml:inkSource xml:id="inkSrc0">
+        <inkml:traceFormat>
+          <inkml:channel name="X" type="integer" min="-2.14748E9" max="2.14748E9" units="cm"/>
+          <inkml:channel name="Y" type="integer" min="-2.14748E9" max="2.14748E9" units="cm"/>
+        </inkml:traceFormat>
+        <inkml:channelProperties>
+          <inkml:channelProperty channel="X" name="resolution" value="1000" units="1/cm"/>
+          <inkml:channelProperty channel="Y" name="resolution" value="1000" units="1/cm"/>
+        </inkml:channelProperties>
+      </inkml:inkSource>
+      <inkml:timestamp xml:id="ts0" timeString="2022-12-19T07:23:18.507"/>
+    </inkml:context>
+    <inkml:brush xml:id="br0">
+      <inkml:brushProperty name="width" value="0.3" units="cm"/>
+      <inkml:brushProperty name="height" value="0.6" units="cm"/>
+      <inkml:brushProperty name="color" value="#00FDFF"/>
+      <inkml:brushProperty name="tip" value="rectangle"/>
+      <inkml:brushProperty name="rasterOp" value="maskPen"/>
+      <inkml:brushProperty name="ignorePressure" value="1"/>
+    </inkml:brush>
+  </inkml:definitions>
+  <inkml:trace contextRef="#ctx0" brushRef="#br0">0 1,'0'0</inkml:trace>
+</inkml:ink>
+</file>
+
+<file path=ppt/ink/ink3.xml><?xml version="1.0" encoding="utf-8"?>
+<inkml:ink xmlns:inkml="http://www.w3.org/2003/InkML">
+  <inkml:definitions>
+    <inkml:context xml:id="ctx0">
+      <inkml:inkSource xml:id="inkSrc0">
+        <inkml:traceFormat>
+          <inkml:channel name="X" type="integer" min="-2.14748E9" max="2.14748E9" units="cm"/>
+          <inkml:channel name="Y" type="integer" min="-2.14748E9" max="2.14748E9" units="cm"/>
+        </inkml:traceFormat>
+        <inkml:channelProperties>
+          <inkml:channelProperty channel="X" name="resolution" value="1000" units="1/cm"/>
+          <inkml:channelProperty channel="Y" name="resolution" value="1000" units="1/cm"/>
+        </inkml:channelProperties>
+      </inkml:inkSource>
+      <inkml:timestamp xml:id="ts0" timeString="2022-12-19T07:23:19.378"/>
+    </inkml:context>
+    <inkml:brush xml:id="br0">
+      <inkml:brushProperty name="width" value="0.3" units="cm"/>
+      <inkml:brushProperty name="height" value="0.6" units="cm"/>
+      <inkml:brushProperty name="color" value="#00FDFF"/>
+      <inkml:brushProperty name="tip" value="rectangle"/>
+      <inkml:brushProperty name="rasterOp" value="maskPen"/>
+      <inkml:brushProperty name="ignorePressure" value="1"/>
+    </inkml:brush>
+  </inkml:definitions>
+  <inkml:trace contextRef="#ctx0" brushRef="#br0">1 0,'0'0</inkml:trace>
+</inkml:ink>
+</file>
+
+<file path=ppt/ink/ink4.xml><?xml version="1.0" encoding="utf-8"?>
+<inkml:ink xmlns:inkml="http://www.w3.org/2003/InkML">
+  <inkml:definitions>
+    <inkml:context xml:id="ctx0">
+      <inkml:inkSource xml:id="inkSrc0">
+        <inkml:traceFormat>
+          <inkml:channel name="X" type="integer" min="-2.14748E9" max="2.14748E9" units="cm"/>
+          <inkml:channel name="Y" type="integer" min="-2.14748E9" max="2.14748E9" units="cm"/>
+        </inkml:traceFormat>
+        <inkml:channelProperties>
+          <inkml:channelProperty channel="X" name="resolution" value="1000" units="1/cm"/>
+          <inkml:channelProperty channel="Y" name="resolution" value="1000" units="1/cm"/>
+        </inkml:channelProperties>
+      </inkml:inkSource>
+      <inkml:timestamp xml:id="ts0" timeString="2022-12-19T07:23:20.019"/>
+    </inkml:context>
+    <inkml:brush xml:id="br0">
+      <inkml:brushProperty name="width" value="0.3" units="cm"/>
+      <inkml:brushProperty name="height" value="0.6" units="cm"/>
+      <inkml:brushProperty name="color" value="#00FDFF"/>
+      <inkml:brushProperty name="tip" value="rectangle"/>
+      <inkml:brushProperty name="rasterOp" value="maskPen"/>
+      <inkml:brushProperty name="ignorePressure" value="1"/>
+    </inkml:brush>
+  </inkml:definitions>
+  <inkml:trace contextRef="#ctx0" brushRef="#br0">1 1,'0'0</inkml:trace>
+</inkml:ink>
+</file>
+
+<file path=ppt/ink/ink5.xml><?xml version="1.0" encoding="utf-8"?>
+<inkml:ink xmlns:inkml="http://www.w3.org/2003/InkML">
+  <inkml:definitions>
+    <inkml:context xml:id="ctx0">
+      <inkml:inkSource xml:id="inkSrc0">
+        <inkml:traceFormat>
+          <inkml:channel name="X" type="integer" min="-2.14748E9" max="2.14748E9" units="cm"/>
+          <inkml:channel name="Y" type="integer" min="-2.14748E9" max="2.14748E9" units="cm"/>
+        </inkml:traceFormat>
+        <inkml:channelProperties>
+          <inkml:channelProperty channel="X" name="resolution" value="1000" units="1/cm"/>
+          <inkml:channelProperty channel="Y" name="resolution" value="1000" units="1/cm"/>
+        </inkml:channelProperties>
+      </inkml:inkSource>
+      <inkml:timestamp xml:id="ts0" timeString="2022-12-19T07:23:22.411"/>
+    </inkml:context>
+    <inkml:brush xml:id="br0">
+      <inkml:brushProperty name="width" value="0.3" units="cm"/>
+      <inkml:brushProperty name="height" value="0.6" units="cm"/>
+      <inkml:brushProperty name="color" value="#00FDFF"/>
+      <inkml:brushProperty name="tip" value="rectangle"/>
+      <inkml:brushProperty name="rasterOp" value="maskPen"/>
+      <inkml:brushProperty name="ignorePressure" value="1"/>
+    </inkml:brush>
+  </inkml:definitions>
+  <inkml:trace contextRef="#ctx0" brushRef="#br0">1 0,'7'0,"9"0,9 0,8 0,5 0,3 0,-5 8,-2 2,0-1,-5 5,-1 1,2-3,-4-3</inkml:trace>
+</inkml:ink>
+</file>
+
+<file path=ppt/ink/ink6.xml><?xml version="1.0" encoding="utf-8"?>
+<inkml:ink xmlns:inkml="http://www.w3.org/2003/InkML">
+  <inkml:definitions>
+    <inkml:context xml:id="ctx0">
+      <inkml:inkSource xml:id="inkSrc0">
+        <inkml:traceFormat>
+          <inkml:channel name="X" type="integer" min="-2.14748E9" max="2.14748E9" units="cm"/>
+          <inkml:channel name="Y" type="integer" min="-2.14748E9" max="2.14748E9" units="cm"/>
+        </inkml:traceFormat>
+        <inkml:channelProperties>
+          <inkml:channelProperty channel="X" name="resolution" value="1000" units="1/cm"/>
+          <inkml:channelProperty channel="Y" name="resolution" value="1000" units="1/cm"/>
+        </inkml:channelProperties>
+      </inkml:inkSource>
+      <inkml:timestamp xml:id="ts0" timeString="2022-12-19T07:23:23.690"/>
+    </inkml:context>
+    <inkml:brush xml:id="br0">
+      <inkml:brushProperty name="width" value="0.3" units="cm"/>
+      <inkml:brushProperty name="height" value="0.6" units="cm"/>
+      <inkml:brushProperty name="color" value="#00FDFF"/>
+      <inkml:brushProperty name="tip" value="rectangle"/>
+      <inkml:brushProperty name="rasterOp" value="maskPen"/>
+      <inkml:brushProperty name="ignorePressure" value="1"/>
+    </inkml:brush>
+  </inkml:definitions>
+  <inkml:trace contextRef="#ctx0" brushRef="#br0">0 1,'0'0</inkml:trace>
+</inkml:ink>
+</file>
+
+<file path=ppt/ink/ink7.xml><?xml version="1.0" encoding="utf-8"?>
+<inkml:ink xmlns:inkml="http://www.w3.org/2003/InkML">
+  <inkml:definitions>
+    <inkml:context xml:id="ctx0">
+      <inkml:inkSource xml:id="inkSrc0">
+        <inkml:traceFormat>
+          <inkml:channel name="X" type="integer" min="-2.14748E9" max="2.14748E9" units="cm"/>
+          <inkml:channel name="Y" type="integer" min="-2.14748E9" max="2.14748E9" units="cm"/>
+        </inkml:traceFormat>
+        <inkml:channelProperties>
+          <inkml:channelProperty channel="X" name="resolution" value="1000" units="1/cm"/>
+          <inkml:channelProperty channel="Y" name="resolution" value="1000" units="1/cm"/>
+        </inkml:channelProperties>
+      </inkml:inkSource>
+      <inkml:timestamp xml:id="ts0" timeString="2022-12-19T07:23:34.423"/>
+    </inkml:context>
+    <inkml:brush xml:id="br0">
+      <inkml:brushProperty name="width" value="0.3" units="cm"/>
+      <inkml:brushProperty name="height" value="0.6" units="cm"/>
+      <inkml:brushProperty name="color" value="#00F900"/>
+      <inkml:brushProperty name="tip" value="rectangle"/>
+      <inkml:brushProperty name="rasterOp" value="maskPen"/>
+      <inkml:brushProperty name="ignorePressure" value="1"/>
+    </inkml:brush>
+  </inkml:definitions>
+  <inkml:trace contextRef="#ctx0" brushRef="#br0">0 1,'7'0,"10"0,9 0,7 0,5 0,2 0,3 0,1 0,-8 7,-2 2,0 0,1-2,2-2,-6 6,-1 0,2-1,-4-2</inkml:trace>
+</inkml:ink>
+</file>
+
+<file path=ppt/ink/ink8.xml><?xml version="1.0" encoding="utf-8"?>
+<inkml:ink xmlns:inkml="http://www.w3.org/2003/InkML">
+  <inkml:definitions>
+    <inkml:context xml:id="ctx0">
+      <inkml:inkSource xml:id="inkSrc0">
+        <inkml:traceFormat>
+          <inkml:channel name="X" type="integer" min="-2.14748E9" max="2.14748E9" units="cm"/>
+          <inkml:channel name="Y" type="integer" min="-2.14748E9" max="2.14748E9" units="cm"/>
+        </inkml:traceFormat>
+        <inkml:channelProperties>
+          <inkml:channelProperty channel="X" name="resolution" value="1000" units="1/cm"/>
+          <inkml:channelProperty channel="Y" name="resolution" value="1000" units="1/cm"/>
+        </inkml:channelProperties>
+      </inkml:inkSource>
+      <inkml:timestamp xml:id="ts0" timeString="2022-12-19T07:23:36.101"/>
+    </inkml:context>
+    <inkml:brush xml:id="br0">
+      <inkml:brushProperty name="width" value="0.3" units="cm"/>
+      <inkml:brushProperty name="height" value="0.6" units="cm"/>
+      <inkml:brushProperty name="color" value="#00F900"/>
+      <inkml:brushProperty name="tip" value="rectangle"/>
+      <inkml:brushProperty name="rasterOp" value="maskPen"/>
+      <inkml:brushProperty name="ignorePressure" value="1"/>
+    </inkml:brush>
+  </inkml:definitions>
+  <inkml:trace contextRef="#ctx0" brushRef="#br0">1 1,'0'7,"7"2,10 0,8-2,8-2,-2 5,-6 2</inkml:trace>
+</inkml:ink>
+</file>
+
+<file path=ppt/ink/ink9.xml><?xml version="1.0" encoding="utf-8"?>
+<inkml:ink xmlns:inkml="http://www.w3.org/2003/InkML">
+  <inkml:definitions>
+    <inkml:context xml:id="ctx0">
+      <inkml:inkSource xml:id="inkSrc0">
+        <inkml:traceFormat>
+          <inkml:channel name="X" type="integer" min="-2.14748E9" max="2.14748E9" units="cm"/>
+          <inkml:channel name="Y" type="integer" min="-2.14748E9" max="2.14748E9" units="cm"/>
+        </inkml:traceFormat>
+        <inkml:channelProperties>
+          <inkml:channelProperty channel="X" name="resolution" value="1000" units="1/cm"/>
+          <inkml:channelProperty channel="Y" name="resolution" value="1000" units="1/cm"/>
+        </inkml:channelProperties>
+      </inkml:inkSource>
+      <inkml:timestamp xml:id="ts0" timeString="2022-12-19T07:23:37.997"/>
+    </inkml:context>
+    <inkml:brush xml:id="br0">
+      <inkml:brushProperty name="width" value="0.3" units="cm"/>
+      <inkml:brushProperty name="height" value="0.6" units="cm"/>
+      <inkml:brushProperty name="color" value="#00F900"/>
+      <inkml:brushProperty name="tip" value="rectangle"/>
+      <inkml:brushProperty name="rasterOp" value="maskPen"/>
+      <inkml:brushProperty name="ignorePressure" value="1"/>
+    </inkml:brush>
+  </inkml:definitions>
+  <inkml:trace contextRef="#ctx0" brushRef="#br0">1 1,'7'0,"10"0,8 0,8 0,5 0,-4 7,-1 2,-6 0</inkml:trace>
+</inkml:ink>
 </file>
 
 <file path=ppt/slideLayouts/slideLayout1.xml><?xml version="1.0" encoding="utf-8"?>
@@ -1146,7 +1584,7 @@
           <a:p>
             <a:fld id="{F6CCBF3A-D7FB-4B97-8FD5-6FFB20CB1E84}" type="datetimeFigureOut">
               <a:rPr lang="en-US" smtClean="0"/>
-              <a:t>12/18/2022</a:t>
+              <a:t>12/19/2022</a:t>
             </a:fld>
             <a:endParaRPr lang="en-US"/>
           </a:p>
@@ -1387,7 +1825,7 @@
           <a:p>
             <a:fld id="{F6CCBF3A-D7FB-4B97-8FD5-6FFB20CB1E84}" type="datetimeFigureOut">
               <a:rPr lang="en-US" smtClean="0"/>
-              <a:t>12/18/2022</a:t>
+              <a:t>12/19/2022</a:t>
             </a:fld>
             <a:endParaRPr lang="en-US"/>
           </a:p>
@@ -1596,7 +2034,7 @@
           <a:p>
             <a:fld id="{F6CCBF3A-D7FB-4B97-8FD5-6FFB20CB1E84}" type="datetimeFigureOut">
               <a:rPr lang="en-US" smtClean="0"/>
-              <a:t>12/18/2022</a:t>
+              <a:t>12/19/2022</a:t>
             </a:fld>
             <a:endParaRPr lang="en-US"/>
           </a:p>
@@ -1838,7 +2276,7 @@
           <a:p>
             <a:fld id="{F6CCBF3A-D7FB-4B97-8FD5-6FFB20CB1E84}" type="datetimeFigureOut">
               <a:rPr lang="en-US" smtClean="0"/>
-              <a:t>12/18/2022</a:t>
+              <a:t>12/19/2022</a:t>
             </a:fld>
             <a:endParaRPr lang="en-US"/>
           </a:p>
@@ -2116,7 +2554,7 @@
           <a:p>
             <a:fld id="{F6CCBF3A-D7FB-4B97-8FD5-6FFB20CB1E84}" type="datetimeFigureOut">
               <a:rPr lang="en-US" smtClean="0"/>
-              <a:t>12/18/2022</a:t>
+              <a:t>12/19/2022</a:t>
             </a:fld>
             <a:endParaRPr lang="en-US"/>
           </a:p>
@@ -2382,7 +2820,7 @@
           <a:p>
             <a:fld id="{F6CCBF3A-D7FB-4B97-8FD5-6FFB20CB1E84}" type="datetimeFigureOut">
               <a:rPr lang="en-US" smtClean="0"/>
-              <a:t>12/18/2022</a:t>
+              <a:t>12/19/2022</a:t>
             </a:fld>
             <a:endParaRPr lang="en-US"/>
           </a:p>
@@ -2795,7 +3233,7 @@
           <a:p>
             <a:fld id="{F6CCBF3A-D7FB-4B97-8FD5-6FFB20CB1E84}" type="datetimeFigureOut">
               <a:rPr lang="en-US" smtClean="0"/>
-              <a:t>12/18/2022</a:t>
+              <a:t>12/19/2022</a:t>
             </a:fld>
             <a:endParaRPr lang="en-US"/>
           </a:p>
@@ -2942,7 +3380,7 @@
           <a:p>
             <a:fld id="{F6CCBF3A-D7FB-4B97-8FD5-6FFB20CB1E84}" type="datetimeFigureOut">
               <a:rPr lang="en-US" smtClean="0"/>
-              <a:t>12/18/2022</a:t>
+              <a:t>12/19/2022</a:t>
             </a:fld>
             <a:endParaRPr lang="en-US"/>
           </a:p>
@@ -3055,7 +3493,7 @@
           <a:p>
             <a:fld id="{F6CCBF3A-D7FB-4B97-8FD5-6FFB20CB1E84}" type="datetimeFigureOut">
               <a:rPr lang="en-US" smtClean="0"/>
-              <a:t>12/18/2022</a:t>
+              <a:t>12/19/2022</a:t>
             </a:fld>
             <a:endParaRPr lang="en-US"/>
           </a:p>
@@ -3367,7 +3805,7 @@
           <a:p>
             <a:fld id="{F6CCBF3A-D7FB-4B97-8FD5-6FFB20CB1E84}" type="datetimeFigureOut">
               <a:rPr lang="en-US" smtClean="0"/>
-              <a:t>12/18/2022</a:t>
+              <a:t>12/19/2022</a:t>
             </a:fld>
             <a:endParaRPr lang="en-US"/>
           </a:p>
@@ -3702,7 +4140,7 @@
           <a:p>
             <a:fld id="{F6CCBF3A-D7FB-4B97-8FD5-6FFB20CB1E84}" type="datetimeFigureOut">
               <a:rPr lang="en-US" smtClean="0"/>
-              <a:t>12/18/2022</a:t>
+              <a:t>12/19/2022</a:t>
             </a:fld>
             <a:endParaRPr lang="en-US"/>
           </a:p>
@@ -3991,7 +4429,7 @@
           <a:p>
             <a:fld id="{F6CCBF3A-D7FB-4B97-8FD5-6FFB20CB1E84}" type="datetimeFigureOut">
               <a:rPr lang="en-US" smtClean="0"/>
-              <a:t>12/18/2022</a:t>
+              <a:t>12/19/2022</a:t>
             </a:fld>
             <a:endParaRPr lang="en-US"/>
           </a:p>
@@ -8303,6 +8741,567 @@
           </a:xfrm>
         </p:spPr>
       </p:pic>
+      <mc:AlternateContent xmlns:mc="http://schemas.openxmlformats.org/markup-compatibility/2006" xmlns:p14="http://schemas.microsoft.com/office/powerpoint/2010/main">
+        <mc:Choice Requires="p14">
+          <p:contentPart p14:bwMode="auto" r:id="rId4">
+            <p14:nvContentPartPr>
+              <p14:cNvPr id="4" name="Input penna 3">
+                <a:extLst>
+                  <a:ext uri="{FF2B5EF4-FFF2-40B4-BE49-F238E27FC236}">
+                    <a16:creationId xmlns:a16="http://schemas.microsoft.com/office/drawing/2014/main" id="{BD933731-4B35-CBDA-FE09-65EAC99555DD}"/>
+                  </a:ext>
+                </a:extLst>
+              </p14:cNvPr>
+              <p14:cNvContentPartPr/>
+              <p14:nvPr/>
+            </p14:nvContentPartPr>
+            <p14:xfrm>
+              <a:off x="974420" y="3822209"/>
+              <a:ext cx="388080" cy="360"/>
+            </p14:xfrm>
+          </p:contentPart>
+        </mc:Choice>
+        <mc:Fallback xmlns="">
+          <p:pic>
+            <p:nvPicPr>
+              <p:cNvPr id="4" name="Input penna 3">
+                <a:extLst>
+                  <a:ext uri="{FF2B5EF4-FFF2-40B4-BE49-F238E27FC236}">
+                    <a16:creationId xmlns:a16="http://schemas.microsoft.com/office/drawing/2014/main" id="{BD933731-4B35-CBDA-FE09-65EAC99555DD}"/>
+                  </a:ext>
+                </a:extLst>
+              </p:cNvPr>
+              <p:cNvPicPr/>
+              <p:nvPr/>
+            </p:nvPicPr>
+            <p:blipFill>
+              <a:blip r:embed="rId5"/>
+              <a:stretch>
+                <a:fillRect/>
+              </a:stretch>
+            </p:blipFill>
+            <p:spPr>
+              <a:xfrm>
+                <a:off x="920420" y="3714569"/>
+                <a:ext cx="495720" cy="216000"/>
+              </a:xfrm>
+              <a:prstGeom prst="rect">
+                <a:avLst/>
+              </a:prstGeom>
+            </p:spPr>
+          </p:pic>
+        </mc:Fallback>
+      </mc:AlternateContent>
+      <mc:AlternateContent xmlns:mc="http://schemas.openxmlformats.org/markup-compatibility/2006" xmlns:p14="http://schemas.microsoft.com/office/powerpoint/2010/main">
+        <mc:Choice Requires="p14">
+          <p:contentPart p14:bwMode="auto" r:id="rId6">
+            <p14:nvContentPartPr>
+              <p14:cNvPr id="8" name="Input penna 7">
+                <a:extLst>
+                  <a:ext uri="{FF2B5EF4-FFF2-40B4-BE49-F238E27FC236}">
+                    <a16:creationId xmlns:a16="http://schemas.microsoft.com/office/drawing/2014/main" id="{414D130A-93C5-9207-5AC5-B67E7AD5A5CD}"/>
+                  </a:ext>
+                </a:extLst>
+              </p14:cNvPr>
+              <p14:cNvContentPartPr/>
+              <p14:nvPr/>
+            </p14:nvContentPartPr>
+            <p14:xfrm>
+              <a:off x="1034540" y="4121729"/>
+              <a:ext cx="360" cy="360"/>
+            </p14:xfrm>
+          </p:contentPart>
+        </mc:Choice>
+        <mc:Fallback xmlns="">
+          <p:pic>
+            <p:nvPicPr>
+              <p:cNvPr id="8" name="Input penna 7">
+                <a:extLst>
+                  <a:ext uri="{FF2B5EF4-FFF2-40B4-BE49-F238E27FC236}">
+                    <a16:creationId xmlns:a16="http://schemas.microsoft.com/office/drawing/2014/main" id="{414D130A-93C5-9207-5AC5-B67E7AD5A5CD}"/>
+                  </a:ext>
+                </a:extLst>
+              </p:cNvPr>
+              <p:cNvPicPr/>
+              <p:nvPr/>
+            </p:nvPicPr>
+            <p:blipFill>
+              <a:blip r:embed="rId7"/>
+              <a:stretch>
+                <a:fillRect/>
+              </a:stretch>
+            </p:blipFill>
+            <p:spPr>
+              <a:xfrm>
+                <a:off x="980540" y="4014089"/>
+                <a:ext cx="108000" cy="216000"/>
+              </a:xfrm>
+              <a:prstGeom prst="rect">
+                <a:avLst/>
+              </a:prstGeom>
+            </p:spPr>
+          </p:pic>
+        </mc:Fallback>
+      </mc:AlternateContent>
+      <mc:AlternateContent xmlns:mc="http://schemas.openxmlformats.org/markup-compatibility/2006" xmlns:p14="http://schemas.microsoft.com/office/powerpoint/2010/main">
+        <mc:Choice Requires="p14">
+          <p:contentPart p14:bwMode="auto" r:id="rId8">
+            <p14:nvContentPartPr>
+              <p14:cNvPr id="9" name="Input penna 8">
+                <a:extLst>
+                  <a:ext uri="{FF2B5EF4-FFF2-40B4-BE49-F238E27FC236}">
+                    <a16:creationId xmlns:a16="http://schemas.microsoft.com/office/drawing/2014/main" id="{D7533A6C-E190-581A-8831-C472E88BD1C4}"/>
+                  </a:ext>
+                </a:extLst>
+              </p14:cNvPr>
+              <p14:cNvContentPartPr/>
+              <p14:nvPr/>
+            </p14:nvContentPartPr>
+            <p14:xfrm>
+              <a:off x="1049300" y="4376969"/>
+              <a:ext cx="360" cy="360"/>
+            </p14:xfrm>
+          </p:contentPart>
+        </mc:Choice>
+        <mc:Fallback xmlns="">
+          <p:pic>
+            <p:nvPicPr>
+              <p:cNvPr id="9" name="Input penna 8">
+                <a:extLst>
+                  <a:ext uri="{FF2B5EF4-FFF2-40B4-BE49-F238E27FC236}">
+                    <a16:creationId xmlns:a16="http://schemas.microsoft.com/office/drawing/2014/main" id="{D7533A6C-E190-581A-8831-C472E88BD1C4}"/>
+                  </a:ext>
+                </a:extLst>
+              </p:cNvPr>
+              <p:cNvPicPr/>
+              <p:nvPr/>
+            </p:nvPicPr>
+            <p:blipFill>
+              <a:blip r:embed="rId7"/>
+              <a:stretch>
+                <a:fillRect/>
+              </a:stretch>
+            </p:blipFill>
+            <p:spPr>
+              <a:xfrm>
+                <a:off x="995660" y="4268969"/>
+                <a:ext cx="108000" cy="216000"/>
+              </a:xfrm>
+              <a:prstGeom prst="rect">
+                <a:avLst/>
+              </a:prstGeom>
+            </p:spPr>
+          </p:pic>
+        </mc:Fallback>
+      </mc:AlternateContent>
+      <mc:AlternateContent xmlns:mc="http://schemas.openxmlformats.org/markup-compatibility/2006" xmlns:p14="http://schemas.microsoft.com/office/powerpoint/2010/main">
+        <mc:Choice Requires="p14">
+          <p:contentPart p14:bwMode="auto" r:id="rId9">
+            <p14:nvContentPartPr>
+              <p14:cNvPr id="10" name="Input penna 9">
+                <a:extLst>
+                  <a:ext uri="{FF2B5EF4-FFF2-40B4-BE49-F238E27FC236}">
+                    <a16:creationId xmlns:a16="http://schemas.microsoft.com/office/drawing/2014/main" id="{4E1E5D5C-083E-941F-54F4-5BE57E675C85}"/>
+                  </a:ext>
+                </a:extLst>
+              </p14:cNvPr>
+              <p14:cNvContentPartPr/>
+              <p14:nvPr/>
+            </p14:nvContentPartPr>
+            <p14:xfrm>
+              <a:off x="1049300" y="4661369"/>
+              <a:ext cx="360" cy="360"/>
+            </p14:xfrm>
+          </p:contentPart>
+        </mc:Choice>
+        <mc:Fallback xmlns="">
+          <p:pic>
+            <p:nvPicPr>
+              <p:cNvPr id="10" name="Input penna 9">
+                <a:extLst>
+                  <a:ext uri="{FF2B5EF4-FFF2-40B4-BE49-F238E27FC236}">
+                    <a16:creationId xmlns:a16="http://schemas.microsoft.com/office/drawing/2014/main" id="{4E1E5D5C-083E-941F-54F4-5BE57E675C85}"/>
+                  </a:ext>
+                </a:extLst>
+              </p:cNvPr>
+              <p:cNvPicPr/>
+              <p:nvPr/>
+            </p:nvPicPr>
+            <p:blipFill>
+              <a:blip r:embed="rId7"/>
+              <a:stretch>
+                <a:fillRect/>
+              </a:stretch>
+            </p:blipFill>
+            <p:spPr>
+              <a:xfrm>
+                <a:off x="995660" y="4553729"/>
+                <a:ext cx="108000" cy="216000"/>
+              </a:xfrm>
+              <a:prstGeom prst="rect">
+                <a:avLst/>
+              </a:prstGeom>
+            </p:spPr>
+          </p:pic>
+        </mc:Fallback>
+      </mc:AlternateContent>
+      <mc:AlternateContent xmlns:mc="http://schemas.openxmlformats.org/markup-compatibility/2006" xmlns:p14="http://schemas.microsoft.com/office/powerpoint/2010/main">
+        <mc:Choice Requires="p14">
+          <p:contentPart p14:bwMode="auto" r:id="rId10">
+            <p14:nvContentPartPr>
+              <p14:cNvPr id="11" name="Input penna 10">
+                <a:extLst>
+                  <a:ext uri="{FF2B5EF4-FFF2-40B4-BE49-F238E27FC236}">
+                    <a16:creationId xmlns:a16="http://schemas.microsoft.com/office/drawing/2014/main" id="{3255A467-6220-F72F-3779-7EC59D2771FD}"/>
+                  </a:ext>
+                </a:extLst>
+              </p14:cNvPr>
+              <p14:cNvContentPartPr/>
+              <p14:nvPr/>
+            </p14:nvContentPartPr>
+            <p14:xfrm>
+              <a:off x="1049300" y="4931369"/>
+              <a:ext cx="136080" cy="28080"/>
+            </p14:xfrm>
+          </p:contentPart>
+        </mc:Choice>
+        <mc:Fallback xmlns="">
+          <p:pic>
+            <p:nvPicPr>
+              <p:cNvPr id="11" name="Input penna 10">
+                <a:extLst>
+                  <a:ext uri="{FF2B5EF4-FFF2-40B4-BE49-F238E27FC236}">
+                    <a16:creationId xmlns:a16="http://schemas.microsoft.com/office/drawing/2014/main" id="{3255A467-6220-F72F-3779-7EC59D2771FD}"/>
+                  </a:ext>
+                </a:extLst>
+              </p:cNvPr>
+              <p:cNvPicPr/>
+              <p:nvPr/>
+            </p:nvPicPr>
+            <p:blipFill>
+              <a:blip r:embed="rId11"/>
+              <a:stretch>
+                <a:fillRect/>
+              </a:stretch>
+            </p:blipFill>
+            <p:spPr>
+              <a:xfrm>
+                <a:off x="995660" y="4823369"/>
+                <a:ext cx="243720" cy="243720"/>
+              </a:xfrm>
+              <a:prstGeom prst="rect">
+                <a:avLst/>
+              </a:prstGeom>
+            </p:spPr>
+          </p:pic>
+        </mc:Fallback>
+      </mc:AlternateContent>
+      <mc:AlternateContent xmlns:mc="http://schemas.openxmlformats.org/markup-compatibility/2006" xmlns:p14="http://schemas.microsoft.com/office/powerpoint/2010/main">
+        <mc:Choice Requires="p14">
+          <p:contentPart p14:bwMode="auto" r:id="rId12">
+            <p14:nvContentPartPr>
+              <p14:cNvPr id="12" name="Input penna 11">
+                <a:extLst>
+                  <a:ext uri="{FF2B5EF4-FFF2-40B4-BE49-F238E27FC236}">
+                    <a16:creationId xmlns:a16="http://schemas.microsoft.com/office/drawing/2014/main" id="{03A2FF97-7361-ADDB-950C-D741C6877138}"/>
+                  </a:ext>
+                </a:extLst>
+              </p14:cNvPr>
+              <p14:cNvContentPartPr/>
+              <p14:nvPr/>
+            </p14:nvContentPartPr>
+            <p14:xfrm>
+              <a:off x="1034540" y="5246369"/>
+              <a:ext cx="360" cy="360"/>
+            </p14:xfrm>
+          </p:contentPart>
+        </mc:Choice>
+        <mc:Fallback xmlns="">
+          <p:pic>
+            <p:nvPicPr>
+              <p:cNvPr id="12" name="Input penna 11">
+                <a:extLst>
+                  <a:ext uri="{FF2B5EF4-FFF2-40B4-BE49-F238E27FC236}">
+                    <a16:creationId xmlns:a16="http://schemas.microsoft.com/office/drawing/2014/main" id="{03A2FF97-7361-ADDB-950C-D741C6877138}"/>
+                  </a:ext>
+                </a:extLst>
+              </p:cNvPr>
+              <p:cNvPicPr/>
+              <p:nvPr/>
+            </p:nvPicPr>
+            <p:blipFill>
+              <a:blip r:embed="rId7"/>
+              <a:stretch>
+                <a:fillRect/>
+              </a:stretch>
+            </p:blipFill>
+            <p:spPr>
+              <a:xfrm>
+                <a:off x="980540" y="5138729"/>
+                <a:ext cx="108000" cy="216000"/>
+              </a:xfrm>
+              <a:prstGeom prst="rect">
+                <a:avLst/>
+              </a:prstGeom>
+            </p:spPr>
+          </p:pic>
+        </mc:Fallback>
+      </mc:AlternateContent>
+      <mc:AlternateContent xmlns:mc="http://schemas.openxmlformats.org/markup-compatibility/2006" xmlns:p14="http://schemas.microsoft.com/office/powerpoint/2010/main">
+        <mc:Choice Requires="p14">
+          <p:contentPart p14:bwMode="auto" r:id="rId13">
+            <p14:nvContentPartPr>
+              <p14:cNvPr id="14" name="Input penna 13">
+                <a:extLst>
+                  <a:ext uri="{FF2B5EF4-FFF2-40B4-BE49-F238E27FC236}">
+                    <a16:creationId xmlns:a16="http://schemas.microsoft.com/office/drawing/2014/main" id="{5990671E-8981-EAA7-9DA9-F0ADE62F91FC}"/>
+                  </a:ext>
+                </a:extLst>
+              </p14:cNvPr>
+              <p14:cNvContentPartPr/>
+              <p14:nvPr/>
+            </p14:nvContentPartPr>
+            <p14:xfrm>
+              <a:off x="1273940" y="4106969"/>
+              <a:ext cx="196560" cy="28080"/>
+            </p14:xfrm>
+          </p:contentPart>
+        </mc:Choice>
+        <mc:Fallback xmlns="">
+          <p:pic>
+            <p:nvPicPr>
+              <p:cNvPr id="14" name="Input penna 13">
+                <a:extLst>
+                  <a:ext uri="{FF2B5EF4-FFF2-40B4-BE49-F238E27FC236}">
+                    <a16:creationId xmlns:a16="http://schemas.microsoft.com/office/drawing/2014/main" id="{5990671E-8981-EAA7-9DA9-F0ADE62F91FC}"/>
+                  </a:ext>
+                </a:extLst>
+              </p:cNvPr>
+              <p:cNvPicPr/>
+              <p:nvPr/>
+            </p:nvPicPr>
+            <p:blipFill>
+              <a:blip r:embed="rId14"/>
+              <a:stretch>
+                <a:fillRect/>
+              </a:stretch>
+            </p:blipFill>
+            <p:spPr>
+              <a:xfrm>
+                <a:off x="1219940" y="3999329"/>
+                <a:ext cx="304200" cy="243720"/>
+              </a:xfrm>
+              <a:prstGeom prst="rect">
+                <a:avLst/>
+              </a:prstGeom>
+            </p:spPr>
+          </p:pic>
+        </mc:Fallback>
+      </mc:AlternateContent>
+      <mc:AlternateContent xmlns:mc="http://schemas.openxmlformats.org/markup-compatibility/2006" xmlns:p14="http://schemas.microsoft.com/office/powerpoint/2010/main">
+        <mc:Choice Requires="p14">
+          <p:contentPart p14:bwMode="auto" r:id="rId15">
+            <p14:nvContentPartPr>
+              <p14:cNvPr id="15" name="Input penna 14">
+                <a:extLst>
+                  <a:ext uri="{FF2B5EF4-FFF2-40B4-BE49-F238E27FC236}">
+                    <a16:creationId xmlns:a16="http://schemas.microsoft.com/office/drawing/2014/main" id="{945E8F33-8F03-01DC-7F2F-668AA1A90577}"/>
+                  </a:ext>
+                </a:extLst>
+              </p14:cNvPr>
+              <p14:cNvContentPartPr/>
+              <p14:nvPr/>
+            </p14:nvContentPartPr>
+            <p14:xfrm>
+              <a:off x="1288700" y="4407209"/>
+              <a:ext cx="50040" cy="21600"/>
+            </p14:xfrm>
+          </p:contentPart>
+        </mc:Choice>
+        <mc:Fallback xmlns="">
+          <p:pic>
+            <p:nvPicPr>
+              <p:cNvPr id="15" name="Input penna 14">
+                <a:extLst>
+                  <a:ext uri="{FF2B5EF4-FFF2-40B4-BE49-F238E27FC236}">
+                    <a16:creationId xmlns:a16="http://schemas.microsoft.com/office/drawing/2014/main" id="{945E8F33-8F03-01DC-7F2F-668AA1A90577}"/>
+                  </a:ext>
+                </a:extLst>
+              </p:cNvPr>
+              <p:cNvPicPr/>
+              <p:nvPr/>
+            </p:nvPicPr>
+            <p:blipFill>
+              <a:blip r:embed="rId16"/>
+              <a:stretch>
+                <a:fillRect/>
+              </a:stretch>
+            </p:blipFill>
+            <p:spPr>
+              <a:xfrm>
+                <a:off x="1235060" y="4299569"/>
+                <a:ext cx="157680" cy="237240"/>
+              </a:xfrm>
+              <a:prstGeom prst="rect">
+                <a:avLst/>
+              </a:prstGeom>
+            </p:spPr>
+          </p:pic>
+        </mc:Fallback>
+      </mc:AlternateContent>
+      <mc:AlternateContent xmlns:mc="http://schemas.openxmlformats.org/markup-compatibility/2006" xmlns:p14="http://schemas.microsoft.com/office/powerpoint/2010/main">
+        <mc:Choice Requires="p14">
+          <p:contentPart p14:bwMode="auto" r:id="rId17">
+            <p14:nvContentPartPr>
+              <p14:cNvPr id="16" name="Input penna 15">
+                <a:extLst>
+                  <a:ext uri="{FF2B5EF4-FFF2-40B4-BE49-F238E27FC236}">
+                    <a16:creationId xmlns:a16="http://schemas.microsoft.com/office/drawing/2014/main" id="{26D1AE71-1BAC-689B-3F51-714E1CA71CB9}"/>
+                  </a:ext>
+                </a:extLst>
+              </p14:cNvPr>
+              <p14:cNvContentPartPr/>
+              <p14:nvPr/>
+            </p14:nvContentPartPr>
+            <p14:xfrm>
+              <a:off x="1288700" y="4691969"/>
+              <a:ext cx="77760" cy="9360"/>
+            </p14:xfrm>
+          </p:contentPart>
+        </mc:Choice>
+        <mc:Fallback xmlns="">
+          <p:pic>
+            <p:nvPicPr>
+              <p:cNvPr id="16" name="Input penna 15">
+                <a:extLst>
+                  <a:ext uri="{FF2B5EF4-FFF2-40B4-BE49-F238E27FC236}">
+                    <a16:creationId xmlns:a16="http://schemas.microsoft.com/office/drawing/2014/main" id="{26D1AE71-1BAC-689B-3F51-714E1CA71CB9}"/>
+                  </a:ext>
+                </a:extLst>
+              </p:cNvPr>
+              <p:cNvPicPr/>
+              <p:nvPr/>
+            </p:nvPicPr>
+            <p:blipFill>
+              <a:blip r:embed="rId18"/>
+              <a:stretch>
+                <a:fillRect/>
+              </a:stretch>
+            </p:blipFill>
+            <p:spPr>
+              <a:xfrm>
+                <a:off x="1235060" y="4584329"/>
+                <a:ext cx="185400" cy="225000"/>
+              </a:xfrm>
+              <a:prstGeom prst="rect">
+                <a:avLst/>
+              </a:prstGeom>
+            </p:spPr>
+          </p:pic>
+        </mc:Fallback>
+      </mc:AlternateContent>
+      <mc:AlternateContent xmlns:mc="http://schemas.openxmlformats.org/markup-compatibility/2006" xmlns:p14="http://schemas.microsoft.com/office/powerpoint/2010/main">
+        <mc:Choice Requires="p14">
+          <p:contentPart p14:bwMode="auto" r:id="rId19">
+            <p14:nvContentPartPr>
+              <p14:cNvPr id="17" name="Input penna 16">
+                <a:extLst>
+                  <a:ext uri="{FF2B5EF4-FFF2-40B4-BE49-F238E27FC236}">
+                    <a16:creationId xmlns:a16="http://schemas.microsoft.com/office/drawing/2014/main" id="{E0E65704-F40C-866D-0A51-73279E2B8FAC}"/>
+                  </a:ext>
+                </a:extLst>
+              </p14:cNvPr>
+              <p14:cNvContentPartPr/>
+              <p14:nvPr/>
+            </p14:nvContentPartPr>
+            <p14:xfrm>
+              <a:off x="1438820" y="4976729"/>
+              <a:ext cx="178560" cy="15840"/>
+            </p14:xfrm>
+          </p:contentPart>
+        </mc:Choice>
+        <mc:Fallback xmlns="">
+          <p:pic>
+            <p:nvPicPr>
+              <p:cNvPr id="17" name="Input penna 16">
+                <a:extLst>
+                  <a:ext uri="{FF2B5EF4-FFF2-40B4-BE49-F238E27FC236}">
+                    <a16:creationId xmlns:a16="http://schemas.microsoft.com/office/drawing/2014/main" id="{E0E65704-F40C-866D-0A51-73279E2B8FAC}"/>
+                  </a:ext>
+                </a:extLst>
+              </p:cNvPr>
+              <p:cNvPicPr/>
+              <p:nvPr/>
+            </p:nvPicPr>
+            <p:blipFill>
+              <a:blip r:embed="rId20"/>
+              <a:stretch>
+                <a:fillRect/>
+              </a:stretch>
+            </p:blipFill>
+            <p:spPr>
+              <a:xfrm>
+                <a:off x="1385180" y="4868729"/>
+                <a:ext cx="286200" cy="231480"/>
+              </a:xfrm>
+              <a:prstGeom prst="rect">
+                <a:avLst/>
+              </a:prstGeom>
+            </p:spPr>
+          </p:pic>
+        </mc:Fallback>
+      </mc:AlternateContent>
+      <mc:AlternateContent xmlns:mc="http://schemas.openxmlformats.org/markup-compatibility/2006" xmlns:p14="http://schemas.microsoft.com/office/powerpoint/2010/main">
+        <mc:Choice Requires="p14">
+          <p:contentPart p14:bwMode="auto" r:id="rId21">
+            <p14:nvContentPartPr>
+              <p14:cNvPr id="18" name="Input penna 17">
+                <a:extLst>
+                  <a:ext uri="{FF2B5EF4-FFF2-40B4-BE49-F238E27FC236}">
+                    <a16:creationId xmlns:a16="http://schemas.microsoft.com/office/drawing/2014/main" id="{AFB9DE8F-D6D6-228B-CB9C-CAD40CC6021E}"/>
+                  </a:ext>
+                </a:extLst>
+              </p14:cNvPr>
+              <p14:cNvContentPartPr/>
+              <p14:nvPr/>
+            </p14:nvContentPartPr>
+            <p14:xfrm>
+              <a:off x="1288700" y="5261489"/>
+              <a:ext cx="55800" cy="360"/>
+            </p14:xfrm>
+          </p:contentPart>
+        </mc:Choice>
+        <mc:Fallback xmlns="">
+          <p:pic>
+            <p:nvPicPr>
+              <p:cNvPr id="18" name="Input penna 17">
+                <a:extLst>
+                  <a:ext uri="{FF2B5EF4-FFF2-40B4-BE49-F238E27FC236}">
+                    <a16:creationId xmlns:a16="http://schemas.microsoft.com/office/drawing/2014/main" id="{AFB9DE8F-D6D6-228B-CB9C-CAD40CC6021E}"/>
+                  </a:ext>
+                </a:extLst>
+              </p:cNvPr>
+              <p:cNvPicPr/>
+              <p:nvPr/>
+            </p:nvPicPr>
+            <p:blipFill>
+              <a:blip r:embed="rId22"/>
+              <a:stretch>
+                <a:fillRect/>
+              </a:stretch>
+            </p:blipFill>
+            <p:spPr>
+              <a:xfrm>
+                <a:off x="1235060" y="5153489"/>
+                <a:ext cx="163440" cy="216000"/>
+              </a:xfrm>
+              <a:prstGeom prst="rect">
+                <a:avLst/>
+              </a:prstGeom>
+            </p:spPr>
+          </p:pic>
+        </mc:Fallback>
+      </mc:AlternateContent>
     </p:spTree>
     <p:extLst>
       <p:ext uri="{BB962C8B-B14F-4D97-AF65-F5344CB8AC3E}">
@@ -8980,7 +9979,7 @@
                 <a:latin typeface="Arial" panose="020B0604020202020204" pitchFamily="34" charset="0"/>
                 <a:cs typeface="Arial" panose="020B0604020202020204" pitchFamily="34" charset="0"/>
               </a:rPr>
-              <a:t>Punti da completare</a:t>
+              <a:t>Punti da completare:</a:t>
             </a:r>
           </a:p>
           <a:p>

--- a/Presentazione/Presentazione.pptx
+++ b/Presentazione/Presentazione.pptx
@@ -4,6 +4,9 @@
   <p:sldMasterIdLst>
     <p:sldMasterId id="2147483752" r:id="rId1"/>
   </p:sldMasterIdLst>
+  <p:notesMasterIdLst>
+    <p:notesMasterId r:id="rId11"/>
+  </p:notesMasterIdLst>
   <p:sldIdLst>
     <p:sldId id="256" r:id="rId2"/>
     <p:sldId id="257" r:id="rId3"/>
@@ -878,10 +881,32 @@
   <pc:docChgLst>
     <pc:chgData name="orlando bohrer" userId="6516a393efc9cfb3" providerId="LiveId" clId="{3E4E4FC6-62AB-42A6-A019-012D78365768}"/>
     <pc:docChg chg="undo custSel addSld delSld modSld">
-      <pc:chgData name="orlando bohrer" userId="6516a393efc9cfb3" providerId="LiveId" clId="{3E4E4FC6-62AB-42A6-A019-012D78365768}" dt="2022-12-19T07:27:47.492" v="248" actId="20577"/>
+      <pc:chgData name="orlando bohrer" userId="6516a393efc9cfb3" providerId="LiveId" clId="{3E4E4FC6-62AB-42A6-A019-012D78365768}" dt="2022-12-19T08:54:59.232" v="697" actId="20577"/>
       <pc:docMkLst>
         <pc:docMk/>
       </pc:docMkLst>
+      <pc:sldChg chg="modSp mod modNotesTx">
+        <pc:chgData name="orlando bohrer" userId="6516a393efc9cfb3" providerId="LiveId" clId="{3E4E4FC6-62AB-42A6-A019-012D78365768}" dt="2022-12-19T08:54:59.232" v="697" actId="20577"/>
+        <pc:sldMkLst>
+          <pc:docMk/>
+          <pc:sldMk cId="2583089332" sldId="256"/>
+        </pc:sldMkLst>
+        <pc:spChg chg="mod">
+          <ac:chgData name="orlando bohrer" userId="6516a393efc9cfb3" providerId="LiveId" clId="{3E4E4FC6-62AB-42A6-A019-012D78365768}" dt="2022-12-19T08:39:15.191" v="257" actId="27636"/>
+          <ac:spMkLst>
+            <pc:docMk/>
+            <pc:sldMk cId="2583089332" sldId="256"/>
+            <ac:spMk id="2" creationId="{1B8C4286-35AC-99F6-2D10-A28F18C5B68E}"/>
+          </ac:spMkLst>
+        </pc:spChg>
+      </pc:sldChg>
+      <pc:sldChg chg="modNotesTx">
+        <pc:chgData name="orlando bohrer" userId="6516a393efc9cfb3" providerId="LiveId" clId="{3E4E4FC6-62AB-42A6-A019-012D78365768}" dt="2022-12-19T08:53:46.351" v="667" actId="20577"/>
+        <pc:sldMkLst>
+          <pc:docMk/>
+          <pc:sldMk cId="3886529070" sldId="257"/>
+        </pc:sldMkLst>
+      </pc:sldChg>
       <pc:sldChg chg="del">
         <pc:chgData name="orlando bohrer" userId="6516a393efc9cfb3" providerId="LiveId" clId="{3E4E4FC6-62AB-42A6-A019-012D78365768}" dt="2022-12-15T09:17:25.419" v="3" actId="2696"/>
         <pc:sldMkLst>
@@ -889,8 +914,8 @@
           <pc:sldMk cId="3389366456" sldId="259"/>
         </pc:sldMkLst>
       </pc:sldChg>
-      <pc:sldChg chg="modSp mod">
-        <pc:chgData name="orlando bohrer" userId="6516a393efc9cfb3" providerId="LiveId" clId="{3E4E4FC6-62AB-42A6-A019-012D78365768}" dt="2022-12-15T09:16:32.933" v="1" actId="790"/>
+      <pc:sldChg chg="modSp mod modNotesTx">
+        <pc:chgData name="orlando bohrer" userId="6516a393efc9cfb3" providerId="LiveId" clId="{3E4E4FC6-62AB-42A6-A019-012D78365768}" dt="2022-12-19T08:53:56.816" v="678" actId="20577"/>
         <pc:sldMkLst>
           <pc:docMk/>
           <pc:sldMk cId="3128457673" sldId="264"/>
@@ -912,8 +937,8 @@
           </ac:spMkLst>
         </pc:spChg>
       </pc:sldChg>
-      <pc:sldChg chg="addSp delSp modSp mod">
-        <pc:chgData name="orlando bohrer" userId="6516a393efc9cfb3" providerId="LiveId" clId="{3E4E4FC6-62AB-42A6-A019-012D78365768}" dt="2022-12-19T07:23:46.306" v="247"/>
+      <pc:sldChg chg="addSp delSp modSp mod modNotesTx">
+        <pc:chgData name="orlando bohrer" userId="6516a393efc9cfb3" providerId="LiveId" clId="{3E4E4FC6-62AB-42A6-A019-012D78365768}" dt="2022-12-19T08:54:08.584" v="686" actId="20577"/>
         <pc:sldMkLst>
           <pc:docMk/>
           <pc:sldMk cId="2696425520" sldId="265"/>
@@ -1031,8 +1056,8 @@
           </ac:inkMkLst>
         </pc:inkChg>
       </pc:sldChg>
-      <pc:sldChg chg="modSp mod">
-        <pc:chgData name="orlando bohrer" userId="6516a393efc9cfb3" providerId="LiveId" clId="{3E4E4FC6-62AB-42A6-A019-012D78365768}" dt="2022-12-15T09:16:58.494" v="2" actId="790"/>
+      <pc:sldChg chg="modSp mod modNotesTx">
+        <pc:chgData name="orlando bohrer" userId="6516a393efc9cfb3" providerId="LiveId" clId="{3E4E4FC6-62AB-42A6-A019-012D78365768}" dt="2022-12-19T08:48:13.983" v="547" actId="20577"/>
         <pc:sldMkLst>
           <pc:docMk/>
           <pc:sldMk cId="3722465700" sldId="266"/>
@@ -1046,8 +1071,8 @@
           </ac:spMkLst>
         </pc:spChg>
       </pc:sldChg>
-      <pc:sldChg chg="modSp mod">
-        <pc:chgData name="orlando bohrer" userId="6516a393efc9cfb3" providerId="LiveId" clId="{3E4E4FC6-62AB-42A6-A019-012D78365768}" dt="2022-12-15T09:25:44.460" v="7" actId="5793"/>
+      <pc:sldChg chg="modSp add del mod modShow">
+        <pc:chgData name="orlando bohrer" userId="6516a393efc9cfb3" providerId="LiveId" clId="{3E4E4FC6-62AB-42A6-A019-012D78365768}" dt="2022-12-19T08:35:36.708" v="251" actId="729"/>
         <pc:sldMkLst>
           <pc:docMk/>
           <pc:sldMk cId="1438295537" sldId="267"/>
@@ -1061,14 +1086,21 @@
           </ac:spMkLst>
         </pc:spChg>
       </pc:sldChg>
-      <pc:sldChg chg="modSp mod">
-        <pc:chgData name="orlando bohrer" userId="6516a393efc9cfb3" providerId="LiveId" clId="{3E4E4FC6-62AB-42A6-A019-012D78365768}" dt="2022-12-19T07:27:47.492" v="248" actId="20577"/>
+      <pc:sldChg chg="modNotesTx">
+        <pc:chgData name="orlando bohrer" userId="6516a393efc9cfb3" providerId="LiveId" clId="{3E4E4FC6-62AB-42A6-A019-012D78365768}" dt="2022-12-19T08:48:29.416" v="553" actId="20577"/>
+        <pc:sldMkLst>
+          <pc:docMk/>
+          <pc:sldMk cId="566374648" sldId="268"/>
+        </pc:sldMkLst>
+      </pc:sldChg>
+      <pc:sldChg chg="modSp mod modNotesTx">
+        <pc:chgData name="orlando bohrer" userId="6516a393efc9cfb3" providerId="LiveId" clId="{3E4E4FC6-62AB-42A6-A019-012D78365768}" dt="2022-12-19T08:51:03.245" v="624" actId="20577"/>
         <pc:sldMkLst>
           <pc:docMk/>
           <pc:sldMk cId="3914932294" sldId="269"/>
         </pc:sldMkLst>
         <pc:spChg chg="mod">
-          <ac:chgData name="orlando bohrer" userId="6516a393efc9cfb3" providerId="LiveId" clId="{3E4E4FC6-62AB-42A6-A019-012D78365768}" dt="2022-12-19T07:27:47.492" v="248" actId="20577"/>
+          <ac:chgData name="orlando bohrer" userId="6516a393efc9cfb3" providerId="LiveId" clId="{3E4E4FC6-62AB-42A6-A019-012D78365768}" dt="2022-12-19T08:50:21.119" v="565" actId="20577"/>
           <ac:spMkLst>
             <pc:docMk/>
             <pc:sldMk cId="3914932294" sldId="269"/>
@@ -1076,8 +1108,8 @@
           </ac:spMkLst>
         </pc:spChg>
       </pc:sldChg>
-      <pc:sldChg chg="addSp delSp modSp add mod">
-        <pc:chgData name="orlando bohrer" userId="6516a393efc9cfb3" providerId="LiveId" clId="{3E4E4FC6-62AB-42A6-A019-012D78365768}" dt="2022-12-18T22:09:14.308" v="228" actId="14100"/>
+      <pc:sldChg chg="addSp delSp modSp add mod modNotesTx">
+        <pc:chgData name="orlando bohrer" userId="6516a393efc9cfb3" providerId="LiveId" clId="{3E4E4FC6-62AB-42A6-A019-012D78365768}" dt="2022-12-19T08:54:19.355" v="694" actId="20577"/>
         <pc:sldMkLst>
           <pc:docMk/>
           <pc:sldMk cId="2716996836" sldId="270"/>
@@ -1429,6 +1461,1130 @@
   </inkml:definitions>
   <inkml:trace contextRef="#ctx0" brushRef="#br0">1 1,'7'0,"10"0,8 0,8 0,5 0,-4 7,-1 2,-6 0</inkml:trace>
 </inkml:ink>
+</file>
+
+<file path=ppt/notesMasters/notesMaster1.xml><?xml version="1.0" encoding="utf-8"?>
+<p:notesMaster xmlns:a="http://schemas.openxmlformats.org/drawingml/2006/main" xmlns:r="http://schemas.openxmlformats.org/officeDocument/2006/relationships" xmlns:p="http://schemas.openxmlformats.org/presentationml/2006/main">
+  <p:cSld>
+    <p:bg>
+      <p:bgRef idx="1001">
+        <a:schemeClr val="bg1"/>
+      </p:bgRef>
+    </p:bg>
+    <p:spTree>
+      <p:nvGrpSpPr>
+        <p:cNvPr id="1" name=""/>
+        <p:cNvGrpSpPr/>
+        <p:nvPr/>
+      </p:nvGrpSpPr>
+      <p:grpSpPr>
+        <a:xfrm>
+          <a:off x="0" y="0"/>
+          <a:ext cx="0" cy="0"/>
+          <a:chOff x="0" y="0"/>
+          <a:chExt cx="0" cy="0"/>
+        </a:xfrm>
+      </p:grpSpPr>
+      <p:sp>
+        <p:nvSpPr>
+          <p:cNvPr id="2" name="Segnaposto intestazione 1"/>
+          <p:cNvSpPr>
+            <a:spLocks noGrp="1"/>
+          </p:cNvSpPr>
+          <p:nvPr>
+            <p:ph type="hdr" sz="quarter"/>
+          </p:nvPr>
+        </p:nvSpPr>
+        <p:spPr>
+          <a:xfrm>
+            <a:off x="0" y="0"/>
+            <a:ext cx="2971800" cy="458788"/>
+          </a:xfrm>
+          <a:prstGeom prst="rect">
+            <a:avLst/>
+          </a:prstGeom>
+        </p:spPr>
+        <p:txBody>
+          <a:bodyPr vert="horz" lIns="91440" tIns="45720" rIns="91440" bIns="45720" rtlCol="0"/>
+          <a:lstStyle>
+            <a:lvl1pPr algn="l">
+              <a:defRPr sz="1200"/>
+            </a:lvl1pPr>
+          </a:lstStyle>
+          <a:p>
+            <a:endParaRPr lang="it-CH"/>
+          </a:p>
+        </p:txBody>
+      </p:sp>
+      <p:sp>
+        <p:nvSpPr>
+          <p:cNvPr id="3" name="Segnaposto data 2"/>
+          <p:cNvSpPr>
+            <a:spLocks noGrp="1"/>
+          </p:cNvSpPr>
+          <p:nvPr>
+            <p:ph type="dt" idx="1"/>
+          </p:nvPr>
+        </p:nvSpPr>
+        <p:spPr>
+          <a:xfrm>
+            <a:off x="3884613" y="0"/>
+            <a:ext cx="2971800" cy="458788"/>
+          </a:xfrm>
+          <a:prstGeom prst="rect">
+            <a:avLst/>
+          </a:prstGeom>
+        </p:spPr>
+        <p:txBody>
+          <a:bodyPr vert="horz" lIns="91440" tIns="45720" rIns="91440" bIns="45720" rtlCol="0"/>
+          <a:lstStyle>
+            <a:lvl1pPr algn="r">
+              <a:defRPr sz="1200"/>
+            </a:lvl1pPr>
+          </a:lstStyle>
+          <a:p>
+            <a:fld id="{3581D63B-3449-44E6-BDB3-55A88597C396}" type="datetimeFigureOut">
+              <a:rPr lang="it-CH" smtClean="0"/>
+              <a:t>19.12.2022</a:t>
+            </a:fld>
+            <a:endParaRPr lang="it-CH"/>
+          </a:p>
+        </p:txBody>
+      </p:sp>
+      <p:sp>
+        <p:nvSpPr>
+          <p:cNvPr id="4" name="Segnaposto immagine diapositiva 3"/>
+          <p:cNvSpPr>
+            <a:spLocks noGrp="1" noRot="1" noChangeAspect="1"/>
+          </p:cNvSpPr>
+          <p:nvPr>
+            <p:ph type="sldImg" idx="2"/>
+          </p:nvPr>
+        </p:nvSpPr>
+        <p:spPr>
+          <a:xfrm>
+            <a:off x="685800" y="1143000"/>
+            <a:ext cx="5486400" cy="3086100"/>
+          </a:xfrm>
+          <a:prstGeom prst="rect">
+            <a:avLst/>
+          </a:prstGeom>
+          <a:noFill/>
+          <a:ln w="12700">
+            <a:solidFill>
+              <a:prstClr val="black"/>
+            </a:solidFill>
+          </a:ln>
+        </p:spPr>
+        <p:txBody>
+          <a:bodyPr vert="horz" lIns="91440" tIns="45720" rIns="91440" bIns="45720" rtlCol="0" anchor="ctr"/>
+          <a:lstStyle/>
+          <a:p>
+            <a:endParaRPr lang="it-CH"/>
+          </a:p>
+        </p:txBody>
+      </p:sp>
+      <p:sp>
+        <p:nvSpPr>
+          <p:cNvPr id="5" name="Segnaposto note 4"/>
+          <p:cNvSpPr>
+            <a:spLocks noGrp="1"/>
+          </p:cNvSpPr>
+          <p:nvPr>
+            <p:ph type="body" sz="quarter" idx="3"/>
+          </p:nvPr>
+        </p:nvSpPr>
+        <p:spPr>
+          <a:xfrm>
+            <a:off x="685800" y="4400550"/>
+            <a:ext cx="5486400" cy="3600450"/>
+          </a:xfrm>
+          <a:prstGeom prst="rect">
+            <a:avLst/>
+          </a:prstGeom>
+        </p:spPr>
+        <p:txBody>
+          <a:bodyPr vert="horz" lIns="91440" tIns="45720" rIns="91440" bIns="45720" rtlCol="0"/>
+          <a:lstStyle/>
+          <a:p>
+            <a:pPr lvl="0"/>
+            <a:r>
+              <a:rPr lang="it-IT"/>
+              <a:t>Fare clic per modificare gli stili del testo dello schema</a:t>
+            </a:r>
+          </a:p>
+          <a:p>
+            <a:pPr lvl="1"/>
+            <a:r>
+              <a:rPr lang="it-IT"/>
+              <a:t>Secondo livello</a:t>
+            </a:r>
+          </a:p>
+          <a:p>
+            <a:pPr lvl="2"/>
+            <a:r>
+              <a:rPr lang="it-IT"/>
+              <a:t>Terzo livello</a:t>
+            </a:r>
+          </a:p>
+          <a:p>
+            <a:pPr lvl="3"/>
+            <a:r>
+              <a:rPr lang="it-IT"/>
+              <a:t>Quarto livello</a:t>
+            </a:r>
+          </a:p>
+          <a:p>
+            <a:pPr lvl="4"/>
+            <a:r>
+              <a:rPr lang="it-IT"/>
+              <a:t>Quinto livello</a:t>
+            </a:r>
+            <a:endParaRPr lang="it-CH"/>
+          </a:p>
+        </p:txBody>
+      </p:sp>
+      <p:sp>
+        <p:nvSpPr>
+          <p:cNvPr id="6" name="Segnaposto piè di pagina 5"/>
+          <p:cNvSpPr>
+            <a:spLocks noGrp="1"/>
+          </p:cNvSpPr>
+          <p:nvPr>
+            <p:ph type="ftr" sz="quarter" idx="4"/>
+          </p:nvPr>
+        </p:nvSpPr>
+        <p:spPr>
+          <a:xfrm>
+            <a:off x="0" y="8685213"/>
+            <a:ext cx="2971800" cy="458787"/>
+          </a:xfrm>
+          <a:prstGeom prst="rect">
+            <a:avLst/>
+          </a:prstGeom>
+        </p:spPr>
+        <p:txBody>
+          <a:bodyPr vert="horz" lIns="91440" tIns="45720" rIns="91440" bIns="45720" rtlCol="0" anchor="b"/>
+          <a:lstStyle>
+            <a:lvl1pPr algn="l">
+              <a:defRPr sz="1200"/>
+            </a:lvl1pPr>
+          </a:lstStyle>
+          <a:p>
+            <a:endParaRPr lang="it-CH"/>
+          </a:p>
+        </p:txBody>
+      </p:sp>
+      <p:sp>
+        <p:nvSpPr>
+          <p:cNvPr id="7" name="Segnaposto numero diapositiva 6"/>
+          <p:cNvSpPr>
+            <a:spLocks noGrp="1"/>
+          </p:cNvSpPr>
+          <p:nvPr>
+            <p:ph type="sldNum" sz="quarter" idx="5"/>
+          </p:nvPr>
+        </p:nvSpPr>
+        <p:spPr>
+          <a:xfrm>
+            <a:off x="3884613" y="8685213"/>
+            <a:ext cx="2971800" cy="458787"/>
+          </a:xfrm>
+          <a:prstGeom prst="rect">
+            <a:avLst/>
+          </a:prstGeom>
+        </p:spPr>
+        <p:txBody>
+          <a:bodyPr vert="horz" lIns="91440" tIns="45720" rIns="91440" bIns="45720" rtlCol="0" anchor="b"/>
+          <a:lstStyle>
+            <a:lvl1pPr algn="r">
+              <a:defRPr sz="1200"/>
+            </a:lvl1pPr>
+          </a:lstStyle>
+          <a:p>
+            <a:fld id="{628CECF3-B4E2-4F79-BC0B-2779CD7BBA40}" type="slidenum">
+              <a:rPr lang="it-CH" smtClean="0"/>
+              <a:t>‹N›</a:t>
+            </a:fld>
+            <a:endParaRPr lang="it-CH"/>
+          </a:p>
+        </p:txBody>
+      </p:sp>
+    </p:spTree>
+    <p:extLst>
+      <p:ext uri="{BB962C8B-B14F-4D97-AF65-F5344CB8AC3E}">
+        <p14:creationId xmlns:p14="http://schemas.microsoft.com/office/powerpoint/2010/main" val="136638046"/>
+      </p:ext>
+    </p:extLst>
+  </p:cSld>
+  <p:clrMap bg1="lt1" tx1="dk1" bg2="lt2" tx2="dk2" accent1="accent1" accent2="accent2" accent3="accent3" accent4="accent4" accent5="accent5" accent6="accent6" hlink="hlink" folHlink="folHlink"/>
+  <p:notesStyle>
+    <a:lvl1pPr marL="0" algn="l" defTabSz="914400" rtl="0" eaLnBrk="1" latinLnBrk="0" hangingPunct="1">
+      <a:defRPr sz="1200" kern="1200">
+        <a:solidFill>
+          <a:schemeClr val="tx1"/>
+        </a:solidFill>
+        <a:latin typeface="+mn-lt"/>
+        <a:ea typeface="+mn-ea"/>
+        <a:cs typeface="+mn-cs"/>
+      </a:defRPr>
+    </a:lvl1pPr>
+    <a:lvl2pPr marL="457200" algn="l" defTabSz="914400" rtl="0" eaLnBrk="1" latinLnBrk="0" hangingPunct="1">
+      <a:defRPr sz="1200" kern="1200">
+        <a:solidFill>
+          <a:schemeClr val="tx1"/>
+        </a:solidFill>
+        <a:latin typeface="+mn-lt"/>
+        <a:ea typeface="+mn-ea"/>
+        <a:cs typeface="+mn-cs"/>
+      </a:defRPr>
+    </a:lvl2pPr>
+    <a:lvl3pPr marL="914400" algn="l" defTabSz="914400" rtl="0" eaLnBrk="1" latinLnBrk="0" hangingPunct="1">
+      <a:defRPr sz="1200" kern="1200">
+        <a:solidFill>
+          <a:schemeClr val="tx1"/>
+        </a:solidFill>
+        <a:latin typeface="+mn-lt"/>
+        <a:ea typeface="+mn-ea"/>
+        <a:cs typeface="+mn-cs"/>
+      </a:defRPr>
+    </a:lvl3pPr>
+    <a:lvl4pPr marL="1371600" algn="l" defTabSz="914400" rtl="0" eaLnBrk="1" latinLnBrk="0" hangingPunct="1">
+      <a:defRPr sz="1200" kern="1200">
+        <a:solidFill>
+          <a:schemeClr val="tx1"/>
+        </a:solidFill>
+        <a:latin typeface="+mn-lt"/>
+        <a:ea typeface="+mn-ea"/>
+        <a:cs typeface="+mn-cs"/>
+      </a:defRPr>
+    </a:lvl4pPr>
+    <a:lvl5pPr marL="1828800" algn="l" defTabSz="914400" rtl="0" eaLnBrk="1" latinLnBrk="0" hangingPunct="1">
+      <a:defRPr sz="1200" kern="1200">
+        <a:solidFill>
+          <a:schemeClr val="tx1"/>
+        </a:solidFill>
+        <a:latin typeface="+mn-lt"/>
+        <a:ea typeface="+mn-ea"/>
+        <a:cs typeface="+mn-cs"/>
+      </a:defRPr>
+    </a:lvl5pPr>
+    <a:lvl6pPr marL="2286000" algn="l" defTabSz="914400" rtl="0" eaLnBrk="1" latinLnBrk="0" hangingPunct="1">
+      <a:defRPr sz="1200" kern="1200">
+        <a:solidFill>
+          <a:schemeClr val="tx1"/>
+        </a:solidFill>
+        <a:latin typeface="+mn-lt"/>
+        <a:ea typeface="+mn-ea"/>
+        <a:cs typeface="+mn-cs"/>
+      </a:defRPr>
+    </a:lvl6pPr>
+    <a:lvl7pPr marL="2743200" algn="l" defTabSz="914400" rtl="0" eaLnBrk="1" latinLnBrk="0" hangingPunct="1">
+      <a:defRPr sz="1200" kern="1200">
+        <a:solidFill>
+          <a:schemeClr val="tx1"/>
+        </a:solidFill>
+        <a:latin typeface="+mn-lt"/>
+        <a:ea typeface="+mn-ea"/>
+        <a:cs typeface="+mn-cs"/>
+      </a:defRPr>
+    </a:lvl7pPr>
+    <a:lvl8pPr marL="3200400" algn="l" defTabSz="914400" rtl="0" eaLnBrk="1" latinLnBrk="0" hangingPunct="1">
+      <a:defRPr sz="1200" kern="1200">
+        <a:solidFill>
+          <a:schemeClr val="tx1"/>
+        </a:solidFill>
+        <a:latin typeface="+mn-lt"/>
+        <a:ea typeface="+mn-ea"/>
+        <a:cs typeface="+mn-cs"/>
+      </a:defRPr>
+    </a:lvl8pPr>
+    <a:lvl9pPr marL="3657600" algn="l" defTabSz="914400" rtl="0" eaLnBrk="1" latinLnBrk="0" hangingPunct="1">
+      <a:defRPr sz="1200" kern="1200">
+        <a:solidFill>
+          <a:schemeClr val="tx1"/>
+        </a:solidFill>
+        <a:latin typeface="+mn-lt"/>
+        <a:ea typeface="+mn-ea"/>
+        <a:cs typeface="+mn-cs"/>
+      </a:defRPr>
+    </a:lvl9pPr>
+  </p:notesStyle>
+</p:notesMaster>
+</file>
+
+<file path=ppt/notesSlides/notesSlide1.xml><?xml version="1.0" encoding="utf-8"?>
+<p:notes xmlns:a="http://schemas.openxmlformats.org/drawingml/2006/main" xmlns:r="http://schemas.openxmlformats.org/officeDocument/2006/relationships" xmlns:p="http://schemas.openxmlformats.org/presentationml/2006/main">
+  <p:cSld>
+    <p:spTree>
+      <p:nvGrpSpPr>
+        <p:cNvPr id="1" name=""/>
+        <p:cNvGrpSpPr/>
+        <p:nvPr/>
+      </p:nvGrpSpPr>
+      <p:grpSpPr>
+        <a:xfrm>
+          <a:off x="0" y="0"/>
+          <a:ext cx="0" cy="0"/>
+          <a:chOff x="0" y="0"/>
+          <a:chExt cx="0" cy="0"/>
+        </a:xfrm>
+      </p:grpSpPr>
+      <p:sp>
+        <p:nvSpPr>
+          <p:cNvPr id="2" name="Segnaposto immagine diapositiva 1"/>
+          <p:cNvSpPr>
+            <a:spLocks noGrp="1" noRot="1" noChangeAspect="1"/>
+          </p:cNvSpPr>
+          <p:nvPr>
+            <p:ph type="sldImg"/>
+          </p:nvPr>
+        </p:nvSpPr>
+        <p:spPr/>
+      </p:sp>
+      <p:sp>
+        <p:nvSpPr>
+          <p:cNvPr id="3" name="Segnaposto note 2"/>
+          <p:cNvSpPr>
+            <a:spLocks noGrp="1"/>
+          </p:cNvSpPr>
+          <p:nvPr>
+            <p:ph type="body" idx="1"/>
+          </p:nvPr>
+        </p:nvSpPr>
+        <p:spPr/>
+        <p:txBody>
+          <a:bodyPr/>
+          <a:lstStyle/>
+          <a:p>
+            <a:r>
+              <a:rPr lang="it-CH" dirty="0"/>
+              <a:t>Orlando</a:t>
+            </a:r>
+          </a:p>
+        </p:txBody>
+      </p:sp>
+      <p:sp>
+        <p:nvSpPr>
+          <p:cNvPr id="4" name="Segnaposto numero diapositiva 3"/>
+          <p:cNvSpPr>
+            <a:spLocks noGrp="1"/>
+          </p:cNvSpPr>
+          <p:nvPr>
+            <p:ph type="sldNum" sz="quarter" idx="5"/>
+          </p:nvPr>
+        </p:nvSpPr>
+        <p:spPr/>
+        <p:txBody>
+          <a:bodyPr/>
+          <a:lstStyle/>
+          <a:p>
+            <a:fld id="{628CECF3-B4E2-4F79-BC0B-2779CD7BBA40}" type="slidenum">
+              <a:rPr lang="it-CH" smtClean="0"/>
+              <a:t>1</a:t>
+            </a:fld>
+            <a:endParaRPr lang="it-CH"/>
+          </a:p>
+        </p:txBody>
+      </p:sp>
+    </p:spTree>
+    <p:extLst>
+      <p:ext uri="{BB962C8B-B14F-4D97-AF65-F5344CB8AC3E}">
+        <p14:creationId xmlns:p14="http://schemas.microsoft.com/office/powerpoint/2010/main" val="2045849756"/>
+      </p:ext>
+    </p:extLst>
+  </p:cSld>
+  <p:clrMapOvr>
+    <a:masterClrMapping/>
+  </p:clrMapOvr>
+</p:notes>
+</file>
+
+<file path=ppt/notesSlides/notesSlide2.xml><?xml version="1.0" encoding="utf-8"?>
+<p:notes xmlns:a="http://schemas.openxmlformats.org/drawingml/2006/main" xmlns:r="http://schemas.openxmlformats.org/officeDocument/2006/relationships" xmlns:p="http://schemas.openxmlformats.org/presentationml/2006/main">
+  <p:cSld>
+    <p:spTree>
+      <p:nvGrpSpPr>
+        <p:cNvPr id="1" name=""/>
+        <p:cNvGrpSpPr/>
+        <p:nvPr/>
+      </p:nvGrpSpPr>
+      <p:grpSpPr>
+        <a:xfrm>
+          <a:off x="0" y="0"/>
+          <a:ext cx="0" cy="0"/>
+          <a:chOff x="0" y="0"/>
+          <a:chExt cx="0" cy="0"/>
+        </a:xfrm>
+      </p:grpSpPr>
+      <p:sp>
+        <p:nvSpPr>
+          <p:cNvPr id="2" name="Segnaposto immagine diapositiva 1"/>
+          <p:cNvSpPr>
+            <a:spLocks noGrp="1" noRot="1" noChangeAspect="1"/>
+          </p:cNvSpPr>
+          <p:nvPr>
+            <p:ph type="sldImg"/>
+          </p:nvPr>
+        </p:nvSpPr>
+        <p:spPr/>
+      </p:sp>
+      <p:sp>
+        <p:nvSpPr>
+          <p:cNvPr id="3" name="Segnaposto note 2"/>
+          <p:cNvSpPr>
+            <a:spLocks noGrp="1"/>
+          </p:cNvSpPr>
+          <p:nvPr>
+            <p:ph type="body" idx="1"/>
+          </p:nvPr>
+        </p:nvSpPr>
+        <p:spPr/>
+        <p:txBody>
+          <a:bodyPr/>
+          <a:lstStyle/>
+          <a:p>
+            <a:r>
+              <a:rPr lang="it-CH" dirty="0"/>
+              <a:t>Orlando</a:t>
+            </a:r>
+          </a:p>
+          <a:p>
+            <a:r>
+              <a:rPr lang="it-CH" dirty="0"/>
+              <a:t>Quadro generale dell’esercizio</a:t>
+            </a:r>
+          </a:p>
+          <a:p>
+            <a:r>
+              <a:rPr lang="it-CH" dirty="0"/>
+              <a:t>Prossima edizione della competizione, quadri di dimensioni diverse</a:t>
+            </a:r>
+          </a:p>
+          <a:p>
+            <a:endParaRPr lang="it-CH" dirty="0"/>
+          </a:p>
+          <a:p>
+            <a:r>
+              <a:rPr lang="it-CH" dirty="0"/>
+              <a:t>cambio</a:t>
+            </a:r>
+          </a:p>
+        </p:txBody>
+      </p:sp>
+      <p:sp>
+        <p:nvSpPr>
+          <p:cNvPr id="4" name="Segnaposto numero diapositiva 3"/>
+          <p:cNvSpPr>
+            <a:spLocks noGrp="1"/>
+          </p:cNvSpPr>
+          <p:nvPr>
+            <p:ph type="sldNum" sz="quarter" idx="5"/>
+          </p:nvPr>
+        </p:nvSpPr>
+        <p:spPr/>
+        <p:txBody>
+          <a:bodyPr/>
+          <a:lstStyle/>
+          <a:p>
+            <a:fld id="{628CECF3-B4E2-4F79-BC0B-2779CD7BBA40}" type="slidenum">
+              <a:rPr lang="it-CH" smtClean="0"/>
+              <a:t>2</a:t>
+            </a:fld>
+            <a:endParaRPr lang="it-CH"/>
+          </a:p>
+        </p:txBody>
+      </p:sp>
+    </p:spTree>
+    <p:extLst>
+      <p:ext uri="{BB962C8B-B14F-4D97-AF65-F5344CB8AC3E}">
+        <p14:creationId xmlns:p14="http://schemas.microsoft.com/office/powerpoint/2010/main" val="763920402"/>
+      </p:ext>
+    </p:extLst>
+  </p:cSld>
+  <p:clrMapOvr>
+    <a:masterClrMapping/>
+  </p:clrMapOvr>
+</p:notes>
+</file>
+
+<file path=ppt/notesSlides/notesSlide3.xml><?xml version="1.0" encoding="utf-8"?>
+<p:notes xmlns:a="http://schemas.openxmlformats.org/drawingml/2006/main" xmlns:r="http://schemas.openxmlformats.org/officeDocument/2006/relationships" xmlns:p="http://schemas.openxmlformats.org/presentationml/2006/main">
+  <p:cSld>
+    <p:spTree>
+      <p:nvGrpSpPr>
+        <p:cNvPr id="1" name=""/>
+        <p:cNvGrpSpPr/>
+        <p:nvPr/>
+      </p:nvGrpSpPr>
+      <p:grpSpPr>
+        <a:xfrm>
+          <a:off x="0" y="0"/>
+          <a:ext cx="0" cy="0"/>
+          <a:chOff x="0" y="0"/>
+          <a:chExt cx="0" cy="0"/>
+        </a:xfrm>
+      </p:grpSpPr>
+      <p:sp>
+        <p:nvSpPr>
+          <p:cNvPr id="2" name="Segnaposto immagine diapositiva 1"/>
+          <p:cNvSpPr>
+            <a:spLocks noGrp="1" noRot="1" noChangeAspect="1"/>
+          </p:cNvSpPr>
+          <p:nvPr>
+            <p:ph type="sldImg"/>
+          </p:nvPr>
+        </p:nvSpPr>
+        <p:spPr/>
+      </p:sp>
+      <p:sp>
+        <p:nvSpPr>
+          <p:cNvPr id="3" name="Segnaposto note 2"/>
+          <p:cNvSpPr>
+            <a:spLocks noGrp="1"/>
+          </p:cNvSpPr>
+          <p:nvPr>
+            <p:ph type="body" idx="1"/>
+          </p:nvPr>
+        </p:nvSpPr>
+        <p:spPr/>
+        <p:txBody>
+          <a:bodyPr/>
+          <a:lstStyle/>
+          <a:p>
+            <a:r>
+              <a:rPr lang="it-CH" dirty="0"/>
+              <a:t>Gabriele</a:t>
+            </a:r>
+          </a:p>
+          <a:p>
+            <a:endParaRPr lang="it-CH" dirty="0"/>
+          </a:p>
+          <a:p>
+            <a:r>
+              <a:rPr lang="it-CH" dirty="0"/>
+              <a:t>Cambio</a:t>
+            </a:r>
+          </a:p>
+        </p:txBody>
+      </p:sp>
+      <p:sp>
+        <p:nvSpPr>
+          <p:cNvPr id="4" name="Segnaposto numero diapositiva 3"/>
+          <p:cNvSpPr>
+            <a:spLocks noGrp="1"/>
+          </p:cNvSpPr>
+          <p:nvPr>
+            <p:ph type="sldNum" sz="quarter" idx="5"/>
+          </p:nvPr>
+        </p:nvSpPr>
+        <p:spPr/>
+        <p:txBody>
+          <a:bodyPr/>
+          <a:lstStyle/>
+          <a:p>
+            <a:fld id="{628CECF3-B4E2-4F79-BC0B-2779CD7BBA40}" type="slidenum">
+              <a:rPr lang="it-CH" smtClean="0"/>
+              <a:t>3</a:t>
+            </a:fld>
+            <a:endParaRPr lang="it-CH"/>
+          </a:p>
+        </p:txBody>
+      </p:sp>
+    </p:spTree>
+    <p:extLst>
+      <p:ext uri="{BB962C8B-B14F-4D97-AF65-F5344CB8AC3E}">
+        <p14:creationId xmlns:p14="http://schemas.microsoft.com/office/powerpoint/2010/main" val="2019674390"/>
+      </p:ext>
+    </p:extLst>
+  </p:cSld>
+  <p:clrMapOvr>
+    <a:masterClrMapping/>
+  </p:clrMapOvr>
+</p:notes>
+</file>
+
+<file path=ppt/notesSlides/notesSlide4.xml><?xml version="1.0" encoding="utf-8"?>
+<p:notes xmlns:a="http://schemas.openxmlformats.org/drawingml/2006/main" xmlns:r="http://schemas.openxmlformats.org/officeDocument/2006/relationships" xmlns:p="http://schemas.openxmlformats.org/presentationml/2006/main">
+  <p:cSld>
+    <p:spTree>
+      <p:nvGrpSpPr>
+        <p:cNvPr id="1" name=""/>
+        <p:cNvGrpSpPr/>
+        <p:nvPr/>
+      </p:nvGrpSpPr>
+      <p:grpSpPr>
+        <a:xfrm>
+          <a:off x="0" y="0"/>
+          <a:ext cx="0" cy="0"/>
+          <a:chOff x="0" y="0"/>
+          <a:chExt cx="0" cy="0"/>
+        </a:xfrm>
+      </p:grpSpPr>
+      <p:sp>
+        <p:nvSpPr>
+          <p:cNvPr id="2" name="Segnaposto immagine diapositiva 1"/>
+          <p:cNvSpPr>
+            <a:spLocks noGrp="1" noRot="1" noChangeAspect="1"/>
+          </p:cNvSpPr>
+          <p:nvPr>
+            <p:ph type="sldImg"/>
+          </p:nvPr>
+        </p:nvSpPr>
+        <p:spPr/>
+      </p:sp>
+      <p:sp>
+        <p:nvSpPr>
+          <p:cNvPr id="3" name="Segnaposto note 2"/>
+          <p:cNvSpPr>
+            <a:spLocks noGrp="1"/>
+          </p:cNvSpPr>
+          <p:nvPr>
+            <p:ph type="body" idx="1"/>
+          </p:nvPr>
+        </p:nvSpPr>
+        <p:spPr/>
+        <p:txBody>
+          <a:bodyPr/>
+          <a:lstStyle/>
+          <a:p>
+            <a:r>
+              <a:rPr lang="it-CH" dirty="0"/>
+              <a:t>Orlando</a:t>
+            </a:r>
+          </a:p>
+          <a:p>
+            <a:r>
+              <a:rPr lang="it-CH" dirty="0"/>
+              <a:t>Giallo: Dati di creazione</a:t>
+            </a:r>
+          </a:p>
+          <a:p>
+            <a:r>
+              <a:rPr lang="it-CH" dirty="0"/>
+              <a:t>Azzurro: nodi genitore</a:t>
+            </a:r>
+          </a:p>
+          <a:p>
+            <a:r>
+              <a:rPr lang="it-CH" dirty="0"/>
+              <a:t>Verde: peso in ore</a:t>
+            </a:r>
+          </a:p>
+          <a:p>
+            <a:r>
+              <a:rPr lang="it-CH" dirty="0"/>
+              <a:t>Creazione dell’algoritmo: a passi</a:t>
+            </a:r>
+          </a:p>
+          <a:p>
+            <a:endParaRPr lang="it-CH" dirty="0"/>
+          </a:p>
+          <a:p>
+            <a:r>
+              <a:rPr lang="it-CH" dirty="0"/>
+              <a:t>Cambio</a:t>
+            </a:r>
+          </a:p>
+        </p:txBody>
+      </p:sp>
+      <p:sp>
+        <p:nvSpPr>
+          <p:cNvPr id="4" name="Segnaposto numero diapositiva 3"/>
+          <p:cNvSpPr>
+            <a:spLocks noGrp="1"/>
+          </p:cNvSpPr>
+          <p:nvPr>
+            <p:ph type="sldNum" sz="quarter" idx="5"/>
+          </p:nvPr>
+        </p:nvSpPr>
+        <p:spPr/>
+        <p:txBody>
+          <a:bodyPr/>
+          <a:lstStyle/>
+          <a:p>
+            <a:fld id="{628CECF3-B4E2-4F79-BC0B-2779CD7BBA40}" type="slidenum">
+              <a:rPr lang="it-CH" smtClean="0"/>
+              <a:t>4</a:t>
+            </a:fld>
+            <a:endParaRPr lang="it-CH"/>
+          </a:p>
+        </p:txBody>
+      </p:sp>
+    </p:spTree>
+    <p:extLst>
+      <p:ext uri="{BB962C8B-B14F-4D97-AF65-F5344CB8AC3E}">
+        <p14:creationId xmlns:p14="http://schemas.microsoft.com/office/powerpoint/2010/main" val="2826131347"/>
+      </p:ext>
+    </p:extLst>
+  </p:cSld>
+  <p:clrMapOvr>
+    <a:masterClrMapping/>
+  </p:clrMapOvr>
+</p:notes>
+</file>
+
+<file path=ppt/notesSlides/notesSlide5.xml><?xml version="1.0" encoding="utf-8"?>
+<p:notes xmlns:a="http://schemas.openxmlformats.org/drawingml/2006/main" xmlns:r="http://schemas.openxmlformats.org/officeDocument/2006/relationships" xmlns:p="http://schemas.openxmlformats.org/presentationml/2006/main">
+  <p:cSld>
+    <p:spTree>
+      <p:nvGrpSpPr>
+        <p:cNvPr id="1" name=""/>
+        <p:cNvGrpSpPr/>
+        <p:nvPr/>
+      </p:nvGrpSpPr>
+      <p:grpSpPr>
+        <a:xfrm>
+          <a:off x="0" y="0"/>
+          <a:ext cx="0" cy="0"/>
+          <a:chOff x="0" y="0"/>
+          <a:chExt cx="0" cy="0"/>
+        </a:xfrm>
+      </p:grpSpPr>
+      <p:sp>
+        <p:nvSpPr>
+          <p:cNvPr id="2" name="Segnaposto immagine diapositiva 1"/>
+          <p:cNvSpPr>
+            <a:spLocks noGrp="1" noRot="1" noChangeAspect="1"/>
+          </p:cNvSpPr>
+          <p:nvPr>
+            <p:ph type="sldImg"/>
+          </p:nvPr>
+        </p:nvSpPr>
+        <p:spPr/>
+      </p:sp>
+      <p:sp>
+        <p:nvSpPr>
+          <p:cNvPr id="3" name="Segnaposto note 2"/>
+          <p:cNvSpPr>
+            <a:spLocks noGrp="1"/>
+          </p:cNvSpPr>
+          <p:nvPr>
+            <p:ph type="body" idx="1"/>
+          </p:nvPr>
+        </p:nvSpPr>
+        <p:spPr/>
+        <p:txBody>
+          <a:bodyPr/>
+          <a:lstStyle/>
+          <a:p>
+            <a:r>
+              <a:rPr lang="it-CH" dirty="0"/>
+              <a:t>Gabriele</a:t>
+            </a:r>
+          </a:p>
+        </p:txBody>
+      </p:sp>
+      <p:sp>
+        <p:nvSpPr>
+          <p:cNvPr id="4" name="Segnaposto numero diapositiva 3"/>
+          <p:cNvSpPr>
+            <a:spLocks noGrp="1"/>
+          </p:cNvSpPr>
+          <p:nvPr>
+            <p:ph type="sldNum" sz="quarter" idx="5"/>
+          </p:nvPr>
+        </p:nvSpPr>
+        <p:spPr/>
+        <p:txBody>
+          <a:bodyPr/>
+          <a:lstStyle/>
+          <a:p>
+            <a:fld id="{628CECF3-B4E2-4F79-BC0B-2779CD7BBA40}" type="slidenum">
+              <a:rPr lang="it-CH" smtClean="0"/>
+              <a:t>5</a:t>
+            </a:fld>
+            <a:endParaRPr lang="it-CH"/>
+          </a:p>
+        </p:txBody>
+      </p:sp>
+    </p:spTree>
+    <p:extLst>
+      <p:ext uri="{BB962C8B-B14F-4D97-AF65-F5344CB8AC3E}">
+        <p14:creationId xmlns:p14="http://schemas.microsoft.com/office/powerpoint/2010/main" val="1632555256"/>
+      </p:ext>
+    </p:extLst>
+  </p:cSld>
+  <p:clrMapOvr>
+    <a:masterClrMapping/>
+  </p:clrMapOvr>
+</p:notes>
+</file>
+
+<file path=ppt/notesSlides/notesSlide6.xml><?xml version="1.0" encoding="utf-8"?>
+<p:notes xmlns:a="http://schemas.openxmlformats.org/drawingml/2006/main" xmlns:r="http://schemas.openxmlformats.org/officeDocument/2006/relationships" xmlns:p="http://schemas.openxmlformats.org/presentationml/2006/main">
+  <p:cSld>
+    <p:spTree>
+      <p:nvGrpSpPr>
+        <p:cNvPr id="1" name=""/>
+        <p:cNvGrpSpPr/>
+        <p:nvPr/>
+      </p:nvGrpSpPr>
+      <p:grpSpPr>
+        <a:xfrm>
+          <a:off x="0" y="0"/>
+          <a:ext cx="0" cy="0"/>
+          <a:chOff x="0" y="0"/>
+          <a:chExt cx="0" cy="0"/>
+        </a:xfrm>
+      </p:grpSpPr>
+      <p:sp>
+        <p:nvSpPr>
+          <p:cNvPr id="2" name="Segnaposto immagine diapositiva 1"/>
+          <p:cNvSpPr>
+            <a:spLocks noGrp="1" noRot="1" noChangeAspect="1"/>
+          </p:cNvSpPr>
+          <p:nvPr>
+            <p:ph type="sldImg"/>
+          </p:nvPr>
+        </p:nvSpPr>
+        <p:spPr/>
+      </p:sp>
+      <p:sp>
+        <p:nvSpPr>
+          <p:cNvPr id="3" name="Segnaposto note 2"/>
+          <p:cNvSpPr>
+            <a:spLocks noGrp="1"/>
+          </p:cNvSpPr>
+          <p:nvPr>
+            <p:ph type="body" idx="1"/>
+          </p:nvPr>
+        </p:nvSpPr>
+        <p:spPr/>
+        <p:txBody>
+          <a:bodyPr/>
+          <a:lstStyle/>
+          <a:p>
+            <a:r>
+              <a:rPr lang="it-CH" dirty="0"/>
+              <a:t>Gabriele</a:t>
+            </a:r>
+          </a:p>
+          <a:p>
+            <a:endParaRPr lang="it-CH" dirty="0"/>
+          </a:p>
+          <a:p>
+            <a:r>
+              <a:rPr lang="it-CH" dirty="0"/>
+              <a:t>Cambio</a:t>
+            </a:r>
+          </a:p>
+        </p:txBody>
+      </p:sp>
+      <p:sp>
+        <p:nvSpPr>
+          <p:cNvPr id="4" name="Segnaposto numero diapositiva 3"/>
+          <p:cNvSpPr>
+            <a:spLocks noGrp="1"/>
+          </p:cNvSpPr>
+          <p:nvPr>
+            <p:ph type="sldNum" sz="quarter" idx="5"/>
+          </p:nvPr>
+        </p:nvSpPr>
+        <p:spPr/>
+        <p:txBody>
+          <a:bodyPr/>
+          <a:lstStyle/>
+          <a:p>
+            <a:fld id="{628CECF3-B4E2-4F79-BC0B-2779CD7BBA40}" type="slidenum">
+              <a:rPr lang="it-CH" smtClean="0"/>
+              <a:t>6</a:t>
+            </a:fld>
+            <a:endParaRPr lang="it-CH"/>
+          </a:p>
+        </p:txBody>
+      </p:sp>
+    </p:spTree>
+    <p:extLst>
+      <p:ext uri="{BB962C8B-B14F-4D97-AF65-F5344CB8AC3E}">
+        <p14:creationId xmlns:p14="http://schemas.microsoft.com/office/powerpoint/2010/main" val="1745474350"/>
+      </p:ext>
+    </p:extLst>
+  </p:cSld>
+  <p:clrMapOvr>
+    <a:masterClrMapping/>
+  </p:clrMapOvr>
+</p:notes>
+</file>
+
+<file path=ppt/notesSlides/notesSlide7.xml><?xml version="1.0" encoding="utf-8"?>
+<p:notes xmlns:a="http://schemas.openxmlformats.org/drawingml/2006/main" xmlns:r="http://schemas.openxmlformats.org/officeDocument/2006/relationships" xmlns:p="http://schemas.openxmlformats.org/presentationml/2006/main">
+  <p:cSld>
+    <p:spTree>
+      <p:nvGrpSpPr>
+        <p:cNvPr id="1" name=""/>
+        <p:cNvGrpSpPr/>
+        <p:nvPr/>
+      </p:nvGrpSpPr>
+      <p:grpSpPr>
+        <a:xfrm>
+          <a:off x="0" y="0"/>
+          <a:ext cx="0" cy="0"/>
+          <a:chOff x="0" y="0"/>
+          <a:chExt cx="0" cy="0"/>
+        </a:xfrm>
+      </p:grpSpPr>
+      <p:sp>
+        <p:nvSpPr>
+          <p:cNvPr id="2" name="Segnaposto immagine diapositiva 1"/>
+          <p:cNvSpPr>
+            <a:spLocks noGrp="1" noRot="1" noChangeAspect="1"/>
+          </p:cNvSpPr>
+          <p:nvPr>
+            <p:ph type="sldImg"/>
+          </p:nvPr>
+        </p:nvSpPr>
+        <p:spPr/>
+      </p:sp>
+      <p:sp>
+        <p:nvSpPr>
+          <p:cNvPr id="3" name="Segnaposto note 2"/>
+          <p:cNvSpPr>
+            <a:spLocks noGrp="1"/>
+          </p:cNvSpPr>
+          <p:nvPr>
+            <p:ph type="body" idx="1"/>
+          </p:nvPr>
+        </p:nvSpPr>
+        <p:spPr/>
+        <p:txBody>
+          <a:bodyPr/>
+          <a:lstStyle/>
+          <a:p>
+            <a:r>
+              <a:rPr lang="it-CH" dirty="0"/>
+              <a:t>Orlando</a:t>
+            </a:r>
+          </a:p>
+        </p:txBody>
+      </p:sp>
+      <p:sp>
+        <p:nvSpPr>
+          <p:cNvPr id="4" name="Segnaposto numero diapositiva 3"/>
+          <p:cNvSpPr>
+            <a:spLocks noGrp="1"/>
+          </p:cNvSpPr>
+          <p:nvPr>
+            <p:ph type="sldNum" sz="quarter" idx="5"/>
+          </p:nvPr>
+        </p:nvSpPr>
+        <p:spPr/>
+        <p:txBody>
+          <a:bodyPr/>
+          <a:lstStyle/>
+          <a:p>
+            <a:fld id="{628CECF3-B4E2-4F79-BC0B-2779CD7BBA40}" type="slidenum">
+              <a:rPr lang="it-CH" smtClean="0"/>
+              <a:t>7</a:t>
+            </a:fld>
+            <a:endParaRPr lang="it-CH"/>
+          </a:p>
+        </p:txBody>
+      </p:sp>
+    </p:spTree>
+    <p:extLst>
+      <p:ext uri="{BB962C8B-B14F-4D97-AF65-F5344CB8AC3E}">
+        <p14:creationId xmlns:p14="http://schemas.microsoft.com/office/powerpoint/2010/main" val="507048533"/>
+      </p:ext>
+    </p:extLst>
+  </p:cSld>
+  <p:clrMapOvr>
+    <a:masterClrMapping/>
+  </p:clrMapOvr>
+</p:notes>
+</file>
+
+<file path=ppt/notesSlides/notesSlide8.xml><?xml version="1.0" encoding="utf-8"?>
+<p:notes xmlns:a="http://schemas.openxmlformats.org/drawingml/2006/main" xmlns:r="http://schemas.openxmlformats.org/officeDocument/2006/relationships" xmlns:p="http://schemas.openxmlformats.org/presentationml/2006/main">
+  <p:cSld>
+    <p:spTree>
+      <p:nvGrpSpPr>
+        <p:cNvPr id="1" name=""/>
+        <p:cNvGrpSpPr/>
+        <p:nvPr/>
+      </p:nvGrpSpPr>
+      <p:grpSpPr>
+        <a:xfrm>
+          <a:off x="0" y="0"/>
+          <a:ext cx="0" cy="0"/>
+          <a:chOff x="0" y="0"/>
+          <a:chExt cx="0" cy="0"/>
+        </a:xfrm>
+      </p:grpSpPr>
+      <p:sp>
+        <p:nvSpPr>
+          <p:cNvPr id="2" name="Segnaposto immagine diapositiva 1"/>
+          <p:cNvSpPr>
+            <a:spLocks noGrp="1" noRot="1" noChangeAspect="1"/>
+          </p:cNvSpPr>
+          <p:nvPr>
+            <p:ph type="sldImg"/>
+          </p:nvPr>
+        </p:nvSpPr>
+        <p:spPr/>
+      </p:sp>
+      <p:sp>
+        <p:nvSpPr>
+          <p:cNvPr id="3" name="Segnaposto note 2"/>
+          <p:cNvSpPr>
+            <a:spLocks noGrp="1"/>
+          </p:cNvSpPr>
+          <p:nvPr>
+            <p:ph type="body" idx="1"/>
+          </p:nvPr>
+        </p:nvSpPr>
+        <p:spPr/>
+        <p:txBody>
+          <a:bodyPr/>
+          <a:lstStyle/>
+          <a:p>
+            <a:r>
+              <a:rPr lang="it-CH" dirty="0"/>
+              <a:t>Orlando</a:t>
+            </a:r>
+          </a:p>
+          <a:p>
+            <a:r>
+              <a:rPr lang="it-CH" dirty="0"/>
+              <a:t>Algoritmo finale: performante, complicato da implementare</a:t>
+            </a:r>
+          </a:p>
+        </p:txBody>
+      </p:sp>
+      <p:sp>
+        <p:nvSpPr>
+          <p:cNvPr id="4" name="Segnaposto numero diapositiva 3"/>
+          <p:cNvSpPr>
+            <a:spLocks noGrp="1"/>
+          </p:cNvSpPr>
+          <p:nvPr>
+            <p:ph type="sldNum" sz="quarter" idx="5"/>
+          </p:nvPr>
+        </p:nvSpPr>
+        <p:spPr/>
+        <p:txBody>
+          <a:bodyPr/>
+          <a:lstStyle/>
+          <a:p>
+            <a:fld id="{628CECF3-B4E2-4F79-BC0B-2779CD7BBA40}" type="slidenum">
+              <a:rPr lang="it-CH" smtClean="0"/>
+              <a:t>9</a:t>
+            </a:fld>
+            <a:endParaRPr lang="it-CH"/>
+          </a:p>
+        </p:txBody>
+      </p:sp>
+    </p:spTree>
+    <p:extLst>
+      <p:ext uri="{BB962C8B-B14F-4D97-AF65-F5344CB8AC3E}">
+        <p14:creationId xmlns:p14="http://schemas.microsoft.com/office/powerpoint/2010/main" val="2501503290"/>
+      </p:ext>
+    </p:extLst>
+  </p:cSld>
+  <p:clrMapOvr>
+    <a:masterClrMapping/>
+  </p:clrMapOvr>
+</p:notes>
 </file>
 
 <file path=ppt/slideLayouts/slideLayout1.xml><?xml version="1.0" encoding="utf-8"?>
@@ -5006,7 +6162,7 @@
           <p:nvPr/>
         </p:nvPicPr>
         <p:blipFill rotWithShape="1">
-          <a:blip r:embed="rId2"/>
+          <a:blip r:embed="rId3"/>
           <a:srcRect t="22859" b="134"/>
           <a:stretch/>
         </p:blipFill>
@@ -8418,7 +9574,7 @@
           <p:nvPr/>
         </p:nvPicPr>
         <p:blipFill>
-          <a:blip r:embed="rId2"/>
+          <a:blip r:embed="rId3"/>
           <a:stretch>
             <a:fillRect/>
           </a:stretch>
@@ -8685,7 +9841,7 @@
           <p:nvPr/>
         </p:nvPicPr>
         <p:blipFill>
-          <a:blip r:embed="rId2">
+          <a:blip r:embed="rId3">
             <a:extLst>
               <a:ext uri="{28A0092B-C50C-407E-A947-70E740481C1C}">
                 <a14:useLocalDpi xmlns:a14="http://schemas.microsoft.com/office/drawing/2010/main" val="0"/>
@@ -8723,7 +9879,7 @@
           </p:nvPr>
         </p:nvPicPr>
         <p:blipFill>
-          <a:blip r:embed="rId3">
+          <a:blip r:embed="rId4">
             <a:extLst>
               <a:ext uri="{28A0092B-C50C-407E-A947-70E740481C1C}">
                 <a14:useLocalDpi xmlns:a14="http://schemas.microsoft.com/office/drawing/2010/main" val="0"/>
@@ -8743,7 +9899,7 @@
       </p:pic>
       <mc:AlternateContent xmlns:mc="http://schemas.openxmlformats.org/markup-compatibility/2006" xmlns:p14="http://schemas.microsoft.com/office/powerpoint/2010/main">
         <mc:Choice Requires="p14">
-          <p:contentPart p14:bwMode="auto" r:id="rId4">
+          <p:contentPart p14:bwMode="auto" r:id="rId5">
             <p14:nvContentPartPr>
               <p14:cNvPr id="4" name="Input penna 3">
                 <a:extLst>
@@ -8775,7 +9931,7 @@
               <p:nvPr/>
             </p:nvPicPr>
             <p:blipFill>
-              <a:blip r:embed="rId5"/>
+              <a:blip r:embed="rId6"/>
               <a:stretch>
                 <a:fillRect/>
               </a:stretch>
@@ -8794,7 +9950,7 @@
       </mc:AlternateContent>
       <mc:AlternateContent xmlns:mc="http://schemas.openxmlformats.org/markup-compatibility/2006" xmlns:p14="http://schemas.microsoft.com/office/powerpoint/2010/main">
         <mc:Choice Requires="p14">
-          <p:contentPart p14:bwMode="auto" r:id="rId6">
+          <p:contentPart p14:bwMode="auto" r:id="rId7">
             <p14:nvContentPartPr>
               <p14:cNvPr id="8" name="Input penna 7">
                 <a:extLst>
@@ -8826,7 +9982,7 @@
               <p:nvPr/>
             </p:nvPicPr>
             <p:blipFill>
-              <a:blip r:embed="rId7"/>
+              <a:blip r:embed="rId8"/>
               <a:stretch>
                 <a:fillRect/>
               </a:stretch>
@@ -8845,7 +10001,7 @@
       </mc:AlternateContent>
       <mc:AlternateContent xmlns:mc="http://schemas.openxmlformats.org/markup-compatibility/2006" xmlns:p14="http://schemas.microsoft.com/office/powerpoint/2010/main">
         <mc:Choice Requires="p14">
-          <p:contentPart p14:bwMode="auto" r:id="rId8">
+          <p:contentPart p14:bwMode="auto" r:id="rId9">
             <p14:nvContentPartPr>
               <p14:cNvPr id="9" name="Input penna 8">
                 <a:extLst>
@@ -8877,7 +10033,7 @@
               <p:nvPr/>
             </p:nvPicPr>
             <p:blipFill>
-              <a:blip r:embed="rId7"/>
+              <a:blip r:embed="rId8"/>
               <a:stretch>
                 <a:fillRect/>
               </a:stretch>
@@ -8896,7 +10052,7 @@
       </mc:AlternateContent>
       <mc:AlternateContent xmlns:mc="http://schemas.openxmlformats.org/markup-compatibility/2006" xmlns:p14="http://schemas.microsoft.com/office/powerpoint/2010/main">
         <mc:Choice Requires="p14">
-          <p:contentPart p14:bwMode="auto" r:id="rId9">
+          <p:contentPart p14:bwMode="auto" r:id="rId10">
             <p14:nvContentPartPr>
               <p14:cNvPr id="10" name="Input penna 9">
                 <a:extLst>
@@ -8928,7 +10084,7 @@
               <p:nvPr/>
             </p:nvPicPr>
             <p:blipFill>
-              <a:blip r:embed="rId7"/>
+              <a:blip r:embed="rId8"/>
               <a:stretch>
                 <a:fillRect/>
               </a:stretch>
@@ -8947,7 +10103,7 @@
       </mc:AlternateContent>
       <mc:AlternateContent xmlns:mc="http://schemas.openxmlformats.org/markup-compatibility/2006" xmlns:p14="http://schemas.microsoft.com/office/powerpoint/2010/main">
         <mc:Choice Requires="p14">
-          <p:contentPart p14:bwMode="auto" r:id="rId10">
+          <p:contentPart p14:bwMode="auto" r:id="rId11">
             <p14:nvContentPartPr>
               <p14:cNvPr id="11" name="Input penna 10">
                 <a:extLst>
@@ -8979,7 +10135,7 @@
               <p:nvPr/>
             </p:nvPicPr>
             <p:blipFill>
-              <a:blip r:embed="rId11"/>
+              <a:blip r:embed="rId12"/>
               <a:stretch>
                 <a:fillRect/>
               </a:stretch>
@@ -8998,7 +10154,7 @@
       </mc:AlternateContent>
       <mc:AlternateContent xmlns:mc="http://schemas.openxmlformats.org/markup-compatibility/2006" xmlns:p14="http://schemas.microsoft.com/office/powerpoint/2010/main">
         <mc:Choice Requires="p14">
-          <p:contentPart p14:bwMode="auto" r:id="rId12">
+          <p:contentPart p14:bwMode="auto" r:id="rId13">
             <p14:nvContentPartPr>
               <p14:cNvPr id="12" name="Input penna 11">
                 <a:extLst>
@@ -9030,7 +10186,7 @@
               <p:nvPr/>
             </p:nvPicPr>
             <p:blipFill>
-              <a:blip r:embed="rId7"/>
+              <a:blip r:embed="rId8"/>
               <a:stretch>
                 <a:fillRect/>
               </a:stretch>
@@ -9049,7 +10205,7 @@
       </mc:AlternateContent>
       <mc:AlternateContent xmlns:mc="http://schemas.openxmlformats.org/markup-compatibility/2006" xmlns:p14="http://schemas.microsoft.com/office/powerpoint/2010/main">
         <mc:Choice Requires="p14">
-          <p:contentPart p14:bwMode="auto" r:id="rId13">
+          <p:contentPart p14:bwMode="auto" r:id="rId14">
             <p14:nvContentPartPr>
               <p14:cNvPr id="14" name="Input penna 13">
                 <a:extLst>
@@ -9081,7 +10237,7 @@
               <p:nvPr/>
             </p:nvPicPr>
             <p:blipFill>
-              <a:blip r:embed="rId14"/>
+              <a:blip r:embed="rId15"/>
               <a:stretch>
                 <a:fillRect/>
               </a:stretch>
@@ -9100,7 +10256,7 @@
       </mc:AlternateContent>
       <mc:AlternateContent xmlns:mc="http://schemas.openxmlformats.org/markup-compatibility/2006" xmlns:p14="http://schemas.microsoft.com/office/powerpoint/2010/main">
         <mc:Choice Requires="p14">
-          <p:contentPart p14:bwMode="auto" r:id="rId15">
+          <p:contentPart p14:bwMode="auto" r:id="rId16">
             <p14:nvContentPartPr>
               <p14:cNvPr id="15" name="Input penna 14">
                 <a:extLst>
@@ -9132,7 +10288,7 @@
               <p:nvPr/>
             </p:nvPicPr>
             <p:blipFill>
-              <a:blip r:embed="rId16"/>
+              <a:blip r:embed="rId17"/>
               <a:stretch>
                 <a:fillRect/>
               </a:stretch>
@@ -9151,7 +10307,7 @@
       </mc:AlternateContent>
       <mc:AlternateContent xmlns:mc="http://schemas.openxmlformats.org/markup-compatibility/2006" xmlns:p14="http://schemas.microsoft.com/office/powerpoint/2010/main">
         <mc:Choice Requires="p14">
-          <p:contentPart p14:bwMode="auto" r:id="rId17">
+          <p:contentPart p14:bwMode="auto" r:id="rId18">
             <p14:nvContentPartPr>
               <p14:cNvPr id="16" name="Input penna 15">
                 <a:extLst>
@@ -9183,7 +10339,7 @@
               <p:nvPr/>
             </p:nvPicPr>
             <p:blipFill>
-              <a:blip r:embed="rId18"/>
+              <a:blip r:embed="rId19"/>
               <a:stretch>
                 <a:fillRect/>
               </a:stretch>
@@ -9202,7 +10358,7 @@
       </mc:AlternateContent>
       <mc:AlternateContent xmlns:mc="http://schemas.openxmlformats.org/markup-compatibility/2006" xmlns:p14="http://schemas.microsoft.com/office/powerpoint/2010/main">
         <mc:Choice Requires="p14">
-          <p:contentPart p14:bwMode="auto" r:id="rId19">
+          <p:contentPart p14:bwMode="auto" r:id="rId20">
             <p14:nvContentPartPr>
               <p14:cNvPr id="17" name="Input penna 16">
                 <a:extLst>
@@ -9234,7 +10390,7 @@
               <p:nvPr/>
             </p:nvPicPr>
             <p:blipFill>
-              <a:blip r:embed="rId20"/>
+              <a:blip r:embed="rId21"/>
               <a:stretch>
                 <a:fillRect/>
               </a:stretch>
@@ -9253,7 +10409,7 @@
       </mc:AlternateContent>
       <mc:AlternateContent xmlns:mc="http://schemas.openxmlformats.org/markup-compatibility/2006" xmlns:p14="http://schemas.microsoft.com/office/powerpoint/2010/main">
         <mc:Choice Requires="p14">
-          <p:contentPart p14:bwMode="auto" r:id="rId21">
+          <p:contentPart p14:bwMode="auto" r:id="rId22">
             <p14:nvContentPartPr>
               <p14:cNvPr id="18" name="Input penna 17">
                 <a:extLst>
@@ -9285,7 +10441,7 @@
               <p:nvPr/>
             </p:nvPicPr>
             <p:blipFill>
-              <a:blip r:embed="rId22"/>
+              <a:blip r:embed="rId23"/>
               <a:stretch>
                 <a:fillRect/>
               </a:stretch>
@@ -9576,7 +10732,7 @@
           </p:nvPr>
         </p:nvPicPr>
         <p:blipFill>
-          <a:blip r:embed="rId2">
+          <a:blip r:embed="rId3">
             <a:extLst>
               <a:ext uri="{28A0092B-C50C-407E-A947-70E740481C1C}">
                 <a14:useLocalDpi xmlns:a14="http://schemas.microsoft.com/office/drawing/2010/main" val="0"/>
@@ -9682,7 +10838,7 @@
           </p:nvPr>
         </p:nvPicPr>
         <p:blipFill>
-          <a:blip r:embed="rId2">
+          <a:blip r:embed="rId3">
             <a:extLst>
               <a:ext uri="{28A0092B-C50C-407E-A947-70E740481C1C}">
                 <a14:useLocalDpi xmlns:a14="http://schemas.microsoft.com/office/drawing/2010/main" val="0"/>
@@ -9714,7 +10870,7 @@
 </file>
 
 <file path=ppt/slides/slide8.xml><?xml version="1.0" encoding="utf-8"?>
-<p:sld xmlns:a="http://schemas.openxmlformats.org/drawingml/2006/main" xmlns:r="http://schemas.openxmlformats.org/officeDocument/2006/relationships" xmlns:p="http://schemas.openxmlformats.org/presentationml/2006/main">
+<p:sld xmlns:a="http://schemas.openxmlformats.org/drawingml/2006/main" xmlns:r="http://schemas.openxmlformats.org/officeDocument/2006/relationships" xmlns:p="http://schemas.openxmlformats.org/presentationml/2006/main" show="0">
   <p:cSld>
     <p:spTree>
       <p:nvGrpSpPr>
@@ -9989,7 +11145,7 @@
                 <a:latin typeface="Arial" panose="020B0604020202020204" pitchFamily="34" charset="0"/>
                 <a:cs typeface="Arial" panose="020B0604020202020204" pitchFamily="34" charset="0"/>
               </a:rPr>
-              <a:t>Algoritmo dinamico</a:t>
+              <a:t>Algoritmo finale (dinamico)</a:t>
             </a:r>
           </a:p>
         </p:txBody>
@@ -10206,4 +11362,299 @@
     </a:ext>
   </a:extLst>
 </a:theme>
+</file>
+
+<file path=ppt/theme/theme2.xml><?xml version="1.0" encoding="utf-8"?>
+<a:theme xmlns:a="http://schemas.openxmlformats.org/drawingml/2006/main" name="Tema di Office">
+  <a:themeElements>
+    <a:clrScheme name="Office">
+      <a:dk1>
+        <a:sysClr val="windowText" lastClr="000000"/>
+      </a:dk1>
+      <a:lt1>
+        <a:sysClr val="window" lastClr="FFFFFF"/>
+      </a:lt1>
+      <a:dk2>
+        <a:srgbClr val="44546A"/>
+      </a:dk2>
+      <a:lt2>
+        <a:srgbClr val="E7E6E6"/>
+      </a:lt2>
+      <a:accent1>
+        <a:srgbClr val="4472C4"/>
+      </a:accent1>
+      <a:accent2>
+        <a:srgbClr val="ED7D31"/>
+      </a:accent2>
+      <a:accent3>
+        <a:srgbClr val="A5A5A5"/>
+      </a:accent3>
+      <a:accent4>
+        <a:srgbClr val="FFC000"/>
+      </a:accent4>
+      <a:accent5>
+        <a:srgbClr val="5B9BD5"/>
+      </a:accent5>
+      <a:accent6>
+        <a:srgbClr val="70AD47"/>
+      </a:accent6>
+      <a:hlink>
+        <a:srgbClr val="0563C1"/>
+      </a:hlink>
+      <a:folHlink>
+        <a:srgbClr val="954F72"/>
+      </a:folHlink>
+    </a:clrScheme>
+    <a:fontScheme name="Office">
+      <a:majorFont>
+        <a:latin typeface="Calibri Light" panose="020F0302020204030204"/>
+        <a:ea typeface=""/>
+        <a:cs typeface=""/>
+        <a:font script="Jpan" typeface="游ゴシック Light"/>
+        <a:font script="Hang" typeface="맑은 고딕"/>
+        <a:font script="Hans" typeface="等线 Light"/>
+        <a:font script="Hant" typeface="新細明體"/>
+        <a:font script="Arab" typeface="Times New Roman"/>
+        <a:font script="Hebr" typeface="Times New Roman"/>
+        <a:font script="Thai" typeface="Angsana New"/>
+        <a:font script="Ethi" typeface="Nyala"/>
+        <a:font script="Beng" typeface="Vrinda"/>
+        <a:font script="Gujr" typeface="Shruti"/>
+        <a:font script="Khmr" typeface="MoolBoran"/>
+        <a:font script="Knda" typeface="Tunga"/>
+        <a:font script="Guru" typeface="Raavi"/>
+        <a:font script="Cans" typeface="Euphemia"/>
+        <a:font script="Cher" typeface="Plantagenet Cherokee"/>
+        <a:font script="Yiii" typeface="Microsoft Yi Baiti"/>
+        <a:font script="Tibt" typeface="Microsoft Himalaya"/>
+        <a:font script="Thaa" typeface="MV Boli"/>
+        <a:font script="Deva" typeface="Mangal"/>
+        <a:font script="Telu" typeface="Gautami"/>
+        <a:font script="Taml" typeface="Latha"/>
+        <a:font script="Syrc" typeface="Estrangelo Edessa"/>
+        <a:font script="Orya" typeface="Kalinga"/>
+        <a:font script="Mlym" typeface="Kartika"/>
+        <a:font script="Laoo" typeface="DokChampa"/>
+        <a:font script="Sinh" typeface="Iskoola Pota"/>
+        <a:font script="Mong" typeface="Mongolian Baiti"/>
+        <a:font script="Viet" typeface="Times New Roman"/>
+        <a:font script="Uigh" typeface="Microsoft Uighur"/>
+        <a:font script="Geor" typeface="Sylfaen"/>
+        <a:font script="Armn" typeface="Arial"/>
+        <a:font script="Bugi" typeface="Leelawadee UI"/>
+        <a:font script="Bopo" typeface="Microsoft JhengHei"/>
+        <a:font script="Java" typeface="Javanese Text"/>
+        <a:font script="Lisu" typeface="Segoe UI"/>
+        <a:font script="Mymr" typeface="Myanmar Text"/>
+        <a:font script="Nkoo" typeface="Ebrima"/>
+        <a:font script="Olck" typeface="Nirmala UI"/>
+        <a:font script="Osma" typeface="Ebrima"/>
+        <a:font script="Phag" typeface="Phagspa"/>
+        <a:font script="Syrn" typeface="Estrangelo Edessa"/>
+        <a:font script="Syrj" typeface="Estrangelo Edessa"/>
+        <a:font script="Syre" typeface="Estrangelo Edessa"/>
+        <a:font script="Sora" typeface="Nirmala UI"/>
+        <a:font script="Tale" typeface="Microsoft Tai Le"/>
+        <a:font script="Talu" typeface="Microsoft New Tai Lue"/>
+        <a:font script="Tfng" typeface="Ebrima"/>
+      </a:majorFont>
+      <a:minorFont>
+        <a:latin typeface="Calibri" panose="020F0502020204030204"/>
+        <a:ea typeface=""/>
+        <a:cs typeface=""/>
+        <a:font script="Jpan" typeface="游ゴシック"/>
+        <a:font script="Hang" typeface="맑은 고딕"/>
+        <a:font script="Hans" typeface="等线"/>
+        <a:font script="Hant" typeface="新細明體"/>
+        <a:font script="Arab" typeface="Arial"/>
+        <a:font script="Hebr" typeface="Arial"/>
+        <a:font script="Thai" typeface="Cordia New"/>
+        <a:font script="Ethi" typeface="Nyala"/>
+        <a:font script="Beng" typeface="Vrinda"/>
+        <a:font script="Gujr" typeface="Shruti"/>
+        <a:font script="Khmr" typeface="DaunPenh"/>
+        <a:font script="Knda" typeface="Tunga"/>
+        <a:font script="Guru" typeface="Raavi"/>
+        <a:font script="Cans" typeface="Euphemia"/>
+        <a:font script="Cher" typeface="Plantagenet Cherokee"/>
+        <a:font script="Yiii" typeface="Microsoft Yi Baiti"/>
+        <a:font script="Tibt" typeface="Microsoft Himalaya"/>
+        <a:font script="Thaa" typeface="MV Boli"/>
+        <a:font script="Deva" typeface="Mangal"/>
+        <a:font script="Telu" typeface="Gautami"/>
+        <a:font script="Taml" typeface="Latha"/>
+        <a:font script="Syrc" typeface="Estrangelo Edessa"/>
+        <a:font script="Orya" typeface="Kalinga"/>
+        <a:font script="Mlym" typeface="Kartika"/>
+        <a:font script="Laoo" typeface="DokChampa"/>
+        <a:font script="Sinh" typeface="Iskoola Pota"/>
+        <a:font script="Mong" typeface="Mongolian Baiti"/>
+        <a:font script="Viet" typeface="Arial"/>
+        <a:font script="Uigh" typeface="Microsoft Uighur"/>
+        <a:font script="Geor" typeface="Sylfaen"/>
+        <a:font script="Armn" typeface="Arial"/>
+        <a:font script="Bugi" typeface="Leelawadee UI"/>
+        <a:font script="Bopo" typeface="Microsoft JhengHei"/>
+        <a:font script="Java" typeface="Javanese Text"/>
+        <a:font script="Lisu" typeface="Segoe UI"/>
+        <a:font script="Mymr" typeface="Myanmar Text"/>
+        <a:font script="Nkoo" typeface="Ebrima"/>
+        <a:font script="Olck" typeface="Nirmala UI"/>
+        <a:font script="Osma" typeface="Ebrima"/>
+        <a:font script="Phag" typeface="Phagspa"/>
+        <a:font script="Syrn" typeface="Estrangelo Edessa"/>
+        <a:font script="Syrj" typeface="Estrangelo Edessa"/>
+        <a:font script="Syre" typeface="Estrangelo Edessa"/>
+        <a:font script="Sora" typeface="Nirmala UI"/>
+        <a:font script="Tale" typeface="Microsoft Tai Le"/>
+        <a:font script="Talu" typeface="Microsoft New Tai Lue"/>
+        <a:font script="Tfng" typeface="Ebrima"/>
+      </a:minorFont>
+    </a:fontScheme>
+    <a:fmtScheme name="Office">
+      <a:fillStyleLst>
+        <a:solidFill>
+          <a:schemeClr val="phClr"/>
+        </a:solidFill>
+        <a:gradFill rotWithShape="1">
+          <a:gsLst>
+            <a:gs pos="0">
+              <a:schemeClr val="phClr">
+                <a:lumMod val="110000"/>
+                <a:satMod val="105000"/>
+                <a:tint val="67000"/>
+              </a:schemeClr>
+            </a:gs>
+            <a:gs pos="50000">
+              <a:schemeClr val="phClr">
+                <a:lumMod val="105000"/>
+                <a:satMod val="103000"/>
+                <a:tint val="73000"/>
+              </a:schemeClr>
+            </a:gs>
+            <a:gs pos="100000">
+              <a:schemeClr val="phClr">
+                <a:lumMod val="105000"/>
+                <a:satMod val="109000"/>
+                <a:tint val="81000"/>
+              </a:schemeClr>
+            </a:gs>
+          </a:gsLst>
+          <a:lin ang="5400000" scaled="0"/>
+        </a:gradFill>
+        <a:gradFill rotWithShape="1">
+          <a:gsLst>
+            <a:gs pos="0">
+              <a:schemeClr val="phClr">
+                <a:satMod val="103000"/>
+                <a:lumMod val="102000"/>
+                <a:tint val="94000"/>
+              </a:schemeClr>
+            </a:gs>
+            <a:gs pos="50000">
+              <a:schemeClr val="phClr">
+                <a:satMod val="110000"/>
+                <a:lumMod val="100000"/>
+                <a:shade val="100000"/>
+              </a:schemeClr>
+            </a:gs>
+            <a:gs pos="100000">
+              <a:schemeClr val="phClr">
+                <a:lumMod val="99000"/>
+                <a:satMod val="120000"/>
+                <a:shade val="78000"/>
+              </a:schemeClr>
+            </a:gs>
+          </a:gsLst>
+          <a:lin ang="5400000" scaled="0"/>
+        </a:gradFill>
+      </a:fillStyleLst>
+      <a:lnStyleLst>
+        <a:ln w="6350" cap="flat" cmpd="sng" algn="ctr">
+          <a:solidFill>
+            <a:schemeClr val="phClr"/>
+          </a:solidFill>
+          <a:prstDash val="solid"/>
+          <a:miter lim="800000"/>
+        </a:ln>
+        <a:ln w="12700" cap="flat" cmpd="sng" algn="ctr">
+          <a:solidFill>
+            <a:schemeClr val="phClr"/>
+          </a:solidFill>
+          <a:prstDash val="solid"/>
+          <a:miter lim="800000"/>
+        </a:ln>
+        <a:ln w="19050" cap="flat" cmpd="sng" algn="ctr">
+          <a:solidFill>
+            <a:schemeClr val="phClr"/>
+          </a:solidFill>
+          <a:prstDash val="solid"/>
+          <a:miter lim="800000"/>
+        </a:ln>
+      </a:lnStyleLst>
+      <a:effectStyleLst>
+        <a:effectStyle>
+          <a:effectLst/>
+        </a:effectStyle>
+        <a:effectStyle>
+          <a:effectLst/>
+        </a:effectStyle>
+        <a:effectStyle>
+          <a:effectLst>
+            <a:outerShdw blurRad="57150" dist="19050" dir="5400000" algn="ctr" rotWithShape="0">
+              <a:srgbClr val="000000">
+                <a:alpha val="63000"/>
+              </a:srgbClr>
+            </a:outerShdw>
+          </a:effectLst>
+        </a:effectStyle>
+      </a:effectStyleLst>
+      <a:bgFillStyleLst>
+        <a:solidFill>
+          <a:schemeClr val="phClr"/>
+        </a:solidFill>
+        <a:solidFill>
+          <a:schemeClr val="phClr">
+            <a:tint val="95000"/>
+            <a:satMod val="170000"/>
+          </a:schemeClr>
+        </a:solidFill>
+        <a:gradFill rotWithShape="1">
+          <a:gsLst>
+            <a:gs pos="0">
+              <a:schemeClr val="phClr">
+                <a:tint val="93000"/>
+                <a:satMod val="150000"/>
+                <a:shade val="98000"/>
+                <a:lumMod val="102000"/>
+              </a:schemeClr>
+            </a:gs>
+            <a:gs pos="50000">
+              <a:schemeClr val="phClr">
+                <a:tint val="98000"/>
+                <a:satMod val="130000"/>
+                <a:shade val="90000"/>
+                <a:lumMod val="103000"/>
+              </a:schemeClr>
+            </a:gs>
+            <a:gs pos="100000">
+              <a:schemeClr val="phClr">
+                <a:shade val="63000"/>
+                <a:satMod val="120000"/>
+              </a:schemeClr>
+            </a:gs>
+          </a:gsLst>
+          <a:lin ang="5400000" scaled="0"/>
+        </a:gradFill>
+      </a:bgFillStyleLst>
+    </a:fmtScheme>
+  </a:themeElements>
+  <a:objectDefaults/>
+  <a:extraClrSchemeLst/>
+  <a:extLst>
+    <a:ext uri="{05A4C25C-085E-4340-85A3-A5531E510DB2}">
+      <thm15:themeFamily xmlns:thm15="http://schemas.microsoft.com/office/thememl/2012/main" name="Office Theme" id="{62F939B6-93AF-4DB8-9C6B-D6C7DFDC589F}" vid="{4A3C46E8-61CC-4603-A589-7422A47A8E4A}"/>
+    </a:ext>
+  </a:extLst>
+</a:theme>
 </file>
--- a/Presentazione/Presentazione.pptx
+++ b/Presentazione/Presentazione.pptx
@@ -5,7 +5,7 @@
     <p:sldMasterId id="2147483752" r:id="rId1"/>
   </p:sldMasterIdLst>
   <p:notesMasterIdLst>
-    <p:notesMasterId r:id="rId11"/>
+    <p:notesMasterId r:id="rId10"/>
   </p:notesMasterIdLst>
   <p:sldIdLst>
     <p:sldId id="256" r:id="rId2"/>
@@ -13,10 +13,9 @@
     <p:sldId id="264" r:id="rId4"/>
     <p:sldId id="265" r:id="rId5"/>
     <p:sldId id="266" r:id="rId6"/>
-    <p:sldId id="270" r:id="rId7"/>
-    <p:sldId id="268" r:id="rId8"/>
-    <p:sldId id="267" r:id="rId9"/>
-    <p:sldId id="269" r:id="rId10"/>
+    <p:sldId id="268" r:id="rId7"/>
+    <p:sldId id="267" r:id="rId8"/>
+    <p:sldId id="269" r:id="rId9"/>
   </p:sldIdLst>
   <p:sldSz cx="12192000" cy="6858000"/>
   <p:notesSz cx="6858000" cy="9144000"/>
@@ -126,6 +125,7 @@
 <file path=ppt/revisionInfo.xml><?xml version="1.0" encoding="utf-8"?>
 <p1510:revInfo xmlns:a="http://schemas.openxmlformats.org/drawingml/2006/main" xmlns:r="http://schemas.openxmlformats.org/officeDocument/2006/relationships" xmlns:p1510="http://schemas.microsoft.com/office/powerpoint/2015/10/main">
   <p1510:revLst>
+    <p1510:client id="{209715FE-8D35-4D65-AD6F-5E926C267CD7}" v="1" dt="2022-12-19T09:47:38.489"/>
     <p1510:client id="{3E4E4FC6-62AB-42A6-A019-012D78365768}" v="3" dt="2022-12-19T07:23:46.306"/>
   </p1510:revLst>
 </p1510:revInfo>
@@ -544,7 +544,7 @@
   <pc:docChgLst>
     <pc:chgData name="Alessi Gabriele" userId="70aede1a-fec5-4aae-8738-08363ca282e6" providerId="ADAL" clId="{209715FE-8D35-4D65-AD6F-5E926C267CD7}"/>
     <pc:docChg chg="undo redo custSel addSld delSld modSld sldOrd">
-      <pc:chgData name="Alessi Gabriele" userId="70aede1a-fec5-4aae-8738-08363ca282e6" providerId="ADAL" clId="{209715FE-8D35-4D65-AD6F-5E926C267CD7}" dt="2022-12-14T17:56:57.360" v="1002" actId="1036"/>
+      <pc:chgData name="Alessi Gabriele" userId="70aede1a-fec5-4aae-8738-08363ca282e6" providerId="ADAL" clId="{209715FE-8D35-4D65-AD6F-5E926C267CD7}" dt="2022-12-19T09:56:34.261" v="1035" actId="20577"/>
       <pc:docMkLst>
         <pc:docMk/>
       </pc:docMkLst>
@@ -700,7 +700,7 @@
         </pc:picChg>
       </pc:sldChg>
       <pc:sldChg chg="addSp delSp modSp add mod">
-        <pc:chgData name="Alessi Gabriele" userId="70aede1a-fec5-4aae-8738-08363ca282e6" providerId="ADAL" clId="{209715FE-8D35-4D65-AD6F-5E926C267CD7}" dt="2022-12-14T17:34:08.587" v="614" actId="1035"/>
+        <pc:chgData name="Alessi Gabriele" userId="70aede1a-fec5-4aae-8738-08363ca282e6" providerId="ADAL" clId="{209715FE-8D35-4D65-AD6F-5E926C267CD7}" dt="2022-12-19T09:51:54.206" v="1023" actId="1076"/>
         <pc:sldMkLst>
           <pc:docMk/>
           <pc:sldMk cId="2696425520" sldId="265"/>
@@ -730,7 +730,7 @@
           </ac:spMkLst>
         </pc:spChg>
         <pc:picChg chg="add mod">
-          <ac:chgData name="Alessi Gabriele" userId="70aede1a-fec5-4aae-8738-08363ca282e6" providerId="ADAL" clId="{209715FE-8D35-4D65-AD6F-5E926C267CD7}" dt="2022-12-14T17:34:08.587" v="614" actId="1035"/>
+          <ac:chgData name="Alessi Gabriele" userId="70aede1a-fec5-4aae-8738-08363ca282e6" providerId="ADAL" clId="{209715FE-8D35-4D65-AD6F-5E926C267CD7}" dt="2022-12-19T09:51:54.206" v="1023" actId="1076"/>
           <ac:picMkLst>
             <pc:docMk/>
             <pc:sldMk cId="2696425520" sldId="265"/>
@@ -738,7 +738,7 @@
           </ac:picMkLst>
         </pc:picChg>
         <pc:picChg chg="add mod">
-          <ac:chgData name="Alessi Gabriele" userId="70aede1a-fec5-4aae-8738-08363ca282e6" providerId="ADAL" clId="{209715FE-8D35-4D65-AD6F-5E926C267CD7}" dt="2022-12-14T17:33:48.707" v="611" actId="1076"/>
+          <ac:chgData name="Alessi Gabriele" userId="70aede1a-fec5-4aae-8738-08363ca282e6" providerId="ADAL" clId="{209715FE-8D35-4D65-AD6F-5E926C267CD7}" dt="2022-12-19T09:51:53.960" v="1022" actId="1076"/>
           <ac:picMkLst>
             <pc:docMk/>
             <pc:sldMk cId="2696425520" sldId="265"/>
@@ -792,8 +792,8 @@
           </ac:spMkLst>
         </pc:spChg>
       </pc:sldChg>
-      <pc:sldChg chg="addSp delSp modSp add mod ord">
-        <pc:chgData name="Alessi Gabriele" userId="70aede1a-fec5-4aae-8738-08363ca282e6" providerId="ADAL" clId="{209715FE-8D35-4D65-AD6F-5E926C267CD7}" dt="2022-12-14T17:51:14.108" v="967" actId="1076"/>
+      <pc:sldChg chg="addSp delSp modSp add mod ord modNotesTx">
+        <pc:chgData name="Alessi Gabriele" userId="70aede1a-fec5-4aae-8738-08363ca282e6" providerId="ADAL" clId="{209715FE-8D35-4D65-AD6F-5E926C267CD7}" dt="2022-12-19T09:56:34.261" v="1035" actId="20577"/>
         <pc:sldMkLst>
           <pc:docMk/>
           <pc:sldMk cId="566374648" sldId="268"/>
@@ -807,6 +807,14 @@
           </ac:spMkLst>
         </pc:spChg>
         <pc:spChg chg="add del mod">
+          <ac:chgData name="Alessi Gabriele" userId="70aede1a-fec5-4aae-8738-08363ca282e6" providerId="ADAL" clId="{209715FE-8D35-4D65-AD6F-5E926C267CD7}" dt="2022-12-19T09:47:38.489" v="1005"/>
+          <ac:spMkLst>
+            <pc:docMk/>
+            <pc:sldMk cId="566374648" sldId="268"/>
+            <ac:spMk id="4" creationId="{619B00A4-2899-18CE-5F18-56528394103A}"/>
+          </ac:spMkLst>
+        </pc:spChg>
+        <pc:spChg chg="add del mod">
           <ac:chgData name="Alessi Gabriele" userId="70aede1a-fec5-4aae-8738-08363ca282e6" providerId="ADAL" clId="{209715FE-8D35-4D65-AD6F-5E926C267CD7}" dt="2022-12-14T17:50:55.839" v="963"/>
           <ac:spMkLst>
             <pc:docMk/>
@@ -814,8 +822,8 @@
             <ac:spMk id="4" creationId="{845353CB-F466-F0C1-1084-9566076564B2}"/>
           </ac:spMkLst>
         </pc:spChg>
-        <pc:picChg chg="add mod">
-          <ac:chgData name="Alessi Gabriele" userId="70aede1a-fec5-4aae-8738-08363ca282e6" providerId="ADAL" clId="{209715FE-8D35-4D65-AD6F-5E926C267CD7}" dt="2022-12-14T17:51:14.108" v="967" actId="1076"/>
+        <pc:picChg chg="add del mod">
+          <ac:chgData name="Alessi Gabriele" userId="70aede1a-fec5-4aae-8738-08363ca282e6" providerId="ADAL" clId="{209715FE-8D35-4D65-AD6F-5E926C267CD7}" dt="2022-12-19T09:45:44.823" v="1004" actId="478"/>
           <ac:picMkLst>
             <pc:docMk/>
             <pc:sldMk cId="566374648" sldId="268"/>
@@ -828,6 +836,14 @@
             <pc:docMk/>
             <pc:sldMk cId="566374648" sldId="268"/>
             <ac:picMk id="6" creationId="{CDF7546A-9411-007C-9928-B9CB0EDCEDF0}"/>
+          </ac:picMkLst>
+        </pc:picChg>
+        <pc:picChg chg="add mod">
+          <ac:chgData name="Alessi Gabriele" userId="70aede1a-fec5-4aae-8738-08363ca282e6" providerId="ADAL" clId="{209715FE-8D35-4D65-AD6F-5E926C267CD7}" dt="2022-12-19T09:51:57.933" v="1025" actId="1076"/>
+          <ac:picMkLst>
+            <pc:docMk/>
+            <pc:sldMk cId="566374648" sldId="268"/>
+            <ac:picMk id="7" creationId="{57639D5D-1B91-71A4-5814-F19C17DA19A1}"/>
           </ac:picMkLst>
         </pc:picChg>
         <pc:picChg chg="del">
@@ -868,6 +884,13 @@
             <ac:spMk id="3" creationId="{F968FC28-8D72-8F4D-8610-D4F615127428}"/>
           </ac:spMkLst>
         </pc:spChg>
+      </pc:sldChg>
+      <pc:sldChg chg="del">
+        <pc:chgData name="Alessi Gabriele" userId="70aede1a-fec5-4aae-8738-08363ca282e6" providerId="ADAL" clId="{209715FE-8D35-4D65-AD6F-5E926C267CD7}" dt="2022-12-19T09:45:41.948" v="1003" actId="47"/>
+        <pc:sldMkLst>
+          <pc:docMk/>
+          <pc:sldMk cId="2716996836" sldId="270"/>
+        </pc:sldMkLst>
       </pc:sldChg>
       <pc:sldChg chg="add del">
         <pc:chgData name="Alessi Gabriele" userId="70aede1a-fec5-4aae-8738-08363ca282e6" providerId="ADAL" clId="{209715FE-8D35-4D65-AD6F-5E926C267CD7}" dt="2022-12-14T17:53:28.751" v="989" actId="47"/>
@@ -2360,15 +2383,6 @@
               <a:t>Gabriele</a:t>
             </a:r>
           </a:p>
-          <a:p>
-            <a:endParaRPr lang="it-CH" dirty="0"/>
-          </a:p>
-          <a:p>
-            <a:r>
-              <a:rPr lang="it-CH" dirty="0"/>
-              <a:t>Cambio</a:t>
-            </a:r>
-          </a:p>
         </p:txBody>
       </p:sp>
       <p:sp>
@@ -2397,7 +2411,7 @@
     </p:spTree>
     <p:extLst>
       <p:ext uri="{BB962C8B-B14F-4D97-AF65-F5344CB8AC3E}">
-        <p14:creationId xmlns:p14="http://schemas.microsoft.com/office/powerpoint/2010/main" val="1745474350"/>
+        <p14:creationId xmlns:p14="http://schemas.microsoft.com/office/powerpoint/2010/main" val="507048533"/>
       </p:ext>
     </p:extLst>
   </p:cSld>
@@ -2456,6 +2470,12 @@
               <a:t>Orlando</a:t>
             </a:r>
           </a:p>
+          <a:p>
+            <a:r>
+              <a:rPr lang="it-CH" dirty="0"/>
+              <a:t>Algoritmo finale: performante, complicato da implementare</a:t>
+            </a:r>
+          </a:p>
         </p:txBody>
       </p:sp>
       <p:sp>
@@ -2475,100 +2495,7 @@
           <a:p>
             <a:fld id="{628CECF3-B4E2-4F79-BC0B-2779CD7BBA40}" type="slidenum">
               <a:rPr lang="it-CH" smtClean="0"/>
-              <a:t>7</a:t>
-            </a:fld>
-            <a:endParaRPr lang="it-CH"/>
-          </a:p>
-        </p:txBody>
-      </p:sp>
-    </p:spTree>
-    <p:extLst>
-      <p:ext uri="{BB962C8B-B14F-4D97-AF65-F5344CB8AC3E}">
-        <p14:creationId xmlns:p14="http://schemas.microsoft.com/office/powerpoint/2010/main" val="507048533"/>
-      </p:ext>
-    </p:extLst>
-  </p:cSld>
-  <p:clrMapOvr>
-    <a:masterClrMapping/>
-  </p:clrMapOvr>
-</p:notes>
-</file>
-
-<file path=ppt/notesSlides/notesSlide8.xml><?xml version="1.0" encoding="utf-8"?>
-<p:notes xmlns:a="http://schemas.openxmlformats.org/drawingml/2006/main" xmlns:r="http://schemas.openxmlformats.org/officeDocument/2006/relationships" xmlns:p="http://schemas.openxmlformats.org/presentationml/2006/main">
-  <p:cSld>
-    <p:spTree>
-      <p:nvGrpSpPr>
-        <p:cNvPr id="1" name=""/>
-        <p:cNvGrpSpPr/>
-        <p:nvPr/>
-      </p:nvGrpSpPr>
-      <p:grpSpPr>
-        <a:xfrm>
-          <a:off x="0" y="0"/>
-          <a:ext cx="0" cy="0"/>
-          <a:chOff x="0" y="0"/>
-          <a:chExt cx="0" cy="0"/>
-        </a:xfrm>
-      </p:grpSpPr>
-      <p:sp>
-        <p:nvSpPr>
-          <p:cNvPr id="2" name="Segnaposto immagine diapositiva 1"/>
-          <p:cNvSpPr>
-            <a:spLocks noGrp="1" noRot="1" noChangeAspect="1"/>
-          </p:cNvSpPr>
-          <p:nvPr>
-            <p:ph type="sldImg"/>
-          </p:nvPr>
-        </p:nvSpPr>
-        <p:spPr/>
-      </p:sp>
-      <p:sp>
-        <p:nvSpPr>
-          <p:cNvPr id="3" name="Segnaposto note 2"/>
-          <p:cNvSpPr>
-            <a:spLocks noGrp="1"/>
-          </p:cNvSpPr>
-          <p:nvPr>
-            <p:ph type="body" idx="1"/>
-          </p:nvPr>
-        </p:nvSpPr>
-        <p:spPr/>
-        <p:txBody>
-          <a:bodyPr/>
-          <a:lstStyle/>
-          <a:p>
-            <a:r>
-              <a:rPr lang="it-CH" dirty="0"/>
-              <a:t>Orlando</a:t>
-            </a:r>
-          </a:p>
-          <a:p>
-            <a:r>
-              <a:rPr lang="it-CH" dirty="0"/>
-              <a:t>Algoritmo finale: performante, complicato da implementare</a:t>
-            </a:r>
-          </a:p>
-        </p:txBody>
-      </p:sp>
-      <p:sp>
-        <p:nvSpPr>
-          <p:cNvPr id="4" name="Segnaposto numero diapositiva 3"/>
-          <p:cNvSpPr>
-            <a:spLocks noGrp="1"/>
-          </p:cNvSpPr>
-          <p:nvPr>
-            <p:ph type="sldNum" sz="quarter" idx="5"/>
-          </p:nvPr>
-        </p:nvSpPr>
-        <p:spPr/>
-        <p:txBody>
-          <a:bodyPr/>
-          <a:lstStyle/>
-          <a:p>
-            <a:fld id="{628CECF3-B4E2-4F79-BC0B-2779CD7BBA40}" type="slidenum">
-              <a:rPr lang="it-CH" smtClean="0"/>
-              <a:t>9</a:t>
+              <a:t>8</a:t>
             </a:fld>
             <a:endParaRPr lang="it-CH"/>
           </a:p>
@@ -10706,9 +10633,9 @@
                 <a:latin typeface="Arial" panose="020B0604020202020204" pitchFamily="34" charset="0"/>
                 <a:cs typeface="Arial" panose="020B0604020202020204" pitchFamily="34" charset="0"/>
               </a:rPr>
-              <a:t>Pseudocodice</a:t>
-            </a:r>
-            <a:endParaRPr lang="en-GB" dirty="0">
+              <a:t>Flowchart</a:t>
+            </a:r>
+            <a:endParaRPr lang="it-CH" dirty="0">
               <a:latin typeface="Arial" panose="020B0604020202020204" pitchFamily="34" charset="0"/>
               <a:cs typeface="Arial" panose="020B0604020202020204" pitchFamily="34" charset="0"/>
             </a:endParaRPr>
@@ -10717,10 +10644,10 @@
       </p:sp>
       <p:pic>
         <p:nvPicPr>
-          <p:cNvPr id="5" name="Segnaposto contenuto 4" descr="Immagine che contiene testo, elettronico, schermo&#10;&#10;Descrizione generata automaticamente">
+          <p:cNvPr id="7" name="Segnaposto contenuto 6">
             <a:extLst>
               <a:ext uri="{FF2B5EF4-FFF2-40B4-BE49-F238E27FC236}">
-                <a16:creationId xmlns:a16="http://schemas.microsoft.com/office/drawing/2014/main" id="{D27EB97E-3BAA-490F-973B-0435CB25287E}"/>
+                <a16:creationId xmlns:a16="http://schemas.microsoft.com/office/drawing/2014/main" id="{57639D5D-1B91-71A4-5814-F19C17DA19A1}"/>
               </a:ext>
             </a:extLst>
           </p:cNvPr>
@@ -10745,114 +10672,8 @@
         </p:blipFill>
         <p:spPr>
           <a:xfrm>
-            <a:off x="4542020" y="1838411"/>
-            <a:ext cx="3102964" cy="5017816"/>
-          </a:xfrm>
-        </p:spPr>
-      </p:pic>
-    </p:spTree>
-    <p:extLst>
-      <p:ext uri="{BB962C8B-B14F-4D97-AF65-F5344CB8AC3E}">
-        <p14:creationId xmlns:p14="http://schemas.microsoft.com/office/powerpoint/2010/main" val="2716996836"/>
-      </p:ext>
-    </p:extLst>
-  </p:cSld>
-  <p:clrMapOvr>
-    <a:masterClrMapping/>
-  </p:clrMapOvr>
-</p:sld>
-</file>
-
-<file path=ppt/slides/slide7.xml><?xml version="1.0" encoding="utf-8"?>
-<p:sld xmlns:a="http://schemas.openxmlformats.org/drawingml/2006/main" xmlns:r="http://schemas.openxmlformats.org/officeDocument/2006/relationships" xmlns:p="http://schemas.openxmlformats.org/presentationml/2006/main">
-  <p:cSld>
-    <p:spTree>
-      <p:nvGrpSpPr>
-        <p:cNvPr id="1" name=""/>
-        <p:cNvGrpSpPr/>
-        <p:nvPr/>
-      </p:nvGrpSpPr>
-      <p:grpSpPr>
-        <a:xfrm>
-          <a:off x="0" y="0"/>
-          <a:ext cx="0" cy="0"/>
-          <a:chOff x="0" y="0"/>
-          <a:chExt cx="0" cy="0"/>
-        </a:xfrm>
-      </p:grpSpPr>
-      <p:sp>
-        <p:nvSpPr>
-          <p:cNvPr id="2" name="Titolo 1">
-            <a:extLst>
-              <a:ext uri="{FF2B5EF4-FFF2-40B4-BE49-F238E27FC236}">
-                <a16:creationId xmlns:a16="http://schemas.microsoft.com/office/drawing/2014/main" id="{879831E4-11E3-5912-4DA5-3877ED87C2C8}"/>
-              </a:ext>
-            </a:extLst>
-          </p:cNvPr>
-          <p:cNvSpPr>
-            <a:spLocks noGrp="1"/>
-          </p:cNvSpPr>
-          <p:nvPr>
-            <p:ph type="title"/>
-          </p:nvPr>
-        </p:nvSpPr>
-        <p:spPr>
-          <a:xfrm>
-            <a:off x="838200" y="517161"/>
-            <a:ext cx="10515600" cy="796135"/>
-          </a:xfrm>
-        </p:spPr>
-        <p:txBody>
-          <a:bodyPr/>
-          <a:lstStyle/>
-          <a:p>
-            <a:pPr algn="ctr"/>
-            <a:r>
-              <a:rPr lang="it-IT" dirty="0">
-                <a:latin typeface="Arial" panose="020B0604020202020204" pitchFamily="34" charset="0"/>
-                <a:cs typeface="Arial" panose="020B0604020202020204" pitchFamily="34" charset="0"/>
-              </a:rPr>
-              <a:t>Flowchart</a:t>
-            </a:r>
-            <a:endParaRPr lang="it-CH" dirty="0">
-              <a:latin typeface="Arial" panose="020B0604020202020204" pitchFamily="34" charset="0"/>
-              <a:cs typeface="Arial" panose="020B0604020202020204" pitchFamily="34" charset="0"/>
-            </a:endParaRPr>
-          </a:p>
-        </p:txBody>
-      </p:sp>
-      <p:pic>
-        <p:nvPicPr>
-          <p:cNvPr id="5" name="Segnaposto contenuto 9">
-            <a:extLst>
-              <a:ext uri="{FF2B5EF4-FFF2-40B4-BE49-F238E27FC236}">
-                <a16:creationId xmlns:a16="http://schemas.microsoft.com/office/drawing/2014/main" id="{2AC70BE5-F3B3-CFA2-8978-C9382EB541E8}"/>
-              </a:ext>
-            </a:extLst>
-          </p:cNvPr>
-          <p:cNvPicPr>
-            <a:picLocks noGrp="1" noChangeAspect="1"/>
-          </p:cNvPicPr>
-          <p:nvPr>
-            <p:ph idx="1"/>
-          </p:nvPr>
-        </p:nvPicPr>
-        <p:blipFill>
-          <a:blip r:embed="rId3">
-            <a:extLst>
-              <a:ext uri="{28A0092B-C50C-407E-A947-70E740481C1C}">
-                <a14:useLocalDpi xmlns:a14="http://schemas.microsoft.com/office/drawing/2010/main" val="0"/>
-              </a:ext>
-            </a:extLst>
-          </a:blip>
-          <a:stretch>
-            <a:fillRect/>
-          </a:stretch>
-        </p:blipFill>
-        <p:spPr>
-          <a:xfrm>
-            <a:off x="3098866" y="2119312"/>
-            <a:ext cx="5994268" cy="4452937"/>
+            <a:off x="2753582" y="2013525"/>
+            <a:ext cx="6684836" cy="4611011"/>
           </a:xfrm>
         </p:spPr>
       </p:pic>
@@ -10869,7 +10690,7 @@
 </p:sld>
 </file>
 
-<file path=ppt/slides/slide8.xml><?xml version="1.0" encoding="utf-8"?>
+<file path=ppt/slides/slide7.xml><?xml version="1.0" encoding="utf-8"?>
 <p:sld xmlns:a="http://schemas.openxmlformats.org/drawingml/2006/main" xmlns:r="http://schemas.openxmlformats.org/officeDocument/2006/relationships" xmlns:p="http://schemas.openxmlformats.org/presentationml/2006/main" show="0">
   <p:cSld>
     <p:spTree>
@@ -11017,7 +10838,7 @@
 </p:sld>
 </file>
 
-<file path=ppt/slides/slide9.xml><?xml version="1.0" encoding="utf-8"?>
+<file path=ppt/slides/slide8.xml><?xml version="1.0" encoding="utf-8"?>
 <p:sld xmlns:a="http://schemas.openxmlformats.org/drawingml/2006/main" xmlns:r="http://schemas.openxmlformats.org/officeDocument/2006/relationships" xmlns:p="http://schemas.openxmlformats.org/presentationml/2006/main">
   <p:cSld>
     <p:spTree>

--- a/Presentazione/Presentazione.pptx
+++ b/Presentazione/Presentazione.pptx
@@ -904,7 +904,7 @@
   <pc:docChgLst>
     <pc:chgData name="orlando bohrer" userId="6516a393efc9cfb3" providerId="LiveId" clId="{3E4E4FC6-62AB-42A6-A019-012D78365768}"/>
     <pc:docChg chg="undo custSel addSld delSld modSld">
-      <pc:chgData name="orlando bohrer" userId="6516a393efc9cfb3" providerId="LiveId" clId="{3E4E4FC6-62AB-42A6-A019-012D78365768}" dt="2022-12-19T08:54:59.232" v="697" actId="20577"/>
+      <pc:chgData name="orlando bohrer" userId="6516a393efc9cfb3" providerId="LiveId" clId="{3E4E4FC6-62AB-42A6-A019-012D78365768}" dt="2022-12-19T10:01:03.824" v="705" actId="20577"/>
       <pc:docMkLst>
         <pc:docMk/>
       </pc:docMkLst>
@@ -1110,7 +1110,7 @@
         </pc:spChg>
       </pc:sldChg>
       <pc:sldChg chg="modNotesTx">
-        <pc:chgData name="orlando bohrer" userId="6516a393efc9cfb3" providerId="LiveId" clId="{3E4E4FC6-62AB-42A6-A019-012D78365768}" dt="2022-12-19T08:48:29.416" v="553" actId="20577"/>
+        <pc:chgData name="orlando bohrer" userId="6516a393efc9cfb3" providerId="LiveId" clId="{3E4E4FC6-62AB-42A6-A019-012D78365768}" dt="2022-12-19T10:01:03.824" v="705" actId="20577"/>
         <pc:sldMkLst>
           <pc:docMk/>
           <pc:sldMk cId="566374648" sldId="268"/>
@@ -2382,6 +2382,16 @@
               <a:rPr lang="it-CH" dirty="0"/>
               <a:t>Gabriele</a:t>
             </a:r>
+          </a:p>
+          <a:p>
+            <a:endParaRPr lang="it-CH" dirty="0"/>
+          </a:p>
+          <a:p>
+            <a:r>
+              <a:rPr lang="it-CH"/>
+              <a:t>Cambio</a:t>
+            </a:r>
+            <a:endParaRPr lang="it-CH" dirty="0"/>
           </a:p>
         </p:txBody>
       </p:sp>

--- a/Presentazione/Presentazione.pptx
+++ b/Presentazione/Presentazione.pptx
@@ -14,8 +14,8 @@
     <p:sldId id="265" r:id="rId5"/>
     <p:sldId id="266" r:id="rId6"/>
     <p:sldId id="268" r:id="rId7"/>
-    <p:sldId id="267" r:id="rId8"/>
-    <p:sldId id="269" r:id="rId9"/>
+    <p:sldId id="269" r:id="rId8"/>
+    <p:sldId id="267" r:id="rId9"/>
   </p:sldIdLst>
   <p:sldSz cx="12192000" cy="6858000"/>
   <p:notesSz cx="6858000" cy="9144000"/>
@@ -126,7 +126,7 @@
 <p1510:revInfo xmlns:a="http://schemas.openxmlformats.org/drawingml/2006/main" xmlns:r="http://schemas.openxmlformats.org/officeDocument/2006/relationships" xmlns:p1510="http://schemas.microsoft.com/office/powerpoint/2015/10/main">
   <p1510:revLst>
     <p1510:client id="{209715FE-8D35-4D65-AD6F-5E926C267CD7}" v="1" dt="2022-12-19T09:47:38.489"/>
-    <p1510:client id="{3E4E4FC6-62AB-42A6-A019-012D78365768}" v="3" dt="2022-12-19T07:23:46.306"/>
+    <p1510:client id="{3E4E4FC6-62AB-42A6-A019-012D78365768}" v="4" dt="2022-12-19T10:59:38.465"/>
   </p1510:revLst>
 </p1510:revInfo>
 </file>
@@ -903,8 +903,8 @@
   </pc:docChgLst>
   <pc:docChgLst>
     <pc:chgData name="orlando bohrer" userId="6516a393efc9cfb3" providerId="LiveId" clId="{3E4E4FC6-62AB-42A6-A019-012D78365768}"/>
-    <pc:docChg chg="undo custSel addSld delSld modSld">
-      <pc:chgData name="orlando bohrer" userId="6516a393efc9cfb3" providerId="LiveId" clId="{3E4E4FC6-62AB-42A6-A019-012D78365768}" dt="2022-12-19T10:01:03.824" v="705" actId="20577"/>
+    <pc:docChg chg="undo custSel addSld delSld modSld sldOrd">
+      <pc:chgData name="orlando bohrer" userId="6516a393efc9cfb3" providerId="LiveId" clId="{3E4E4FC6-62AB-42A6-A019-012D78365768}" dt="2022-12-19T10:59:51.450" v="707"/>
       <pc:docMkLst>
         <pc:docMk/>
       </pc:docMkLst>
@@ -1094,8 +1094,8 @@
           </ac:spMkLst>
         </pc:spChg>
       </pc:sldChg>
-      <pc:sldChg chg="modSp add del mod modShow">
-        <pc:chgData name="orlando bohrer" userId="6516a393efc9cfb3" providerId="LiveId" clId="{3E4E4FC6-62AB-42A6-A019-012D78365768}" dt="2022-12-19T08:35:36.708" v="251" actId="729"/>
+      <pc:sldChg chg="modSp add del mod ord modShow">
+        <pc:chgData name="orlando bohrer" userId="6516a393efc9cfb3" providerId="LiveId" clId="{3E4E4FC6-62AB-42A6-A019-012D78365768}" dt="2022-12-19T10:59:51.450" v="707"/>
         <pc:sldMkLst>
           <pc:docMk/>
           <pc:sldMk cId="1438295537" sldId="267"/>
@@ -2505,7 +2505,7 @@
           <a:p>
             <a:fld id="{628CECF3-B4E2-4F79-BC0B-2779CD7BBA40}" type="slidenum">
               <a:rPr lang="it-CH" smtClean="0"/>
-              <a:t>8</a:t>
+              <a:t>7</a:t>
             </a:fld>
             <a:endParaRPr lang="it-CH"/>
           </a:p>
@@ -2675,7 +2675,7 @@
           <a:bodyPr/>
           <a:lstStyle/>
           <a:p>
-            <a:fld id="{F6CCBF3A-D7FB-4B97-8FD5-6FFB20CB1E84}" type="datetimeFigureOut">
+            <a:fld id="{37B21082-E79E-48C7-B770-AEAC07ADE3BB}" type="datetime1">
               <a:rPr lang="en-US" smtClean="0"/>
               <a:t>12/19/2022</a:t>
             </a:fld>
@@ -2916,7 +2916,7 @@
           <a:bodyPr/>
           <a:lstStyle/>
           <a:p>
-            <a:fld id="{F6CCBF3A-D7FB-4B97-8FD5-6FFB20CB1E84}" type="datetimeFigureOut">
+            <a:fld id="{F46C3B36-42CE-42B2-ADD6-28544EA86862}" type="datetime1">
               <a:rPr lang="en-US" smtClean="0"/>
               <a:t>12/19/2022</a:t>
             </a:fld>
@@ -3125,7 +3125,7 @@
           <a:bodyPr/>
           <a:lstStyle/>
           <a:p>
-            <a:fld id="{F6CCBF3A-D7FB-4B97-8FD5-6FFB20CB1E84}" type="datetimeFigureOut">
+            <a:fld id="{9D02ECB8-9090-4E97-9BF0-10270B162019}" type="datetime1">
               <a:rPr lang="en-US" smtClean="0"/>
               <a:t>12/19/2022</a:t>
             </a:fld>
@@ -3367,7 +3367,7 @@
           <a:bodyPr/>
           <a:lstStyle/>
           <a:p>
-            <a:fld id="{F6CCBF3A-D7FB-4B97-8FD5-6FFB20CB1E84}" type="datetimeFigureOut">
+            <a:fld id="{7D183D2D-56F9-4BC0-9F16-DCFD84D93DEE}" type="datetime1">
               <a:rPr lang="en-US" smtClean="0"/>
               <a:t>12/19/2022</a:t>
             </a:fld>
@@ -3645,7 +3645,7 @@
           <a:bodyPr/>
           <a:lstStyle/>
           <a:p>
-            <a:fld id="{F6CCBF3A-D7FB-4B97-8FD5-6FFB20CB1E84}" type="datetimeFigureOut">
+            <a:fld id="{5DC25DEB-0F1B-49D5-930D-39B29ADF50BE}" type="datetime1">
               <a:rPr lang="en-US" smtClean="0"/>
               <a:t>12/19/2022</a:t>
             </a:fld>
@@ -3911,7 +3911,7 @@
           <a:bodyPr/>
           <a:lstStyle/>
           <a:p>
-            <a:fld id="{F6CCBF3A-D7FB-4B97-8FD5-6FFB20CB1E84}" type="datetimeFigureOut">
+            <a:fld id="{230E37CC-F6DB-42B6-8B02-59BF40BA9B6C}" type="datetime1">
               <a:rPr lang="en-US" smtClean="0"/>
               <a:t>12/19/2022</a:t>
             </a:fld>
@@ -4324,7 +4324,7 @@
           <a:bodyPr/>
           <a:lstStyle/>
           <a:p>
-            <a:fld id="{F6CCBF3A-D7FB-4B97-8FD5-6FFB20CB1E84}" type="datetimeFigureOut">
+            <a:fld id="{948147E4-49FC-48A8-9D04-045854AC285D}" type="datetime1">
               <a:rPr lang="en-US" smtClean="0"/>
               <a:t>12/19/2022</a:t>
             </a:fld>
@@ -4471,7 +4471,7 @@
           <a:bodyPr/>
           <a:lstStyle/>
           <a:p>
-            <a:fld id="{F6CCBF3A-D7FB-4B97-8FD5-6FFB20CB1E84}" type="datetimeFigureOut">
+            <a:fld id="{7EB5422E-34E2-4668-A823-0212B93C07CC}" type="datetime1">
               <a:rPr lang="en-US" smtClean="0"/>
               <a:t>12/19/2022</a:t>
             </a:fld>
@@ -4584,7 +4584,7 @@
           <a:bodyPr/>
           <a:lstStyle/>
           <a:p>
-            <a:fld id="{F6CCBF3A-D7FB-4B97-8FD5-6FFB20CB1E84}" type="datetimeFigureOut">
+            <a:fld id="{F89441BC-6862-40C9-8250-19591F07DB4E}" type="datetime1">
               <a:rPr lang="en-US" smtClean="0"/>
               <a:t>12/19/2022</a:t>
             </a:fld>
@@ -4896,7 +4896,7 @@
           <a:bodyPr/>
           <a:lstStyle/>
           <a:p>
-            <a:fld id="{F6CCBF3A-D7FB-4B97-8FD5-6FFB20CB1E84}" type="datetimeFigureOut">
+            <a:fld id="{87AD9AFF-B929-4428-99E4-B0A9C2D4CDFD}" type="datetime1">
               <a:rPr lang="en-US" smtClean="0"/>
               <a:t>12/19/2022</a:t>
             </a:fld>
@@ -5231,7 +5231,7 @@
           <a:bodyPr/>
           <a:lstStyle/>
           <a:p>
-            <a:fld id="{F6CCBF3A-D7FB-4B97-8FD5-6FFB20CB1E84}" type="datetimeFigureOut">
+            <a:fld id="{2D6BA080-1A81-4642-BF41-AF1D5D81753A}" type="datetime1">
               <a:rPr lang="en-US" smtClean="0"/>
               <a:t>12/19/2022</a:t>
             </a:fld>
@@ -5520,7 +5520,7 @@
             </a:lvl1pPr>
           </a:lstStyle>
           <a:p>
-            <a:fld id="{F6CCBF3A-D7FB-4B97-8FD5-6FFB20CB1E84}" type="datetimeFigureOut">
+            <a:fld id="{42E99E4D-7D01-4CA5-B13A-16E79FD379D9}" type="datetime1">
               <a:rPr lang="en-US" smtClean="0"/>
               <a:t>12/19/2022</a:t>
             </a:fld>
@@ -5678,6 +5678,7 @@
     <p:sldLayoutId id="2147483744" r:id="rId10"/>
     <p:sldLayoutId id="2147483745" r:id="rId11"/>
   </p:sldLayoutIdLst>
+  <p:hf hdr="0" ftr="0" dt="0"/>
   <p:txStyles>
     <p:titleStyle>
       <a:lvl1pPr algn="l" defTabSz="914400" rtl="0" eaLnBrk="1" latinLnBrk="0" hangingPunct="1">
@@ -9353,6 +9354,35 @@
           </a:p>
         </p:txBody>
       </p:sp>
+      <p:sp>
+        <p:nvSpPr>
+          <p:cNvPr id="5" name="Segnaposto numero diapositiva 4">
+            <a:extLst>
+              <a:ext uri="{FF2B5EF4-FFF2-40B4-BE49-F238E27FC236}">
+                <a16:creationId xmlns:a16="http://schemas.microsoft.com/office/drawing/2014/main" id="{39163B05-0964-1382-622B-941007560000}"/>
+              </a:ext>
+            </a:extLst>
+          </p:cNvPr>
+          <p:cNvSpPr>
+            <a:spLocks noGrp="1"/>
+          </p:cNvSpPr>
+          <p:nvPr>
+            <p:ph type="sldNum" sz="quarter" idx="12"/>
+          </p:nvPr>
+        </p:nvSpPr>
+        <p:spPr/>
+        <p:txBody>
+          <a:bodyPr/>
+          <a:lstStyle/>
+          <a:p>
+            <a:fld id="{3109D357-8067-4A1F-97B2-93C5160B78D9}" type="slidenum">
+              <a:rPr lang="en-US" smtClean="0"/>
+              <a:t>1</a:t>
+            </a:fld>
+            <a:endParaRPr lang="en-US"/>
+          </a:p>
+        </p:txBody>
+      </p:sp>
     </p:spTree>
     <p:extLst>
       <p:ext uri="{BB962C8B-B14F-4D97-AF65-F5344CB8AC3E}">
@@ -9526,6 +9556,35 @@
           </a:prstGeom>
         </p:spPr>
       </p:pic>
+      <p:sp>
+        <p:nvSpPr>
+          <p:cNvPr id="4" name="Segnaposto numero diapositiva 3">
+            <a:extLst>
+              <a:ext uri="{FF2B5EF4-FFF2-40B4-BE49-F238E27FC236}">
+                <a16:creationId xmlns:a16="http://schemas.microsoft.com/office/drawing/2014/main" id="{E431BA4E-A925-8C22-69C4-B772313AB75B}"/>
+              </a:ext>
+            </a:extLst>
+          </p:cNvPr>
+          <p:cNvSpPr>
+            <a:spLocks noGrp="1"/>
+          </p:cNvSpPr>
+          <p:nvPr>
+            <p:ph type="sldNum" sz="quarter" idx="12"/>
+          </p:nvPr>
+        </p:nvSpPr>
+        <p:spPr/>
+        <p:txBody>
+          <a:bodyPr/>
+          <a:lstStyle/>
+          <a:p>
+            <a:fld id="{3109D357-8067-4A1F-97B2-93C5160B78D9}" type="slidenum">
+              <a:rPr lang="en-US" smtClean="0"/>
+              <a:t>2</a:t>
+            </a:fld>
+            <a:endParaRPr lang="en-US"/>
+          </a:p>
+        </p:txBody>
+      </p:sp>
     </p:spTree>
     <p:extLst>
       <p:ext uri="{BB962C8B-B14F-4D97-AF65-F5344CB8AC3E}">
@@ -9689,6 +9748,35 @@
               </a:rPr>
               <a:t>Minimo tempo impiegabile</a:t>
             </a:r>
+          </a:p>
+        </p:txBody>
+      </p:sp>
+      <p:sp>
+        <p:nvSpPr>
+          <p:cNvPr id="4" name="Segnaposto numero diapositiva 3">
+            <a:extLst>
+              <a:ext uri="{FF2B5EF4-FFF2-40B4-BE49-F238E27FC236}">
+                <a16:creationId xmlns:a16="http://schemas.microsoft.com/office/drawing/2014/main" id="{D0A31DEF-1DB8-DD15-9F40-B1088B300949}"/>
+              </a:ext>
+            </a:extLst>
+          </p:cNvPr>
+          <p:cNvSpPr>
+            <a:spLocks noGrp="1"/>
+          </p:cNvSpPr>
+          <p:nvPr>
+            <p:ph type="sldNum" sz="quarter" idx="12"/>
+          </p:nvPr>
+        </p:nvSpPr>
+        <p:spPr/>
+        <p:txBody>
+          <a:bodyPr/>
+          <a:lstStyle/>
+          <a:p>
+            <a:fld id="{3109D357-8067-4A1F-97B2-93C5160B78D9}" type="slidenum">
+              <a:rPr lang="en-US" smtClean="0"/>
+              <a:t>3</a:t>
+            </a:fld>
+            <a:endParaRPr lang="en-US"/>
           </a:p>
         </p:txBody>
       </p:sp>
@@ -10395,6 +10483,35 @@
           </p:pic>
         </mc:Fallback>
       </mc:AlternateContent>
+      <p:sp>
+        <p:nvSpPr>
+          <p:cNvPr id="3" name="Segnaposto numero diapositiva 2">
+            <a:extLst>
+              <a:ext uri="{FF2B5EF4-FFF2-40B4-BE49-F238E27FC236}">
+                <a16:creationId xmlns:a16="http://schemas.microsoft.com/office/drawing/2014/main" id="{78236846-7683-393B-AE29-03B77A346097}"/>
+              </a:ext>
+            </a:extLst>
+          </p:cNvPr>
+          <p:cNvSpPr>
+            <a:spLocks noGrp="1"/>
+          </p:cNvSpPr>
+          <p:nvPr>
+            <p:ph type="sldNum" sz="quarter" idx="12"/>
+          </p:nvPr>
+        </p:nvSpPr>
+        <p:spPr/>
+        <p:txBody>
+          <a:bodyPr/>
+          <a:lstStyle/>
+          <a:p>
+            <a:fld id="{3109D357-8067-4A1F-97B2-93C5160B78D9}" type="slidenum">
+              <a:rPr lang="en-US" smtClean="0"/>
+              <a:t>4</a:t>
+            </a:fld>
+            <a:endParaRPr lang="en-US"/>
+          </a:p>
+        </p:txBody>
+      </p:sp>
     </p:spTree>
     <p:extLst>
       <p:ext uri="{BB962C8B-B14F-4D97-AF65-F5344CB8AC3E}">
@@ -10578,6 +10695,35 @@
               <a:latin typeface="Arial" panose="020B0604020202020204" pitchFamily="34" charset="0"/>
               <a:cs typeface="Arial" panose="020B0604020202020204" pitchFamily="34" charset="0"/>
             </a:endParaRPr>
+          </a:p>
+        </p:txBody>
+      </p:sp>
+      <p:sp>
+        <p:nvSpPr>
+          <p:cNvPr id="4" name="Segnaposto numero diapositiva 3">
+            <a:extLst>
+              <a:ext uri="{FF2B5EF4-FFF2-40B4-BE49-F238E27FC236}">
+                <a16:creationId xmlns:a16="http://schemas.microsoft.com/office/drawing/2014/main" id="{36E7E3B3-B3C7-28F9-97CA-859E036C6D00}"/>
+              </a:ext>
+            </a:extLst>
+          </p:cNvPr>
+          <p:cNvSpPr>
+            <a:spLocks noGrp="1"/>
+          </p:cNvSpPr>
+          <p:nvPr>
+            <p:ph type="sldNum" sz="quarter" idx="12"/>
+          </p:nvPr>
+        </p:nvSpPr>
+        <p:spPr/>
+        <p:txBody>
+          <a:bodyPr/>
+          <a:lstStyle/>
+          <a:p>
+            <a:fld id="{3109D357-8067-4A1F-97B2-93C5160B78D9}" type="slidenum">
+              <a:rPr lang="en-US" smtClean="0"/>
+              <a:t>5</a:t>
+            </a:fld>
+            <a:endParaRPr lang="en-US"/>
           </a:p>
         </p:txBody>
       </p:sp>
@@ -10687,6 +10833,35 @@
           </a:xfrm>
         </p:spPr>
       </p:pic>
+      <p:sp>
+        <p:nvSpPr>
+          <p:cNvPr id="3" name="Segnaposto numero diapositiva 2">
+            <a:extLst>
+              <a:ext uri="{FF2B5EF4-FFF2-40B4-BE49-F238E27FC236}">
+                <a16:creationId xmlns:a16="http://schemas.microsoft.com/office/drawing/2014/main" id="{93F1FF98-F92D-54EE-EEF3-2703D756106F}"/>
+              </a:ext>
+            </a:extLst>
+          </p:cNvPr>
+          <p:cNvSpPr>
+            <a:spLocks noGrp="1"/>
+          </p:cNvSpPr>
+          <p:nvPr>
+            <p:ph type="sldNum" sz="quarter" idx="12"/>
+          </p:nvPr>
+        </p:nvSpPr>
+        <p:spPr/>
+        <p:txBody>
+          <a:bodyPr/>
+          <a:lstStyle/>
+          <a:p>
+            <a:fld id="{3109D357-8067-4A1F-97B2-93C5160B78D9}" type="slidenum">
+              <a:rPr lang="en-US" smtClean="0"/>
+              <a:t>6</a:t>
+            </a:fld>
+            <a:endParaRPr lang="en-US"/>
+          </a:p>
+        </p:txBody>
+      </p:sp>
     </p:spTree>
     <p:extLst>
       <p:ext uri="{BB962C8B-B14F-4D97-AF65-F5344CB8AC3E}">
@@ -10701,6 +10876,181 @@
 </file>
 
 <file path=ppt/slides/slide7.xml><?xml version="1.0" encoding="utf-8"?>
+<p:sld xmlns:a="http://schemas.openxmlformats.org/drawingml/2006/main" xmlns:r="http://schemas.openxmlformats.org/officeDocument/2006/relationships" xmlns:p="http://schemas.openxmlformats.org/presentationml/2006/main">
+  <p:cSld>
+    <p:spTree>
+      <p:nvGrpSpPr>
+        <p:cNvPr id="1" name=""/>
+        <p:cNvGrpSpPr/>
+        <p:nvPr/>
+      </p:nvGrpSpPr>
+      <p:grpSpPr>
+        <a:xfrm>
+          <a:off x="0" y="0"/>
+          <a:ext cx="0" cy="0"/>
+          <a:chOff x="0" y="0"/>
+          <a:chExt cx="0" cy="0"/>
+        </a:xfrm>
+      </p:grpSpPr>
+      <p:sp>
+        <p:nvSpPr>
+          <p:cNvPr id="2" name="Titolo 1">
+            <a:extLst>
+              <a:ext uri="{FF2B5EF4-FFF2-40B4-BE49-F238E27FC236}">
+                <a16:creationId xmlns:a16="http://schemas.microsoft.com/office/drawing/2014/main" id="{879831E4-11E3-5912-4DA5-3877ED87C2C8}"/>
+              </a:ext>
+            </a:extLst>
+          </p:cNvPr>
+          <p:cNvSpPr>
+            <a:spLocks noGrp="1"/>
+          </p:cNvSpPr>
+          <p:nvPr>
+            <p:ph type="title"/>
+          </p:nvPr>
+        </p:nvSpPr>
+        <p:spPr>
+          <a:xfrm>
+            <a:off x="838200" y="517161"/>
+            <a:ext cx="10515600" cy="796135"/>
+          </a:xfrm>
+        </p:spPr>
+        <p:txBody>
+          <a:bodyPr/>
+          <a:lstStyle/>
+          <a:p>
+            <a:pPr algn="ctr"/>
+            <a:r>
+              <a:rPr lang="it-IT" dirty="0">
+                <a:latin typeface="Arial" panose="020B0604020202020204" pitchFamily="34" charset="0"/>
+                <a:cs typeface="Arial" panose="020B0604020202020204" pitchFamily="34" charset="0"/>
+              </a:rPr>
+              <a:t>Conclusioni</a:t>
+            </a:r>
+            <a:endParaRPr lang="it-CH" dirty="0">
+              <a:latin typeface="Arial" panose="020B0604020202020204" pitchFamily="34" charset="0"/>
+              <a:cs typeface="Arial" panose="020B0604020202020204" pitchFamily="34" charset="0"/>
+            </a:endParaRPr>
+          </a:p>
+        </p:txBody>
+      </p:sp>
+      <p:sp>
+        <p:nvSpPr>
+          <p:cNvPr id="3" name="Segnaposto contenuto 2">
+            <a:extLst>
+              <a:ext uri="{FF2B5EF4-FFF2-40B4-BE49-F238E27FC236}">
+                <a16:creationId xmlns:a16="http://schemas.microsoft.com/office/drawing/2014/main" id="{F968FC28-8D72-8F4D-8610-D4F615127428}"/>
+              </a:ext>
+            </a:extLst>
+          </p:cNvPr>
+          <p:cNvSpPr>
+            <a:spLocks noGrp="1"/>
+          </p:cNvSpPr>
+          <p:nvPr>
+            <p:ph idx="1"/>
+          </p:nvPr>
+        </p:nvSpPr>
+        <p:spPr>
+          <a:xfrm>
+            <a:off x="838200" y="2902526"/>
+            <a:ext cx="10515600" cy="3061595"/>
+          </a:xfrm>
+        </p:spPr>
+        <p:txBody>
+          <a:bodyPr/>
+          <a:lstStyle/>
+          <a:p>
+            <a:r>
+              <a:rPr lang="it-CH" dirty="0">
+                <a:latin typeface="Arial" panose="020B0604020202020204" pitchFamily="34" charset="0"/>
+                <a:cs typeface="Arial" panose="020B0604020202020204" pitchFamily="34" charset="0"/>
+              </a:rPr>
+              <a:t>Punti completati:</a:t>
+            </a:r>
+          </a:p>
+          <a:p>
+            <a:pPr lvl="1"/>
+            <a:r>
+              <a:rPr lang="it-CH" dirty="0">
+                <a:latin typeface="Arial" panose="020B0604020202020204" pitchFamily="34" charset="0"/>
+                <a:cs typeface="Arial" panose="020B0604020202020204" pitchFamily="34" charset="0"/>
+              </a:rPr>
+              <a:t>Comprensione del testo</a:t>
+            </a:r>
+          </a:p>
+          <a:p>
+            <a:pPr lvl="1"/>
+            <a:r>
+              <a:rPr lang="it-CH" dirty="0">
+                <a:latin typeface="Arial" panose="020B0604020202020204" pitchFamily="34" charset="0"/>
+                <a:cs typeface="Arial" panose="020B0604020202020204" pitchFamily="34" charset="0"/>
+              </a:rPr>
+              <a:t>Algoritmo di base</a:t>
+            </a:r>
+          </a:p>
+          <a:p>
+            <a:r>
+              <a:rPr lang="it-CH" dirty="0">
+                <a:latin typeface="Arial" panose="020B0604020202020204" pitchFamily="34" charset="0"/>
+                <a:cs typeface="Arial" panose="020B0604020202020204" pitchFamily="34" charset="0"/>
+              </a:rPr>
+              <a:t>Punti da completare:</a:t>
+            </a:r>
+          </a:p>
+          <a:p>
+            <a:pPr lvl="1"/>
+            <a:r>
+              <a:rPr lang="it-CH" dirty="0">
+                <a:latin typeface="Arial" panose="020B0604020202020204" pitchFamily="34" charset="0"/>
+                <a:cs typeface="Arial" panose="020B0604020202020204" pitchFamily="34" charset="0"/>
+              </a:rPr>
+              <a:t>Algoritmo finale (dinamico)</a:t>
+            </a:r>
+          </a:p>
+        </p:txBody>
+      </p:sp>
+      <p:sp>
+        <p:nvSpPr>
+          <p:cNvPr id="4" name="Segnaposto numero diapositiva 3">
+            <a:extLst>
+              <a:ext uri="{FF2B5EF4-FFF2-40B4-BE49-F238E27FC236}">
+                <a16:creationId xmlns:a16="http://schemas.microsoft.com/office/drawing/2014/main" id="{90951242-7F1E-28A7-6752-ECC85ACDB6B6}"/>
+              </a:ext>
+            </a:extLst>
+          </p:cNvPr>
+          <p:cNvSpPr>
+            <a:spLocks noGrp="1"/>
+          </p:cNvSpPr>
+          <p:nvPr>
+            <p:ph type="sldNum" sz="quarter" idx="12"/>
+          </p:nvPr>
+        </p:nvSpPr>
+        <p:spPr/>
+        <p:txBody>
+          <a:bodyPr/>
+          <a:lstStyle/>
+          <a:p>
+            <a:fld id="{3109D357-8067-4A1F-97B2-93C5160B78D9}" type="slidenum">
+              <a:rPr lang="en-US" smtClean="0"/>
+              <a:t>7</a:t>
+            </a:fld>
+            <a:endParaRPr lang="en-US"/>
+          </a:p>
+        </p:txBody>
+      </p:sp>
+    </p:spTree>
+    <p:extLst>
+      <p:ext uri="{BB962C8B-B14F-4D97-AF65-F5344CB8AC3E}">
+        <p14:creationId xmlns:p14="http://schemas.microsoft.com/office/powerpoint/2010/main" val="3914932294"/>
+      </p:ext>
+    </p:extLst>
+  </p:cSld>
+  <p:clrMapOvr>
+    <a:masterClrMapping/>
+  </p:clrMapOvr>
+</p:sld>
+</file>
+
+<file path=ppt/slides/slide8.xml><?xml version="1.0" encoding="utf-8"?>
 <p:sld xmlns:a="http://schemas.openxmlformats.org/drawingml/2006/main" xmlns:r="http://schemas.openxmlformats.org/officeDocument/2006/relationships" xmlns:p="http://schemas.openxmlformats.org/presentationml/2006/main" show="0">
   <p:cSld>
     <p:spTree>
@@ -10835,42 +11185,12 @@
           </a:p>
         </p:txBody>
       </p:sp>
-    </p:spTree>
-    <p:extLst>
-      <p:ext uri="{BB962C8B-B14F-4D97-AF65-F5344CB8AC3E}">
-        <p14:creationId xmlns:p14="http://schemas.microsoft.com/office/powerpoint/2010/main" val="1438295537"/>
-      </p:ext>
-    </p:extLst>
-  </p:cSld>
-  <p:clrMapOvr>
-    <a:masterClrMapping/>
-  </p:clrMapOvr>
-</p:sld>
-</file>
-
-<file path=ppt/slides/slide8.xml><?xml version="1.0" encoding="utf-8"?>
-<p:sld xmlns:a="http://schemas.openxmlformats.org/drawingml/2006/main" xmlns:r="http://schemas.openxmlformats.org/officeDocument/2006/relationships" xmlns:p="http://schemas.openxmlformats.org/presentationml/2006/main">
-  <p:cSld>
-    <p:spTree>
-      <p:nvGrpSpPr>
-        <p:cNvPr id="1" name=""/>
-        <p:cNvGrpSpPr/>
-        <p:nvPr/>
-      </p:nvGrpSpPr>
-      <p:grpSpPr>
-        <a:xfrm>
-          <a:off x="0" y="0"/>
-          <a:ext cx="0" cy="0"/>
-          <a:chOff x="0" y="0"/>
-          <a:chExt cx="0" cy="0"/>
-        </a:xfrm>
-      </p:grpSpPr>
       <p:sp>
         <p:nvSpPr>
-          <p:cNvPr id="2" name="Titolo 1">
+          <p:cNvPr id="4" name="Segnaposto numero diapositiva 3">
             <a:extLst>
               <a:ext uri="{FF2B5EF4-FFF2-40B4-BE49-F238E27FC236}">
-                <a16:creationId xmlns:a16="http://schemas.microsoft.com/office/drawing/2014/main" id="{879831E4-11E3-5912-4DA5-3877ED87C2C8}"/>
+                <a16:creationId xmlns:a16="http://schemas.microsoft.com/office/drawing/2014/main" id="{2EC3D050-081E-9606-DDB0-6542F84047F5}"/>
               </a:ext>
             </a:extLst>
           </p:cNvPr>
@@ -10878,113 +11198,26 @@
             <a:spLocks noGrp="1"/>
           </p:cNvSpPr>
           <p:nvPr>
-            <p:ph type="title"/>
+            <p:ph type="sldNum" sz="quarter" idx="12"/>
           </p:nvPr>
         </p:nvSpPr>
-        <p:spPr>
-          <a:xfrm>
-            <a:off x="838200" y="517161"/>
-            <a:ext cx="10515600" cy="796135"/>
-          </a:xfrm>
-        </p:spPr>
+        <p:spPr/>
         <p:txBody>
           <a:bodyPr/>
           <a:lstStyle/>
           <a:p>
-            <a:pPr algn="ctr"/>
-            <a:r>
-              <a:rPr lang="it-IT" dirty="0">
-                <a:latin typeface="Arial" panose="020B0604020202020204" pitchFamily="34" charset="0"/>
-                <a:cs typeface="Arial" panose="020B0604020202020204" pitchFamily="34" charset="0"/>
-              </a:rPr>
-              <a:t>Conclusioni</a:t>
-            </a:r>
-            <a:endParaRPr lang="it-CH" dirty="0">
-              <a:latin typeface="Arial" panose="020B0604020202020204" pitchFamily="34" charset="0"/>
-              <a:cs typeface="Arial" panose="020B0604020202020204" pitchFamily="34" charset="0"/>
-            </a:endParaRPr>
-          </a:p>
-        </p:txBody>
-      </p:sp>
-      <p:sp>
-        <p:nvSpPr>
-          <p:cNvPr id="3" name="Segnaposto contenuto 2">
-            <a:extLst>
-              <a:ext uri="{FF2B5EF4-FFF2-40B4-BE49-F238E27FC236}">
-                <a16:creationId xmlns:a16="http://schemas.microsoft.com/office/drawing/2014/main" id="{F968FC28-8D72-8F4D-8610-D4F615127428}"/>
-              </a:ext>
-            </a:extLst>
-          </p:cNvPr>
-          <p:cNvSpPr>
-            <a:spLocks noGrp="1"/>
-          </p:cNvSpPr>
-          <p:nvPr>
-            <p:ph idx="1"/>
-          </p:nvPr>
-        </p:nvSpPr>
-        <p:spPr>
-          <a:xfrm>
-            <a:off x="838200" y="2902526"/>
-            <a:ext cx="10515600" cy="3061595"/>
-          </a:xfrm>
-        </p:spPr>
-        <p:txBody>
-          <a:bodyPr/>
-          <a:lstStyle/>
-          <a:p>
-            <a:r>
-              <a:rPr lang="it-CH" dirty="0">
-                <a:latin typeface="Arial" panose="020B0604020202020204" pitchFamily="34" charset="0"/>
-                <a:cs typeface="Arial" panose="020B0604020202020204" pitchFamily="34" charset="0"/>
-              </a:rPr>
-              <a:t>Punti completati:</a:t>
-            </a:r>
-          </a:p>
-          <a:p>
-            <a:pPr lvl="1"/>
-            <a:r>
-              <a:rPr lang="it-CH" dirty="0">
-                <a:latin typeface="Arial" panose="020B0604020202020204" pitchFamily="34" charset="0"/>
-                <a:cs typeface="Arial" panose="020B0604020202020204" pitchFamily="34" charset="0"/>
-              </a:rPr>
-              <a:t>Comprensione del testo</a:t>
-            </a:r>
-          </a:p>
-          <a:p>
-            <a:pPr lvl="1"/>
-            <a:r>
-              <a:rPr lang="it-CH" dirty="0">
-                <a:latin typeface="Arial" panose="020B0604020202020204" pitchFamily="34" charset="0"/>
-                <a:cs typeface="Arial" panose="020B0604020202020204" pitchFamily="34" charset="0"/>
-              </a:rPr>
-              <a:t>Algoritmo di base</a:t>
-            </a:r>
-          </a:p>
-          <a:p>
-            <a:r>
-              <a:rPr lang="it-CH" dirty="0">
-                <a:latin typeface="Arial" panose="020B0604020202020204" pitchFamily="34" charset="0"/>
-                <a:cs typeface="Arial" panose="020B0604020202020204" pitchFamily="34" charset="0"/>
-              </a:rPr>
-              <a:t>Punti da completare:</a:t>
-            </a:r>
-          </a:p>
-          <a:p>
-            <a:pPr lvl="1"/>
-            <a:r>
-              <a:rPr lang="it-CH" dirty="0">
-                <a:latin typeface="Arial" panose="020B0604020202020204" pitchFamily="34" charset="0"/>
-                <a:cs typeface="Arial" panose="020B0604020202020204" pitchFamily="34" charset="0"/>
-              </a:rPr>
-              <a:t>Algoritmo finale (dinamico)</a:t>
-            </a:r>
+            <a:fld id="{3109D357-8067-4A1F-97B2-93C5160B78D9}" type="slidenum">
+              <a:rPr lang="en-US" smtClean="0"/>
+              <a:t>8</a:t>
+            </a:fld>
+            <a:endParaRPr lang="en-US"/>
           </a:p>
         </p:txBody>
       </p:sp>
     </p:spTree>
     <p:extLst>
       <p:ext uri="{BB962C8B-B14F-4D97-AF65-F5344CB8AC3E}">
-        <p14:creationId xmlns:p14="http://schemas.microsoft.com/office/powerpoint/2010/main" val="3914932294"/>
+        <p14:creationId xmlns:p14="http://schemas.microsoft.com/office/powerpoint/2010/main" val="1438295537"/>
       </p:ext>
     </p:extLst>
   </p:cSld>

--- a/Presentazione/Presentazione.pptx
+++ b/Presentazione/Presentazione.pptx
@@ -904,7 +904,7 @@
   <pc:docChgLst>
     <pc:chgData name="orlando bohrer" userId="6516a393efc9cfb3" providerId="LiveId" clId="{3E4E4FC6-62AB-42A6-A019-012D78365768}"/>
     <pc:docChg chg="undo custSel addSld delSld modSld sldOrd">
-      <pc:chgData name="orlando bohrer" userId="6516a393efc9cfb3" providerId="LiveId" clId="{3E4E4FC6-62AB-42A6-A019-012D78365768}" dt="2022-12-19T10:59:51.450" v="707"/>
+      <pc:chgData name="orlando bohrer" userId="6516a393efc9cfb3" providerId="LiveId" clId="{3E4E4FC6-62AB-42A6-A019-012D78365768}" dt="2022-12-19T11:03:54.897" v="733" actId="20577"/>
       <pc:docMkLst>
         <pc:docMk/>
       </pc:docMkLst>
@@ -1080,7 +1080,7 @@
         </pc:inkChg>
       </pc:sldChg>
       <pc:sldChg chg="modSp mod modNotesTx">
-        <pc:chgData name="orlando bohrer" userId="6516a393efc9cfb3" providerId="LiveId" clId="{3E4E4FC6-62AB-42A6-A019-012D78365768}" dt="2022-12-19T08:48:13.983" v="547" actId="20577"/>
+        <pc:chgData name="orlando bohrer" userId="6516a393efc9cfb3" providerId="LiveId" clId="{3E4E4FC6-62AB-42A6-A019-012D78365768}" dt="2022-12-19T11:03:54.897" v="733" actId="20577"/>
         <pc:sldMkLst>
           <pc:docMk/>
           <pc:sldMk cId="3722465700" sldId="266"/>
@@ -2295,6 +2295,17 @@
               <a:rPr lang="it-CH" dirty="0"/>
               <a:t>Gabriele</a:t>
             </a:r>
+          </a:p>
+          <a:p>
+            <a:r>
+              <a:rPr lang="it-CH"/>
+              <a:t>Complessità polinomial</a:t>
+            </a:r>
+            <a:r>
+              <a:rPr lang="it-CH" dirty="0"/>
+              <a:t>e</a:t>
+            </a:r>
+            <a:endParaRPr lang="it-CH"/>
           </a:p>
         </p:txBody>
       </p:sp>
